--- a/Введение в React.pptx
+++ b/Введение в React.pptx
@@ -11,6 +11,11 @@
     <p:sldId id="260" r:id="rId5"/>
     <p:sldId id="262" r:id="rId6"/>
     <p:sldId id="264" r:id="rId7"/>
+    <p:sldId id="265" r:id="rId8"/>
+    <p:sldId id="266" r:id="rId9"/>
+    <p:sldId id="268" r:id="rId10"/>
+    <p:sldId id="269" r:id="rId11"/>
+    <p:sldId id="270" r:id="rId12"/>
   </p:sldIdLst>
   <p:sldSz cx="12192000" cy="6858000"/>
   <p:notesSz cx="6858000" cy="9144000"/>
@@ -109,6 +114,11 @@
       </a:defRPr>
     </a:lvl9pPr>
   </p:defaultTextStyle>
+  <p:extLst>
+    <p:ext uri="{EFAFB233-063F-42B5-8137-9DF3F51BA10A}">
+      <p15:sldGuideLst xmlns:p15="http://schemas.microsoft.com/office/powerpoint/2012/main"/>
+    </p:ext>
+  </p:extLst>
 </p:presentation>
 </file>
 
@@ -3542,6 +3552,882 @@
 </p:sld>
 </file>
 
+<file path=ppt/slides/slide10.xml><?xml version="1.0" encoding="utf-8"?>
+<p:sld xmlns:a="http://schemas.openxmlformats.org/drawingml/2006/main" xmlns:r="http://schemas.openxmlformats.org/officeDocument/2006/relationships" xmlns:p="http://schemas.openxmlformats.org/presentationml/2006/main">
+  <p:cSld>
+    <p:spTree>
+      <p:nvGrpSpPr>
+        <p:cNvPr id="1" name=""/>
+        <p:cNvGrpSpPr/>
+        <p:nvPr/>
+      </p:nvGrpSpPr>
+      <p:grpSpPr>
+        <a:xfrm>
+          <a:off x="0" y="0"/>
+          <a:ext cx="0" cy="0"/>
+          <a:chOff x="0" y="0"/>
+          <a:chExt cx="0" cy="0"/>
+        </a:xfrm>
+      </p:grpSpPr>
+      <p:sp>
+        <p:nvSpPr>
+          <p:cNvPr id="2" name="Заголовок 1">
+            <a:extLst>
+              <a:ext uri="{FF2B5EF4-FFF2-40B4-BE49-F238E27FC236}">
+                <a16:creationId xmlns:a16="http://schemas.microsoft.com/office/drawing/2014/main" id="{F11751D2-ED12-F57D-3664-30FE598F8F23}"/>
+              </a:ext>
+            </a:extLst>
+          </p:cNvPr>
+          <p:cNvSpPr>
+            <a:spLocks noGrp="1"/>
+          </p:cNvSpPr>
+          <p:nvPr>
+            <p:ph type="title"/>
+          </p:nvPr>
+        </p:nvSpPr>
+        <p:spPr>
+          <a:xfrm>
+            <a:off x="632825" y="200953"/>
+            <a:ext cx="10515600" cy="1325563"/>
+          </a:xfrm>
+        </p:spPr>
+        <p:txBody>
+          <a:bodyPr/>
+          <a:lstStyle/>
+          <a:p>
+            <a:r>
+              <a:rPr lang="ru-RU" b="1" spc="300" dirty="0"/>
+              <a:t>Хук </a:t>
+            </a:r>
+            <a:r>
+              <a:rPr lang="en-US" b="1" spc="300" dirty="0"/>
+              <a:t>useState()</a:t>
+            </a:r>
+            <a:endParaRPr lang="ru-RU" b="1" spc="300" dirty="0"/>
+          </a:p>
+        </p:txBody>
+      </p:sp>
+      <p:sp>
+        <p:nvSpPr>
+          <p:cNvPr id="3" name="Объект 2">
+            <a:extLst>
+              <a:ext uri="{FF2B5EF4-FFF2-40B4-BE49-F238E27FC236}">
+                <a16:creationId xmlns:a16="http://schemas.microsoft.com/office/drawing/2014/main" id="{977731BF-818E-3C10-0B75-60D4A5E0AE3F}"/>
+              </a:ext>
+            </a:extLst>
+          </p:cNvPr>
+          <p:cNvSpPr>
+            <a:spLocks noGrp="1"/>
+          </p:cNvSpPr>
+          <p:nvPr>
+            <p:ph idx="1"/>
+          </p:nvPr>
+        </p:nvSpPr>
+        <p:spPr>
+          <a:xfrm>
+            <a:off x="632822" y="1263802"/>
+            <a:ext cx="10926351" cy="1683553"/>
+          </a:xfrm>
+        </p:spPr>
+        <p:txBody>
+          <a:bodyPr>
+            <a:normAutofit/>
+          </a:bodyPr>
+          <a:lstStyle/>
+          <a:p>
+            <a:pPr marL="0" indent="0">
+              <a:buNone/>
+            </a:pPr>
+            <a:r>
+              <a:rPr lang="ru-RU" sz="2500" spc="-150" dirty="0"/>
+              <a:t>Добавим в приложение некоторую динамику, а именно счётчик нажатий. Для этого познакомимся с </a:t>
+            </a:r>
+            <a:r>
+              <a:rPr lang="en-US" sz="2500" spc="-150" dirty="0"/>
+              <a:t>React-</a:t>
+            </a:r>
+            <a:r>
+              <a:rPr lang="ru-RU" sz="2500" spc="-150" dirty="0"/>
+              <a:t>хуком </a:t>
+            </a:r>
+            <a:r>
+              <a:rPr lang="ru-RU" sz="2500" b="1" spc="-150" dirty="0"/>
+              <a:t>useState()</a:t>
+            </a:r>
+            <a:r>
+              <a:rPr lang="ru-RU" sz="2500" spc="-150" dirty="0"/>
+              <a:t>, который позволяет определить состояние компонента.</a:t>
+            </a:r>
+            <a:endParaRPr lang="en-US" sz="2500" spc="-150" dirty="0"/>
+          </a:p>
+          <a:p>
+            <a:pPr marL="0" indent="0">
+              <a:buNone/>
+            </a:pPr>
+            <a:r>
+              <a:rPr lang="ru-RU" sz="2500" spc="-150" dirty="0"/>
+              <a:t>Добавим в функцию </a:t>
+            </a:r>
+            <a:r>
+              <a:rPr lang="en-US" sz="2500" spc="-150" dirty="0"/>
+              <a:t>App</a:t>
+            </a:r>
+            <a:r>
+              <a:rPr lang="ru-RU" sz="2500" spc="-150" dirty="0"/>
+              <a:t> перед </a:t>
+            </a:r>
+            <a:r>
+              <a:rPr lang="en-US" sz="2500" spc="-150" dirty="0"/>
+              <a:t>return </a:t>
+            </a:r>
+            <a:r>
+              <a:rPr lang="ru-RU" sz="2500" spc="-150" dirty="0"/>
+              <a:t>следующую строку:</a:t>
+            </a:r>
+          </a:p>
+          <a:p>
+            <a:pPr marL="0" indent="0">
+              <a:buNone/>
+            </a:pPr>
+            <a:endParaRPr lang="ru-RU" sz="2500" spc="-150" dirty="0"/>
+          </a:p>
+        </p:txBody>
+      </p:sp>
+      <p:pic>
+        <p:nvPicPr>
+          <p:cNvPr id="5" name="Рисунок 4">
+            <a:extLst>
+              <a:ext uri="{FF2B5EF4-FFF2-40B4-BE49-F238E27FC236}">
+                <a16:creationId xmlns:a16="http://schemas.microsoft.com/office/drawing/2014/main" id="{3063E049-9DE5-70D5-179D-DB3A4081D2B4}"/>
+              </a:ext>
+            </a:extLst>
+          </p:cNvPr>
+          <p:cNvPicPr>
+            <a:picLocks noChangeAspect="1"/>
+          </p:cNvPicPr>
+          <p:nvPr/>
+        </p:nvPicPr>
+        <p:blipFill>
+          <a:blip r:embed="rId2"/>
+          <a:stretch>
+            <a:fillRect/>
+          </a:stretch>
+        </p:blipFill>
+        <p:spPr>
+          <a:xfrm>
+            <a:off x="736993" y="2978048"/>
+            <a:ext cx="6256251" cy="439996"/>
+          </a:xfrm>
+          <a:prstGeom prst="rect">
+            <a:avLst/>
+          </a:prstGeom>
+        </p:spPr>
+      </p:pic>
+      <p:sp>
+        <p:nvSpPr>
+          <p:cNvPr id="7" name="Объект 2">
+            <a:extLst>
+              <a:ext uri="{FF2B5EF4-FFF2-40B4-BE49-F238E27FC236}">
+                <a16:creationId xmlns:a16="http://schemas.microsoft.com/office/drawing/2014/main" id="{BA4C9CD9-59DA-9E60-F2D2-8664DC0343D6}"/>
+              </a:ext>
+            </a:extLst>
+          </p:cNvPr>
+          <p:cNvSpPr txBox="1">
+            <a:spLocks/>
+          </p:cNvSpPr>
+          <p:nvPr/>
+        </p:nvSpPr>
+        <p:spPr>
+          <a:xfrm>
+            <a:off x="632821" y="3597431"/>
+            <a:ext cx="10926351" cy="3059616"/>
+          </a:xfrm>
+          <a:prstGeom prst="rect">
+            <a:avLst/>
+          </a:prstGeom>
+        </p:spPr>
+        <p:txBody>
+          <a:bodyPr vert="horz" lIns="91440" tIns="45720" rIns="91440" bIns="45720" rtlCol="0">
+            <a:normAutofit/>
+          </a:bodyPr>
+          <a:lstStyle>
+            <a:lvl1pPr marL="228600" indent="-228600" algn="l" defTabSz="914400" rtl="0" eaLnBrk="1" latinLnBrk="0" hangingPunct="1">
+              <a:lnSpc>
+                <a:spcPct val="90000"/>
+              </a:lnSpc>
+              <a:spcBef>
+                <a:spcPts val="1000"/>
+              </a:spcBef>
+              <a:buFont typeface="Arial" panose="020B0604020202020204" pitchFamily="34" charset="0"/>
+              <a:buChar char="•"/>
+              <a:defRPr sz="2800" kern="1200">
+                <a:solidFill>
+                  <a:schemeClr val="tx1"/>
+                </a:solidFill>
+                <a:latin typeface="+mn-lt"/>
+                <a:ea typeface="+mn-ea"/>
+                <a:cs typeface="+mn-cs"/>
+              </a:defRPr>
+            </a:lvl1pPr>
+            <a:lvl2pPr marL="685800" indent="-228600" algn="l" defTabSz="914400" rtl="0" eaLnBrk="1" latinLnBrk="0" hangingPunct="1">
+              <a:lnSpc>
+                <a:spcPct val="90000"/>
+              </a:lnSpc>
+              <a:spcBef>
+                <a:spcPts val="500"/>
+              </a:spcBef>
+              <a:buFont typeface="Arial" panose="020B0604020202020204" pitchFamily="34" charset="0"/>
+              <a:buChar char="•"/>
+              <a:defRPr sz="2400" kern="1200">
+                <a:solidFill>
+                  <a:schemeClr val="tx1"/>
+                </a:solidFill>
+                <a:latin typeface="+mn-lt"/>
+                <a:ea typeface="+mn-ea"/>
+                <a:cs typeface="+mn-cs"/>
+              </a:defRPr>
+            </a:lvl2pPr>
+            <a:lvl3pPr marL="1143000" indent="-228600" algn="l" defTabSz="914400" rtl="0" eaLnBrk="1" latinLnBrk="0" hangingPunct="1">
+              <a:lnSpc>
+                <a:spcPct val="90000"/>
+              </a:lnSpc>
+              <a:spcBef>
+                <a:spcPts val="500"/>
+              </a:spcBef>
+              <a:buFont typeface="Arial" panose="020B0604020202020204" pitchFamily="34" charset="0"/>
+              <a:buChar char="•"/>
+              <a:defRPr sz="2000" kern="1200">
+                <a:solidFill>
+                  <a:schemeClr val="tx1"/>
+                </a:solidFill>
+                <a:latin typeface="+mn-lt"/>
+                <a:ea typeface="+mn-ea"/>
+                <a:cs typeface="+mn-cs"/>
+              </a:defRPr>
+            </a:lvl3pPr>
+            <a:lvl4pPr marL="1600200" indent="-228600" algn="l" defTabSz="914400" rtl="0" eaLnBrk="1" latinLnBrk="0" hangingPunct="1">
+              <a:lnSpc>
+                <a:spcPct val="90000"/>
+              </a:lnSpc>
+              <a:spcBef>
+                <a:spcPts val="500"/>
+              </a:spcBef>
+              <a:buFont typeface="Arial" panose="020B0604020202020204" pitchFamily="34" charset="0"/>
+              <a:buChar char="•"/>
+              <a:defRPr sz="1800" kern="1200">
+                <a:solidFill>
+                  <a:schemeClr val="tx1"/>
+                </a:solidFill>
+                <a:latin typeface="+mn-lt"/>
+                <a:ea typeface="+mn-ea"/>
+                <a:cs typeface="+mn-cs"/>
+              </a:defRPr>
+            </a:lvl4pPr>
+            <a:lvl5pPr marL="2057400" indent="-228600" algn="l" defTabSz="914400" rtl="0" eaLnBrk="1" latinLnBrk="0" hangingPunct="1">
+              <a:lnSpc>
+                <a:spcPct val="90000"/>
+              </a:lnSpc>
+              <a:spcBef>
+                <a:spcPts val="500"/>
+              </a:spcBef>
+              <a:buFont typeface="Arial" panose="020B0604020202020204" pitchFamily="34" charset="0"/>
+              <a:buChar char="•"/>
+              <a:defRPr sz="1800" kern="1200">
+                <a:solidFill>
+                  <a:schemeClr val="tx1"/>
+                </a:solidFill>
+                <a:latin typeface="+mn-lt"/>
+                <a:ea typeface="+mn-ea"/>
+                <a:cs typeface="+mn-cs"/>
+              </a:defRPr>
+            </a:lvl5pPr>
+            <a:lvl6pPr marL="2514600" indent="-228600" algn="l" defTabSz="914400" rtl="0" eaLnBrk="1" latinLnBrk="0" hangingPunct="1">
+              <a:lnSpc>
+                <a:spcPct val="90000"/>
+              </a:lnSpc>
+              <a:spcBef>
+                <a:spcPts val="500"/>
+              </a:spcBef>
+              <a:buFont typeface="Arial" panose="020B0604020202020204" pitchFamily="34" charset="0"/>
+              <a:buChar char="•"/>
+              <a:defRPr sz="1800" kern="1200">
+                <a:solidFill>
+                  <a:schemeClr val="tx1"/>
+                </a:solidFill>
+                <a:latin typeface="+mn-lt"/>
+                <a:ea typeface="+mn-ea"/>
+                <a:cs typeface="+mn-cs"/>
+              </a:defRPr>
+            </a:lvl6pPr>
+            <a:lvl7pPr marL="2971800" indent="-228600" algn="l" defTabSz="914400" rtl="0" eaLnBrk="1" latinLnBrk="0" hangingPunct="1">
+              <a:lnSpc>
+                <a:spcPct val="90000"/>
+              </a:lnSpc>
+              <a:spcBef>
+                <a:spcPts val="500"/>
+              </a:spcBef>
+              <a:buFont typeface="Arial" panose="020B0604020202020204" pitchFamily="34" charset="0"/>
+              <a:buChar char="•"/>
+              <a:defRPr sz="1800" kern="1200">
+                <a:solidFill>
+                  <a:schemeClr val="tx1"/>
+                </a:solidFill>
+                <a:latin typeface="+mn-lt"/>
+                <a:ea typeface="+mn-ea"/>
+                <a:cs typeface="+mn-cs"/>
+              </a:defRPr>
+            </a:lvl7pPr>
+            <a:lvl8pPr marL="3429000" indent="-228600" algn="l" defTabSz="914400" rtl="0" eaLnBrk="1" latinLnBrk="0" hangingPunct="1">
+              <a:lnSpc>
+                <a:spcPct val="90000"/>
+              </a:lnSpc>
+              <a:spcBef>
+                <a:spcPts val="500"/>
+              </a:spcBef>
+              <a:buFont typeface="Arial" panose="020B0604020202020204" pitchFamily="34" charset="0"/>
+              <a:buChar char="•"/>
+              <a:defRPr sz="1800" kern="1200">
+                <a:solidFill>
+                  <a:schemeClr val="tx1"/>
+                </a:solidFill>
+                <a:latin typeface="+mn-lt"/>
+                <a:ea typeface="+mn-ea"/>
+                <a:cs typeface="+mn-cs"/>
+              </a:defRPr>
+            </a:lvl8pPr>
+            <a:lvl9pPr marL="3886200" indent="-228600" algn="l" defTabSz="914400" rtl="0" eaLnBrk="1" latinLnBrk="0" hangingPunct="1">
+              <a:lnSpc>
+                <a:spcPct val="90000"/>
+              </a:lnSpc>
+              <a:spcBef>
+                <a:spcPts val="500"/>
+              </a:spcBef>
+              <a:buFont typeface="Arial" panose="020B0604020202020204" pitchFamily="34" charset="0"/>
+              <a:buChar char="•"/>
+              <a:defRPr sz="1800" kern="1200">
+                <a:solidFill>
+                  <a:schemeClr val="tx1"/>
+                </a:solidFill>
+                <a:latin typeface="+mn-lt"/>
+                <a:ea typeface="+mn-ea"/>
+                <a:cs typeface="+mn-cs"/>
+              </a:defRPr>
+            </a:lvl9pPr>
+          </a:lstStyle>
+          <a:p>
+            <a:pPr marL="0" indent="0">
+              <a:buFont typeface="Arial" panose="020B0604020202020204" pitchFamily="34" charset="0"/>
+              <a:buNone/>
+            </a:pPr>
+            <a:r>
+              <a:rPr lang="ru-RU" sz="2500" spc="-150" dirty="0"/>
+              <a:t>Функция </a:t>
+            </a:r>
+            <a:r>
+              <a:rPr lang="en-US" sz="2500" spc="-150" dirty="0"/>
+              <a:t>useState </a:t>
+            </a:r>
+            <a:r>
+              <a:rPr lang="ru-RU" sz="2500" spc="-150" dirty="0"/>
+              <a:t>принимает начальное состояние и возвращает значение с состоянием и функцию для его обновления.  В данном случае возвращаемая функция </a:t>
+            </a:r>
+            <a:r>
+              <a:rPr lang="en-US" sz="2500" spc="-150" dirty="0"/>
+              <a:t>setCounter()</a:t>
+            </a:r>
+            <a:r>
+              <a:rPr lang="ru-RU" sz="2500" spc="-150" dirty="0"/>
+              <a:t> используется для обновления состояния счетчика </a:t>
+            </a:r>
+            <a:r>
+              <a:rPr lang="en-US" sz="2500" spc="-150" dirty="0"/>
+              <a:t>counter. </a:t>
+            </a:r>
+            <a:r>
+              <a:rPr lang="ru-RU" sz="2500" spc="-150" dirty="0"/>
+              <a:t>После изменения состояния компонент перерисовывается. Это и обеспечивает реактивность </a:t>
+            </a:r>
+            <a:r>
+              <a:rPr lang="en-US" sz="2500" spc="-150" dirty="0"/>
+              <a:t>React.</a:t>
+            </a:r>
+            <a:endParaRPr lang="ru-RU" sz="2500" spc="-150" dirty="0"/>
+          </a:p>
+          <a:p>
+            <a:pPr marL="0" indent="0">
+              <a:buFont typeface="Arial" panose="020B0604020202020204" pitchFamily="34" charset="0"/>
+              <a:buNone/>
+            </a:pPr>
+            <a:r>
+              <a:rPr lang="ru-RU" sz="2500" spc="-150" dirty="0"/>
+              <a:t>Идея реактивности такова: вместо того, чтобы каждый раз вручную в коде в императивном виде менять интерфейс приложения, гораздо удобнее изначально в декларативном виде задать связь между данными и их отображением и в дальнейшем в коде менять только данные.</a:t>
+            </a:r>
+          </a:p>
+        </p:txBody>
+      </p:sp>
+    </p:spTree>
+    <p:extLst>
+      <p:ext uri="{BB962C8B-B14F-4D97-AF65-F5344CB8AC3E}">
+        <p14:creationId xmlns:p14="http://schemas.microsoft.com/office/powerpoint/2010/main" val="4244477387"/>
+      </p:ext>
+    </p:extLst>
+  </p:cSld>
+  <p:clrMapOvr>
+    <a:masterClrMapping/>
+  </p:clrMapOvr>
+</p:sld>
+</file>
+
+<file path=ppt/slides/slide11.xml><?xml version="1.0" encoding="utf-8"?>
+<p:sld xmlns:a="http://schemas.openxmlformats.org/drawingml/2006/main" xmlns:r="http://schemas.openxmlformats.org/officeDocument/2006/relationships" xmlns:p="http://schemas.openxmlformats.org/presentationml/2006/main">
+  <p:cSld>
+    <p:spTree>
+      <p:nvGrpSpPr>
+        <p:cNvPr id="1" name=""/>
+        <p:cNvGrpSpPr/>
+        <p:nvPr/>
+      </p:nvGrpSpPr>
+      <p:grpSpPr>
+        <a:xfrm>
+          <a:off x="0" y="0"/>
+          <a:ext cx="0" cy="0"/>
+          <a:chOff x="0" y="0"/>
+          <a:chExt cx="0" cy="0"/>
+        </a:xfrm>
+      </p:grpSpPr>
+      <p:sp>
+        <p:nvSpPr>
+          <p:cNvPr id="2" name="Заголовок 1">
+            <a:extLst>
+              <a:ext uri="{FF2B5EF4-FFF2-40B4-BE49-F238E27FC236}">
+                <a16:creationId xmlns:a16="http://schemas.microsoft.com/office/drawing/2014/main" id="{F11751D2-ED12-F57D-3664-30FE598F8F23}"/>
+              </a:ext>
+            </a:extLst>
+          </p:cNvPr>
+          <p:cNvSpPr>
+            <a:spLocks noGrp="1"/>
+          </p:cNvSpPr>
+          <p:nvPr>
+            <p:ph type="title"/>
+          </p:nvPr>
+        </p:nvSpPr>
+        <p:spPr>
+          <a:xfrm>
+            <a:off x="632825" y="200953"/>
+            <a:ext cx="10515600" cy="1325563"/>
+          </a:xfrm>
+        </p:spPr>
+        <p:txBody>
+          <a:bodyPr/>
+          <a:lstStyle/>
+          <a:p>
+            <a:r>
+              <a:rPr lang="ru-RU" b="1" spc="300" dirty="0"/>
+              <a:t>Применение хука </a:t>
+            </a:r>
+            <a:r>
+              <a:rPr lang="en-US" b="1" spc="300" dirty="0"/>
+              <a:t>useState()</a:t>
+            </a:r>
+            <a:endParaRPr lang="ru-RU" b="1" spc="300" dirty="0"/>
+          </a:p>
+        </p:txBody>
+      </p:sp>
+      <p:sp>
+        <p:nvSpPr>
+          <p:cNvPr id="3" name="Объект 2">
+            <a:extLst>
+              <a:ext uri="{FF2B5EF4-FFF2-40B4-BE49-F238E27FC236}">
+                <a16:creationId xmlns:a16="http://schemas.microsoft.com/office/drawing/2014/main" id="{977731BF-818E-3C10-0B75-60D4A5E0AE3F}"/>
+              </a:ext>
+            </a:extLst>
+          </p:cNvPr>
+          <p:cNvSpPr>
+            <a:spLocks noGrp="1"/>
+          </p:cNvSpPr>
+          <p:nvPr>
+            <p:ph idx="1"/>
+          </p:nvPr>
+        </p:nvSpPr>
+        <p:spPr>
+          <a:xfrm>
+            <a:off x="632822" y="1263802"/>
+            <a:ext cx="10926351" cy="1683553"/>
+          </a:xfrm>
+        </p:spPr>
+        <p:txBody>
+          <a:bodyPr>
+            <a:normAutofit/>
+          </a:bodyPr>
+          <a:lstStyle/>
+          <a:p>
+            <a:pPr marL="0" indent="0">
+              <a:buNone/>
+            </a:pPr>
+            <a:r>
+              <a:rPr lang="ru-RU" sz="2500" spc="-150" dirty="0"/>
+              <a:t>Для реализации счётчика нажатий изменим заголовок, добавив в него отображение значения текущего состояния счётчика и изменение состояния при нажатии:</a:t>
+            </a:r>
+          </a:p>
+          <a:p>
+            <a:pPr marL="0" indent="0">
+              <a:buNone/>
+            </a:pPr>
+            <a:endParaRPr lang="ru-RU" sz="2500" spc="-150" dirty="0"/>
+          </a:p>
+        </p:txBody>
+      </p:sp>
+      <p:sp>
+        <p:nvSpPr>
+          <p:cNvPr id="7" name="Объект 2">
+            <a:extLst>
+              <a:ext uri="{FF2B5EF4-FFF2-40B4-BE49-F238E27FC236}">
+                <a16:creationId xmlns:a16="http://schemas.microsoft.com/office/drawing/2014/main" id="{BA4C9CD9-59DA-9E60-F2D2-8664DC0343D6}"/>
+              </a:ext>
+            </a:extLst>
+          </p:cNvPr>
+          <p:cNvSpPr txBox="1">
+            <a:spLocks/>
+          </p:cNvSpPr>
+          <p:nvPr/>
+        </p:nvSpPr>
+        <p:spPr>
+          <a:xfrm>
+            <a:off x="652338" y="4030084"/>
+            <a:ext cx="10926351" cy="2626963"/>
+          </a:xfrm>
+          <a:prstGeom prst="rect">
+            <a:avLst/>
+          </a:prstGeom>
+        </p:spPr>
+        <p:txBody>
+          <a:bodyPr vert="horz" lIns="91440" tIns="45720" rIns="91440" bIns="45720" rtlCol="0">
+            <a:normAutofit/>
+          </a:bodyPr>
+          <a:lstStyle>
+            <a:lvl1pPr marL="228600" indent="-228600" algn="l" defTabSz="914400" rtl="0" eaLnBrk="1" latinLnBrk="0" hangingPunct="1">
+              <a:lnSpc>
+                <a:spcPct val="90000"/>
+              </a:lnSpc>
+              <a:spcBef>
+                <a:spcPts val="1000"/>
+              </a:spcBef>
+              <a:buFont typeface="Arial" panose="020B0604020202020204" pitchFamily="34" charset="0"/>
+              <a:buChar char="•"/>
+              <a:defRPr sz="2800" kern="1200">
+                <a:solidFill>
+                  <a:schemeClr val="tx1"/>
+                </a:solidFill>
+                <a:latin typeface="+mn-lt"/>
+                <a:ea typeface="+mn-ea"/>
+                <a:cs typeface="+mn-cs"/>
+              </a:defRPr>
+            </a:lvl1pPr>
+            <a:lvl2pPr marL="685800" indent="-228600" algn="l" defTabSz="914400" rtl="0" eaLnBrk="1" latinLnBrk="0" hangingPunct="1">
+              <a:lnSpc>
+                <a:spcPct val="90000"/>
+              </a:lnSpc>
+              <a:spcBef>
+                <a:spcPts val="500"/>
+              </a:spcBef>
+              <a:buFont typeface="Arial" panose="020B0604020202020204" pitchFamily="34" charset="0"/>
+              <a:buChar char="•"/>
+              <a:defRPr sz="2400" kern="1200">
+                <a:solidFill>
+                  <a:schemeClr val="tx1"/>
+                </a:solidFill>
+                <a:latin typeface="+mn-lt"/>
+                <a:ea typeface="+mn-ea"/>
+                <a:cs typeface="+mn-cs"/>
+              </a:defRPr>
+            </a:lvl2pPr>
+            <a:lvl3pPr marL="1143000" indent="-228600" algn="l" defTabSz="914400" rtl="0" eaLnBrk="1" latinLnBrk="0" hangingPunct="1">
+              <a:lnSpc>
+                <a:spcPct val="90000"/>
+              </a:lnSpc>
+              <a:spcBef>
+                <a:spcPts val="500"/>
+              </a:spcBef>
+              <a:buFont typeface="Arial" panose="020B0604020202020204" pitchFamily="34" charset="0"/>
+              <a:buChar char="•"/>
+              <a:defRPr sz="2000" kern="1200">
+                <a:solidFill>
+                  <a:schemeClr val="tx1"/>
+                </a:solidFill>
+                <a:latin typeface="+mn-lt"/>
+                <a:ea typeface="+mn-ea"/>
+                <a:cs typeface="+mn-cs"/>
+              </a:defRPr>
+            </a:lvl3pPr>
+            <a:lvl4pPr marL="1600200" indent="-228600" algn="l" defTabSz="914400" rtl="0" eaLnBrk="1" latinLnBrk="0" hangingPunct="1">
+              <a:lnSpc>
+                <a:spcPct val="90000"/>
+              </a:lnSpc>
+              <a:spcBef>
+                <a:spcPts val="500"/>
+              </a:spcBef>
+              <a:buFont typeface="Arial" panose="020B0604020202020204" pitchFamily="34" charset="0"/>
+              <a:buChar char="•"/>
+              <a:defRPr sz="1800" kern="1200">
+                <a:solidFill>
+                  <a:schemeClr val="tx1"/>
+                </a:solidFill>
+                <a:latin typeface="+mn-lt"/>
+                <a:ea typeface="+mn-ea"/>
+                <a:cs typeface="+mn-cs"/>
+              </a:defRPr>
+            </a:lvl4pPr>
+            <a:lvl5pPr marL="2057400" indent="-228600" algn="l" defTabSz="914400" rtl="0" eaLnBrk="1" latinLnBrk="0" hangingPunct="1">
+              <a:lnSpc>
+                <a:spcPct val="90000"/>
+              </a:lnSpc>
+              <a:spcBef>
+                <a:spcPts val="500"/>
+              </a:spcBef>
+              <a:buFont typeface="Arial" panose="020B0604020202020204" pitchFamily="34" charset="0"/>
+              <a:buChar char="•"/>
+              <a:defRPr sz="1800" kern="1200">
+                <a:solidFill>
+                  <a:schemeClr val="tx1"/>
+                </a:solidFill>
+                <a:latin typeface="+mn-lt"/>
+                <a:ea typeface="+mn-ea"/>
+                <a:cs typeface="+mn-cs"/>
+              </a:defRPr>
+            </a:lvl5pPr>
+            <a:lvl6pPr marL="2514600" indent="-228600" algn="l" defTabSz="914400" rtl="0" eaLnBrk="1" latinLnBrk="0" hangingPunct="1">
+              <a:lnSpc>
+                <a:spcPct val="90000"/>
+              </a:lnSpc>
+              <a:spcBef>
+                <a:spcPts val="500"/>
+              </a:spcBef>
+              <a:buFont typeface="Arial" panose="020B0604020202020204" pitchFamily="34" charset="0"/>
+              <a:buChar char="•"/>
+              <a:defRPr sz="1800" kern="1200">
+                <a:solidFill>
+                  <a:schemeClr val="tx1"/>
+                </a:solidFill>
+                <a:latin typeface="+mn-lt"/>
+                <a:ea typeface="+mn-ea"/>
+                <a:cs typeface="+mn-cs"/>
+              </a:defRPr>
+            </a:lvl6pPr>
+            <a:lvl7pPr marL="2971800" indent="-228600" algn="l" defTabSz="914400" rtl="0" eaLnBrk="1" latinLnBrk="0" hangingPunct="1">
+              <a:lnSpc>
+                <a:spcPct val="90000"/>
+              </a:lnSpc>
+              <a:spcBef>
+                <a:spcPts val="500"/>
+              </a:spcBef>
+              <a:buFont typeface="Arial" panose="020B0604020202020204" pitchFamily="34" charset="0"/>
+              <a:buChar char="•"/>
+              <a:defRPr sz="1800" kern="1200">
+                <a:solidFill>
+                  <a:schemeClr val="tx1"/>
+                </a:solidFill>
+                <a:latin typeface="+mn-lt"/>
+                <a:ea typeface="+mn-ea"/>
+                <a:cs typeface="+mn-cs"/>
+              </a:defRPr>
+            </a:lvl7pPr>
+            <a:lvl8pPr marL="3429000" indent="-228600" algn="l" defTabSz="914400" rtl="0" eaLnBrk="1" latinLnBrk="0" hangingPunct="1">
+              <a:lnSpc>
+                <a:spcPct val="90000"/>
+              </a:lnSpc>
+              <a:spcBef>
+                <a:spcPts val="500"/>
+              </a:spcBef>
+              <a:buFont typeface="Arial" panose="020B0604020202020204" pitchFamily="34" charset="0"/>
+              <a:buChar char="•"/>
+              <a:defRPr sz="1800" kern="1200">
+                <a:solidFill>
+                  <a:schemeClr val="tx1"/>
+                </a:solidFill>
+                <a:latin typeface="+mn-lt"/>
+                <a:ea typeface="+mn-ea"/>
+                <a:cs typeface="+mn-cs"/>
+              </a:defRPr>
+            </a:lvl8pPr>
+            <a:lvl9pPr marL="3886200" indent="-228600" algn="l" defTabSz="914400" rtl="0" eaLnBrk="1" latinLnBrk="0" hangingPunct="1">
+              <a:lnSpc>
+                <a:spcPct val="90000"/>
+              </a:lnSpc>
+              <a:spcBef>
+                <a:spcPts val="500"/>
+              </a:spcBef>
+              <a:buFont typeface="Arial" panose="020B0604020202020204" pitchFamily="34" charset="0"/>
+              <a:buChar char="•"/>
+              <a:defRPr sz="1800" kern="1200">
+                <a:solidFill>
+                  <a:schemeClr val="tx1"/>
+                </a:solidFill>
+                <a:latin typeface="+mn-lt"/>
+                <a:ea typeface="+mn-ea"/>
+                <a:cs typeface="+mn-cs"/>
+              </a:defRPr>
+            </a:lvl9pPr>
+          </a:lstStyle>
+          <a:p>
+            <a:pPr marL="0" indent="0">
+              <a:buFont typeface="Arial" panose="020B0604020202020204" pitchFamily="34" charset="0"/>
+              <a:buNone/>
+            </a:pPr>
+            <a:r>
+              <a:rPr lang="ru-RU" sz="2500" spc="-150" dirty="0"/>
+              <a:t>Таким образом, при нажатии на заголовок вызывается функция </a:t>
+            </a:r>
+            <a:r>
+              <a:rPr lang="en-US" sz="2500" spc="-150" dirty="0"/>
+              <a:t>setCounter</a:t>
+            </a:r>
+            <a:r>
+              <a:rPr lang="ru-RU" sz="2500" spc="-150" dirty="0"/>
+              <a:t>(), которая изменяет состояние счётчика, добавляя к прошлому состоянию счётчика единицу.</a:t>
+            </a:r>
+          </a:p>
+          <a:p>
+            <a:pPr marL="0" indent="0">
+              <a:buFont typeface="Arial" panose="020B0604020202020204" pitchFamily="34" charset="0"/>
+              <a:buNone/>
+            </a:pPr>
+            <a:r>
+              <a:rPr lang="ru-RU" sz="2500" spc="-150" dirty="0"/>
+              <a:t>При этом при каждом изменении состояния счётчика компонент перерисовывается, отображая актуальное состояние:</a:t>
+            </a:r>
+          </a:p>
+        </p:txBody>
+      </p:sp>
+      <p:pic>
+        <p:nvPicPr>
+          <p:cNvPr id="6" name="Рисунок 5">
+            <a:extLst>
+              <a:ext uri="{FF2B5EF4-FFF2-40B4-BE49-F238E27FC236}">
+                <a16:creationId xmlns:a16="http://schemas.microsoft.com/office/drawing/2014/main" id="{2B086A44-7F96-ADB3-CD12-79224CED17F8}"/>
+              </a:ext>
+            </a:extLst>
+          </p:cNvPr>
+          <p:cNvPicPr>
+            <a:picLocks noChangeAspect="1"/>
+          </p:cNvPicPr>
+          <p:nvPr/>
+        </p:nvPicPr>
+        <p:blipFill>
+          <a:blip r:embed="rId2"/>
+          <a:stretch>
+            <a:fillRect/>
+          </a:stretch>
+        </p:blipFill>
+        <p:spPr>
+          <a:xfrm>
+            <a:off x="736992" y="2105578"/>
+            <a:ext cx="9283205" cy="1805068"/>
+          </a:xfrm>
+          <a:prstGeom prst="rect">
+            <a:avLst/>
+          </a:prstGeom>
+        </p:spPr>
+      </p:pic>
+      <p:pic>
+        <p:nvPicPr>
+          <p:cNvPr id="9" name="Рисунок 8">
+            <a:extLst>
+              <a:ext uri="{FF2B5EF4-FFF2-40B4-BE49-F238E27FC236}">
+                <a16:creationId xmlns:a16="http://schemas.microsoft.com/office/drawing/2014/main" id="{82E454FC-80E5-B587-614E-4FC60D564391}"/>
+              </a:ext>
+            </a:extLst>
+          </p:cNvPr>
+          <p:cNvPicPr>
+            <a:picLocks noChangeAspect="1"/>
+          </p:cNvPicPr>
+          <p:nvPr/>
+        </p:nvPicPr>
+        <p:blipFill rotWithShape="1">
+          <a:blip r:embed="rId3"/>
+          <a:srcRect r="8725"/>
+          <a:stretch/>
+        </p:blipFill>
+        <p:spPr>
+          <a:xfrm>
+            <a:off x="5023599" y="5309624"/>
+            <a:ext cx="2355545" cy="1368294"/>
+          </a:xfrm>
+          <a:prstGeom prst="rect">
+            <a:avLst/>
+          </a:prstGeom>
+        </p:spPr>
+      </p:pic>
+      <p:pic>
+        <p:nvPicPr>
+          <p:cNvPr id="11" name="Рисунок 10">
+            <a:extLst>
+              <a:ext uri="{FF2B5EF4-FFF2-40B4-BE49-F238E27FC236}">
+                <a16:creationId xmlns:a16="http://schemas.microsoft.com/office/drawing/2014/main" id="{02782D20-A46A-66D1-57F7-B5BA2EF10CE3}"/>
+              </a:ext>
+            </a:extLst>
+          </p:cNvPr>
+          <p:cNvPicPr>
+            <a:picLocks noChangeAspect="1"/>
+          </p:cNvPicPr>
+          <p:nvPr/>
+        </p:nvPicPr>
+        <p:blipFill rotWithShape="1">
+          <a:blip r:embed="rId4"/>
+          <a:srcRect t="36341" b="12125"/>
+          <a:stretch/>
+        </p:blipFill>
+        <p:spPr>
+          <a:xfrm>
+            <a:off x="7523545" y="5386385"/>
+            <a:ext cx="2287383" cy="607386"/>
+          </a:xfrm>
+          <a:prstGeom prst="rect">
+            <a:avLst/>
+          </a:prstGeom>
+        </p:spPr>
+      </p:pic>
+      <p:pic>
+        <p:nvPicPr>
+          <p:cNvPr id="13" name="Рисунок 12">
+            <a:extLst>
+              <a:ext uri="{FF2B5EF4-FFF2-40B4-BE49-F238E27FC236}">
+                <a16:creationId xmlns:a16="http://schemas.microsoft.com/office/drawing/2014/main" id="{96675092-475A-1EDE-4EA1-2C3BDE893D8E}"/>
+              </a:ext>
+            </a:extLst>
+          </p:cNvPr>
+          <p:cNvPicPr>
+            <a:picLocks noChangeAspect="1"/>
+          </p:cNvPicPr>
+          <p:nvPr/>
+        </p:nvPicPr>
+        <p:blipFill rotWithShape="1">
+          <a:blip r:embed="rId5"/>
+          <a:srcRect t="39686" b="13757"/>
+          <a:stretch/>
+        </p:blipFill>
+        <p:spPr>
+          <a:xfrm>
+            <a:off x="8244012" y="5984505"/>
+            <a:ext cx="2264712" cy="523314"/>
+          </a:xfrm>
+          <a:prstGeom prst="rect">
+            <a:avLst/>
+          </a:prstGeom>
+        </p:spPr>
+      </p:pic>
+    </p:spTree>
+    <p:extLst>
+      <p:ext uri="{BB962C8B-B14F-4D97-AF65-F5344CB8AC3E}">
+        <p14:creationId xmlns:p14="http://schemas.microsoft.com/office/powerpoint/2010/main" val="242328047"/>
+      </p:ext>
+    </p:extLst>
+  </p:cSld>
+  <p:clrMapOvr>
+    <a:masterClrMapping/>
+  </p:clrMapOvr>
+</p:sld>
+</file>
+
 <file path=ppt/slides/slide2.xml><?xml version="1.0" encoding="utf-8"?>
 <p:sld xmlns:a="http://schemas.openxmlformats.org/drawingml/2006/main" xmlns:r="http://schemas.openxmlformats.org/officeDocument/2006/relationships" xmlns:p="http://schemas.openxmlformats.org/presentationml/2006/main">
   <p:cSld>
@@ -3629,8 +4515,12 @@
               <a:buNone/>
             </a:pPr>
             <a:r>
+              <a:rPr lang="ru-RU" b="1" dirty="0"/>
+              <a:t>React</a:t>
+            </a:r>
+            <a:r>
               <a:rPr lang="ru-RU" dirty="0"/>
-              <a:t>React </a:t>
+              <a:t> </a:t>
             </a:r>
             <a:r>
               <a:rPr lang="en-US" dirty="0"/>
@@ -3803,36 +4693,6 @@
           </a:prstGeom>
         </p:spPr>
       </p:pic>
-      <p:pic>
-        <p:nvPicPr>
-          <p:cNvPr id="12" name="Рисунок 11">
-            <a:extLst>
-              <a:ext uri="{FF2B5EF4-FFF2-40B4-BE49-F238E27FC236}">
-                <a16:creationId xmlns:a16="http://schemas.microsoft.com/office/drawing/2014/main" id="{FF1D9867-AB4D-4CBB-B8A5-6927E9DAABF0}"/>
-              </a:ext>
-            </a:extLst>
-          </p:cNvPr>
-          <p:cNvPicPr>
-            <a:picLocks noChangeAspect="1"/>
-          </p:cNvPicPr>
-          <p:nvPr/>
-        </p:nvPicPr>
-        <p:blipFill>
-          <a:blip r:embed="rId3"/>
-          <a:stretch>
-            <a:fillRect/>
-          </a:stretch>
-        </p:blipFill>
-        <p:spPr>
-          <a:xfrm>
-            <a:off x="632826" y="4449275"/>
-            <a:ext cx="4939838" cy="2007514"/>
-          </a:xfrm>
-          <a:prstGeom prst="rect">
-            <a:avLst/>
-          </a:prstGeom>
-        </p:spPr>
-      </p:pic>
       <p:sp>
         <p:nvSpPr>
           <p:cNvPr id="19" name="Объект 2">
@@ -3849,8 +4709,8 @@
         </p:nvSpPr>
         <p:spPr>
           <a:xfrm>
-            <a:off x="5719201" y="4681008"/>
-            <a:ext cx="3189721" cy="1544048"/>
+            <a:off x="5719201" y="4568198"/>
+            <a:ext cx="3189721" cy="1769668"/>
           </a:xfrm>
           <a:prstGeom prst="rect">
             <a:avLst/>
@@ -4035,36 +4895,61 @@
             </a:r>
             <a:r>
               <a:rPr lang="ru-RU" sz="2400" dirty="0"/>
-              <a:t>только в Москве</a:t>
+              <a:t>по данным пакетного менеджера </a:t>
+            </a:r>
+            <a:r>
+              <a:rPr lang="en-US" sz="2400" dirty="0" err="1"/>
+              <a:t>npm</a:t>
+            </a:r>
+            <a:r>
+              <a:rPr lang="ru-RU" sz="2400" dirty="0"/>
+              <a:t>,</a:t>
+            </a:r>
+            <a:r>
+              <a:rPr lang="en-US" sz="2400" dirty="0"/>
+              <a:t> React</a:t>
+            </a:r>
+            <a:r>
+              <a:rPr lang="ru-RU" sz="2400" dirty="0"/>
+              <a:t> каждую неделю скачивают более 18 млн. раз</a:t>
             </a:r>
             <a:r>
               <a:rPr lang="en-US" sz="2400" dirty="0"/>
               <a:t> </a:t>
             </a:r>
-            <a:r>
-              <a:rPr lang="ru-RU" sz="2400" dirty="0"/>
-              <a:t>по ключевому слову</a:t>
-            </a:r>
-            <a:r>
-              <a:rPr lang="en-US" sz="2400" b="1" dirty="0"/>
-              <a:t> </a:t>
-            </a:r>
-            <a:r>
-              <a:rPr lang="ru-RU" sz="2400" dirty="0"/>
-              <a:t>«</a:t>
-            </a:r>
-            <a:r>
-              <a:rPr lang="en-US" sz="2400" dirty="0"/>
-              <a:t>React</a:t>
-            </a:r>
-            <a:r>
-              <a:rPr lang="ru-RU" sz="2400" dirty="0"/>
-              <a:t>» представлено около 1367 вакансий</a:t>
-            </a:r>
-            <a:endParaRPr lang="en-US" sz="2400" dirty="0"/>
-          </a:p>
-        </p:txBody>
-      </p:sp>
+          </a:p>
+        </p:txBody>
+      </p:sp>
+      <p:pic>
+        <p:nvPicPr>
+          <p:cNvPr id="5" name="Рисунок 4">
+            <a:extLst>
+              <a:ext uri="{FF2B5EF4-FFF2-40B4-BE49-F238E27FC236}">
+                <a16:creationId xmlns:a16="http://schemas.microsoft.com/office/drawing/2014/main" id="{8E6FC3C7-D9AD-8408-166D-0147078C3D76}"/>
+              </a:ext>
+            </a:extLst>
+          </p:cNvPr>
+          <p:cNvPicPr>
+            <a:picLocks noChangeAspect="1"/>
+          </p:cNvPicPr>
+          <p:nvPr/>
+        </p:nvPicPr>
+        <p:blipFill>
+          <a:blip r:embed="rId3"/>
+          <a:stretch>
+            <a:fillRect/>
+          </a:stretch>
+        </p:blipFill>
+        <p:spPr>
+          <a:xfrm>
+            <a:off x="632825" y="4338038"/>
+            <a:ext cx="4928844" cy="2229988"/>
+          </a:xfrm>
+          <a:prstGeom prst="rect">
+            <a:avLst/>
+          </a:prstGeom>
+        </p:spPr>
+      </p:pic>
     </p:spTree>
     <p:extLst>
       <p:ext uri="{BB962C8B-B14F-4D97-AF65-F5344CB8AC3E}">
@@ -5178,8 +6063,8 @@
         </p:blipFill>
         <p:spPr>
           <a:xfrm>
-            <a:off x="7717986" y="1595437"/>
-            <a:ext cx="3841190" cy="3667125"/>
+            <a:off x="10640291" y="425112"/>
+            <a:ext cx="918884" cy="877244"/>
           </a:xfrm>
           <a:prstGeom prst="rect">
             <a:avLst/>
@@ -5214,15 +6099,15 @@
           <a:p>
             <a:r>
               <a:rPr lang="ru-RU" b="1" spc="300" dirty="0"/>
-              <a:t>Содержимое </a:t>
+              <a:t>Импорт </a:t>
             </a:r>
             <a:r>
               <a:rPr lang="en-US" b="1" spc="300" dirty="0"/>
-              <a:t>React-</a:t>
+              <a:t>ES6</a:t>
             </a:r>
             <a:r>
               <a:rPr lang="ru-RU" b="1" spc="300" dirty="0"/>
-              <a:t>приложения</a:t>
+              <a:t> модулей</a:t>
             </a:r>
           </a:p>
         </p:txBody>
@@ -5245,8 +6130,8 @@
         </p:nvSpPr>
         <p:spPr>
           <a:xfrm>
-            <a:off x="632824" y="1366612"/>
-            <a:ext cx="6395068" cy="1756150"/>
+            <a:off x="632824" y="1366611"/>
+            <a:ext cx="10926351" cy="5290435"/>
           </a:xfrm>
         </p:spPr>
         <p:txBody>
@@ -5259,18 +6144,108 @@
               <a:buNone/>
             </a:pPr>
             <a:r>
-              <a:rPr lang="ru-RU" dirty="0"/>
-              <a:t>Теперь давайте посмотрим на содержимое проекта. Пока нас интересует только файл index.js в папке </a:t>
-            </a:r>
-            <a:r>
-              <a:rPr lang="ru-RU" dirty="0" err="1"/>
-              <a:t>src</a:t>
-            </a:r>
-            <a:r>
-              <a:rPr lang="ru-RU" dirty="0"/>
+              <a:rPr lang="ru-RU" spc="-150" dirty="0"/>
+              <a:t>Рассмотрим содержимое</a:t>
+            </a:r>
+            <a:r>
+              <a:rPr lang="en-US" spc="-150" dirty="0"/>
+              <a:t> React-</a:t>
+            </a:r>
+            <a:r>
+              <a:rPr lang="ru-RU" spc="-150" dirty="0"/>
+              <a:t>приложения. Для начала откроем файл index.js в папке src. Во-первых, рассмотрим как происходит импорт.</a:t>
+            </a:r>
+          </a:p>
+          <a:p>
+            <a:pPr marL="0" indent="0">
+              <a:buNone/>
+            </a:pPr>
+            <a:r>
+              <a:rPr lang="ru-RU" spc="-150" dirty="0"/>
+              <a:t>Можно заметить, что для импортов используется синтаксис </a:t>
+            </a:r>
+            <a:r>
+              <a:rPr lang="en-US" spc="-150" dirty="0"/>
+              <a:t>ES6 (ECMAScript 2015).</a:t>
+            </a:r>
+            <a:r>
+              <a:rPr lang="ru-RU" spc="-150" dirty="0"/>
+              <a:t> Синтаксис импорта очень прост: ключевое слово import, элементы, которые нужно импортировать, а затем расположение модуля относительно текущего файла</a:t>
+            </a:r>
+            <a:r>
+              <a:rPr lang="en-US" spc="-150" dirty="0"/>
               <a:t>.</a:t>
             </a:r>
-            <a:endParaRPr lang="en-US" dirty="0"/>
+            <a:r>
+              <a:rPr lang="ru-RU" spc="-150" dirty="0"/>
+              <a:t> В этом файле мы импортируем</a:t>
+            </a:r>
+            <a:r>
+              <a:rPr lang="en-US" spc="-150" dirty="0"/>
+              <a:t> </a:t>
+            </a:r>
+            <a:r>
+              <a:rPr lang="ru-RU" spc="-150" dirty="0"/>
+              <a:t>библиотеку </a:t>
+            </a:r>
+            <a:r>
+              <a:rPr lang="en-US" spc="-150" dirty="0"/>
+              <a:t>R</a:t>
+            </a:r>
+            <a:r>
+              <a:rPr lang="ru-RU" spc="-150" dirty="0"/>
+              <a:t>eact, </a:t>
+            </a:r>
+            <a:r>
+              <a:rPr lang="en-US" spc="-150" dirty="0"/>
+              <a:t>React</a:t>
+            </a:r>
+            <a:r>
+              <a:rPr lang="ru-RU" spc="-150" dirty="0"/>
+              <a:t> </a:t>
+            </a:r>
+            <a:r>
+              <a:rPr lang="en-US" spc="-150" dirty="0"/>
+              <a:t>DOM-</a:t>
+            </a:r>
+            <a:r>
+              <a:rPr lang="ru-RU" spc="-150" dirty="0"/>
+              <a:t>дерево, некоторый глобальный </a:t>
+            </a:r>
+            <a:r>
+              <a:rPr lang="en-US" spc="-150" dirty="0"/>
+              <a:t>CSS</a:t>
+            </a:r>
+            <a:r>
+              <a:rPr lang="ru-RU" spc="-150" dirty="0"/>
+              <a:t>-файл, а также компонент App. Это тот компонент,  в котором будет написано </a:t>
+            </a:r>
+            <a:r>
+              <a:rPr lang="en-US" spc="-150" dirty="0"/>
+              <a:t>React-</a:t>
+            </a:r>
+            <a:r>
+              <a:rPr lang="ru-RU" spc="-150" dirty="0"/>
+              <a:t>приложение. </a:t>
+            </a:r>
+          </a:p>
+          <a:p>
+            <a:pPr marL="0" indent="0">
+              <a:buNone/>
+            </a:pPr>
+            <a:endParaRPr lang="en-US" spc="-150" dirty="0"/>
+          </a:p>
+          <a:p>
+            <a:pPr marL="0" indent="0">
+              <a:buNone/>
+            </a:pPr>
+            <a:endParaRPr lang="en-US" spc="-150" dirty="0"/>
+          </a:p>
+          <a:p>
+            <a:pPr marL="0" indent="0">
+              <a:buNone/>
+            </a:pPr>
+            <a:endParaRPr lang="en-US" spc="-150" dirty="0"/>
           </a:p>
         </p:txBody>
       </p:sp>
@@ -5280,6 +6255,1006 @@
             <a:extLst>
               <a:ext uri="{FF2B5EF4-FFF2-40B4-BE49-F238E27FC236}">
                 <a16:creationId xmlns:a16="http://schemas.microsoft.com/office/drawing/2014/main" id="{4BCBF67B-6B97-B55D-DA96-382C52273605}"/>
+              </a:ext>
+            </a:extLst>
+          </p:cNvPr>
+          <p:cNvPicPr>
+            <a:picLocks noChangeAspect="1"/>
+          </p:cNvPicPr>
+          <p:nvPr/>
+        </p:nvPicPr>
+        <p:blipFill rotWithShape="1">
+          <a:blip r:embed="rId3"/>
+          <a:srcRect b="66566"/>
+          <a:stretch/>
+        </p:blipFill>
+        <p:spPr>
+          <a:xfrm>
+            <a:off x="632823" y="4770402"/>
+            <a:ext cx="11135320" cy="1662486"/>
+          </a:xfrm>
+          <a:prstGeom prst="rect">
+            <a:avLst/>
+          </a:prstGeom>
+        </p:spPr>
+      </p:pic>
+    </p:spTree>
+    <p:extLst>
+      <p:ext uri="{BB962C8B-B14F-4D97-AF65-F5344CB8AC3E}">
+        <p14:creationId xmlns:p14="http://schemas.microsoft.com/office/powerpoint/2010/main" val="2110231507"/>
+      </p:ext>
+    </p:extLst>
+  </p:cSld>
+  <p:clrMapOvr>
+    <a:masterClrMapping/>
+  </p:clrMapOvr>
+</p:sld>
+</file>
+
+<file path=ppt/slides/slide7.xml><?xml version="1.0" encoding="utf-8"?>
+<p:sld xmlns:a="http://schemas.openxmlformats.org/drawingml/2006/main" xmlns:r="http://schemas.openxmlformats.org/officeDocument/2006/relationships" xmlns:p="http://schemas.openxmlformats.org/presentationml/2006/main">
+  <p:cSld>
+    <p:spTree>
+      <p:nvGrpSpPr>
+        <p:cNvPr id="1" name=""/>
+        <p:cNvGrpSpPr/>
+        <p:nvPr/>
+      </p:nvGrpSpPr>
+      <p:grpSpPr>
+        <a:xfrm>
+          <a:off x="0" y="0"/>
+          <a:ext cx="0" cy="0"/>
+          <a:chOff x="0" y="0"/>
+          <a:chExt cx="0" cy="0"/>
+        </a:xfrm>
+      </p:grpSpPr>
+      <p:sp>
+        <p:nvSpPr>
+          <p:cNvPr id="2" name="Заголовок 1">
+            <a:extLst>
+              <a:ext uri="{FF2B5EF4-FFF2-40B4-BE49-F238E27FC236}">
+                <a16:creationId xmlns:a16="http://schemas.microsoft.com/office/drawing/2014/main" id="{F11751D2-ED12-F57D-3664-30FE598F8F23}"/>
+              </a:ext>
+            </a:extLst>
+          </p:cNvPr>
+          <p:cNvSpPr>
+            <a:spLocks noGrp="1"/>
+          </p:cNvSpPr>
+          <p:nvPr>
+            <p:ph type="title"/>
+          </p:nvPr>
+        </p:nvSpPr>
+        <p:spPr>
+          <a:xfrm>
+            <a:off x="632825" y="200953"/>
+            <a:ext cx="10515600" cy="1325563"/>
+          </a:xfrm>
+        </p:spPr>
+        <p:txBody>
+          <a:bodyPr/>
+          <a:lstStyle/>
+          <a:p>
+            <a:r>
+              <a:rPr lang="ru-RU" b="1" spc="300" dirty="0"/>
+              <a:t>Рендеринг компонентов</a:t>
+            </a:r>
+          </a:p>
+        </p:txBody>
+      </p:sp>
+      <p:sp>
+        <p:nvSpPr>
+          <p:cNvPr id="3" name="Объект 2">
+            <a:extLst>
+              <a:ext uri="{FF2B5EF4-FFF2-40B4-BE49-F238E27FC236}">
+                <a16:creationId xmlns:a16="http://schemas.microsoft.com/office/drawing/2014/main" id="{977731BF-818E-3C10-0B75-60D4A5E0AE3F}"/>
+              </a:ext>
+            </a:extLst>
+          </p:cNvPr>
+          <p:cNvSpPr>
+            <a:spLocks noGrp="1"/>
+          </p:cNvSpPr>
+          <p:nvPr>
+            <p:ph idx="1"/>
+          </p:nvPr>
+        </p:nvSpPr>
+        <p:spPr>
+          <a:xfrm>
+            <a:off x="632823" y="1216982"/>
+            <a:ext cx="11304252" cy="4086538"/>
+          </a:xfrm>
+        </p:spPr>
+        <p:txBody>
+          <a:bodyPr>
+            <a:normAutofit/>
+          </a:bodyPr>
+          <a:lstStyle/>
+          <a:p>
+            <a:pPr marL="0" indent="0">
+              <a:buNone/>
+            </a:pPr>
+            <a:r>
+              <a:rPr lang="ru-RU" spc="-150" dirty="0"/>
+              <a:t>Для рендеринга элементов в React вначале необходимо определить корневой элемент. Для этого применяется метод ReactDOM.createRoot(). В него передается элемент веб-страницы, в котором будет производиться рендеринг.</a:t>
+            </a:r>
+          </a:p>
+          <a:p>
+            <a:pPr marL="0" indent="0">
+              <a:buNone/>
+            </a:pPr>
+            <a:r>
+              <a:rPr lang="ru-RU" spc="-150" dirty="0"/>
+              <a:t>Непосредственно для рендеринга у объекта ReactDOMRoot вызывается метод render(). В него передается компонент, который мы хотим отобразить на веб-странице.</a:t>
+            </a:r>
+            <a:r>
+              <a:rPr lang="en-US" spc="-150" dirty="0"/>
+              <a:t> </a:t>
+            </a:r>
+            <a:r>
+              <a:rPr lang="ru-RU" spc="-150" dirty="0"/>
+              <a:t>В данном случае передается компонент </a:t>
+            </a:r>
+            <a:r>
+              <a:rPr lang="en-US" spc="-150" dirty="0"/>
+              <a:t>App. </a:t>
+            </a:r>
+            <a:endParaRPr lang="ru-RU" spc="-150" dirty="0"/>
+          </a:p>
+          <a:p>
+            <a:pPr marL="0" indent="0">
+              <a:buNone/>
+            </a:pPr>
+            <a:r>
+              <a:rPr lang="en-US" spc="-150" dirty="0"/>
+              <a:t>React.StrictMode </a:t>
+            </a:r>
+            <a:r>
+              <a:rPr lang="ru-RU" spc="-150" dirty="0"/>
+              <a:t>это инструмент для</a:t>
+            </a:r>
+            <a:r>
+              <a:rPr lang="ru-RU" b="0" i="0" spc="-150" dirty="0">
+                <a:solidFill>
+                  <a:srgbClr val="212529"/>
+                </a:solidFill>
+                <a:effectLst/>
+              </a:rPr>
+              <a:t> выявления потенциальных проблем в приложении в режиме разработки. На него пока можно не обращать внимания.</a:t>
+            </a:r>
+            <a:endParaRPr lang="ru-RU" spc="-150" dirty="0"/>
+          </a:p>
+          <a:p>
+            <a:pPr marL="0" indent="0">
+              <a:buNone/>
+            </a:pPr>
+            <a:endParaRPr lang="ru-RU" spc="-150" dirty="0"/>
+          </a:p>
+          <a:p>
+            <a:pPr marL="0" indent="0">
+              <a:buNone/>
+            </a:pPr>
+            <a:endParaRPr lang="en-US" spc="-150" dirty="0"/>
+          </a:p>
+        </p:txBody>
+      </p:sp>
+      <p:pic>
+        <p:nvPicPr>
+          <p:cNvPr id="5" name="Рисунок 4">
+            <a:extLst>
+              <a:ext uri="{FF2B5EF4-FFF2-40B4-BE49-F238E27FC236}">
+                <a16:creationId xmlns:a16="http://schemas.microsoft.com/office/drawing/2014/main" id="{4BCBF67B-6B97-B55D-DA96-382C52273605}"/>
+              </a:ext>
+            </a:extLst>
+          </p:cNvPr>
+          <p:cNvPicPr>
+            <a:picLocks noChangeAspect="1"/>
+          </p:cNvPicPr>
+          <p:nvPr/>
+        </p:nvPicPr>
+        <p:blipFill rotWithShape="1">
+          <a:blip r:embed="rId2"/>
+          <a:srcRect t="47536" b="2851"/>
+          <a:stretch/>
+        </p:blipFill>
+        <p:spPr>
+          <a:xfrm>
+            <a:off x="1599156" y="4664573"/>
+            <a:ext cx="8993687" cy="1992474"/>
+          </a:xfrm>
+          <a:prstGeom prst="rect">
+            <a:avLst/>
+          </a:prstGeom>
+        </p:spPr>
+      </p:pic>
+    </p:spTree>
+    <p:extLst>
+      <p:ext uri="{BB962C8B-B14F-4D97-AF65-F5344CB8AC3E}">
+        <p14:creationId xmlns:p14="http://schemas.microsoft.com/office/powerpoint/2010/main" val="1007759962"/>
+      </p:ext>
+    </p:extLst>
+  </p:cSld>
+  <p:clrMapOvr>
+    <a:masterClrMapping/>
+  </p:clrMapOvr>
+</p:sld>
+</file>
+
+<file path=ppt/slides/slide8.xml><?xml version="1.0" encoding="utf-8"?>
+<p:sld xmlns:a="http://schemas.openxmlformats.org/drawingml/2006/main" xmlns:r="http://schemas.openxmlformats.org/officeDocument/2006/relationships" xmlns:p="http://schemas.openxmlformats.org/presentationml/2006/main">
+  <p:cSld>
+    <p:spTree>
+      <p:nvGrpSpPr>
+        <p:cNvPr id="1" name=""/>
+        <p:cNvGrpSpPr/>
+        <p:nvPr/>
+      </p:nvGrpSpPr>
+      <p:grpSpPr>
+        <a:xfrm>
+          <a:off x="0" y="0"/>
+          <a:ext cx="0" cy="0"/>
+          <a:chOff x="0" y="0"/>
+          <a:chExt cx="0" cy="0"/>
+        </a:xfrm>
+      </p:grpSpPr>
+      <p:sp>
+        <p:nvSpPr>
+          <p:cNvPr id="2" name="Заголовок 1">
+            <a:extLst>
+              <a:ext uri="{FF2B5EF4-FFF2-40B4-BE49-F238E27FC236}">
+                <a16:creationId xmlns:a16="http://schemas.microsoft.com/office/drawing/2014/main" id="{F11751D2-ED12-F57D-3664-30FE598F8F23}"/>
+              </a:ext>
+            </a:extLst>
+          </p:cNvPr>
+          <p:cNvSpPr>
+            <a:spLocks noGrp="1"/>
+          </p:cNvSpPr>
+          <p:nvPr>
+            <p:ph type="title"/>
+          </p:nvPr>
+        </p:nvSpPr>
+        <p:spPr>
+          <a:xfrm>
+            <a:off x="632825" y="200953"/>
+            <a:ext cx="10515600" cy="1325563"/>
+          </a:xfrm>
+        </p:spPr>
+        <p:txBody>
+          <a:bodyPr/>
+          <a:lstStyle/>
+          <a:p>
+            <a:r>
+              <a:rPr lang="ru-RU" b="1" spc="300" dirty="0"/>
+              <a:t>Знакомство с </a:t>
+            </a:r>
+            <a:r>
+              <a:rPr lang="en-US" b="1" spc="300" dirty="0"/>
+              <a:t>JSX</a:t>
+            </a:r>
+            <a:endParaRPr lang="ru-RU" b="1" spc="300" dirty="0"/>
+          </a:p>
+        </p:txBody>
+      </p:sp>
+      <p:sp>
+        <p:nvSpPr>
+          <p:cNvPr id="3" name="Объект 2">
+            <a:extLst>
+              <a:ext uri="{FF2B5EF4-FFF2-40B4-BE49-F238E27FC236}">
+                <a16:creationId xmlns:a16="http://schemas.microsoft.com/office/drawing/2014/main" id="{977731BF-818E-3C10-0B75-60D4A5E0AE3F}"/>
+              </a:ext>
+            </a:extLst>
+          </p:cNvPr>
+          <p:cNvSpPr>
+            <a:spLocks noGrp="1"/>
+          </p:cNvSpPr>
+          <p:nvPr>
+            <p:ph idx="1"/>
+          </p:nvPr>
+        </p:nvSpPr>
+        <p:spPr>
+          <a:xfrm>
+            <a:off x="632825" y="1188960"/>
+            <a:ext cx="5270264" cy="5848448"/>
+          </a:xfrm>
+        </p:spPr>
+        <p:txBody>
+          <a:bodyPr>
+            <a:normAutofit/>
+          </a:bodyPr>
+          <a:lstStyle/>
+          <a:p>
+            <a:pPr marL="0" indent="0">
+              <a:buNone/>
+            </a:pPr>
+            <a:r>
+              <a:rPr lang="ru-RU" sz="2500" spc="-150" dirty="0"/>
+              <a:t>Теперь откроем файл </a:t>
+            </a:r>
+            <a:r>
+              <a:rPr lang="en-US" sz="2500" spc="-150" dirty="0"/>
+              <a:t>App.js </a:t>
+            </a:r>
+            <a:r>
+              <a:rPr lang="ru-RU" sz="2500" spc="-150" dirty="0"/>
+              <a:t>из папки </a:t>
+            </a:r>
+            <a:r>
+              <a:rPr lang="en-US" sz="2500" spc="-150" dirty="0"/>
+              <a:t>src. </a:t>
+            </a:r>
+            <a:r>
+              <a:rPr lang="ru-RU" sz="2500" spc="-150" dirty="0"/>
+              <a:t>В нем мы увидим функцию </a:t>
+            </a:r>
+            <a:r>
+              <a:rPr lang="en-US" sz="2500" spc="-150" dirty="0"/>
+              <a:t>App</a:t>
+            </a:r>
+            <a:r>
+              <a:rPr lang="ru-RU" sz="2500" spc="-150" dirty="0"/>
+              <a:t>, в которой описывается сам компонент </a:t>
+            </a:r>
+            <a:r>
+              <a:rPr lang="en-US" sz="2500" spc="-150" dirty="0"/>
+              <a:t>React-</a:t>
+            </a:r>
+            <a:r>
+              <a:rPr lang="ru-RU" sz="2500" spc="-150" dirty="0"/>
+              <a:t>приложения. Функция возвращает некоторый, похожий на </a:t>
+            </a:r>
+            <a:r>
+              <a:rPr lang="en-US" sz="2500" spc="-150" dirty="0"/>
+              <a:t>HTML</a:t>
+            </a:r>
+            <a:r>
+              <a:rPr lang="ru-RU" sz="2500" spc="-150" dirty="0"/>
+              <a:t>, шаблон</a:t>
+            </a:r>
+            <a:r>
+              <a:rPr lang="en-US" sz="2500" spc="-150" dirty="0"/>
+              <a:t>, </a:t>
+            </a:r>
+            <a:r>
+              <a:rPr lang="ru-RU" sz="2500" spc="-150" dirty="0"/>
+              <a:t>называемый </a:t>
+            </a:r>
+            <a:r>
+              <a:rPr lang="en-US" sz="2500" b="1" dirty="0"/>
+              <a:t>JSX-</a:t>
+            </a:r>
+            <a:r>
+              <a:rPr lang="ru-RU" sz="2500" b="1" dirty="0"/>
+              <a:t>выражением.</a:t>
+            </a:r>
+          </a:p>
+          <a:p>
+            <a:pPr marL="0" indent="0">
+              <a:buNone/>
+            </a:pPr>
+            <a:r>
+              <a:rPr lang="en-US" sz="2500" spc="-150" dirty="0"/>
+              <a:t>JSX </a:t>
+            </a:r>
+            <a:r>
+              <a:rPr lang="ru-RU" sz="2500" b="0" i="0" spc="-150" dirty="0">
+                <a:solidFill>
+                  <a:srgbClr val="212529"/>
+                </a:solidFill>
+                <a:effectLst/>
+              </a:rPr>
+              <a:t>похож на HTML, но у них есть значительные отличия. </a:t>
+            </a:r>
+            <a:r>
+              <a:rPr lang="ru-RU" sz="2500" b="0" i="0" spc="-150" dirty="0">
+                <a:solidFill>
+                  <a:srgbClr val="000000"/>
+                </a:solidFill>
+                <a:effectLst/>
+              </a:rPr>
+              <a:t>JSX напоминает язык шаблонов, наделённый </a:t>
+            </a:r>
+            <a:r>
+              <a:rPr lang="ru-RU" sz="2500" spc="-150" dirty="0">
+                <a:solidFill>
+                  <a:srgbClr val="000000"/>
+                </a:solidFill>
+              </a:rPr>
+              <a:t>силой</a:t>
+            </a:r>
+            <a:r>
+              <a:rPr lang="ru-RU" sz="2500" b="0" i="0" spc="-150" dirty="0">
+                <a:solidFill>
+                  <a:srgbClr val="000000"/>
+                </a:solidFill>
+                <a:effectLst/>
+              </a:rPr>
+              <a:t> JavaScript.</a:t>
+            </a:r>
+            <a:r>
+              <a:rPr lang="ru-RU" sz="2500" b="0" i="0" spc="-150" dirty="0">
+                <a:solidFill>
+                  <a:srgbClr val="212529"/>
+                </a:solidFill>
+                <a:effectLst/>
+              </a:rPr>
+              <a:t> </a:t>
+            </a:r>
+            <a:r>
+              <a:rPr lang="ru-RU" sz="2500" spc="-150" dirty="0">
+                <a:solidFill>
+                  <a:srgbClr val="212529"/>
+                </a:solidFill>
+              </a:rPr>
+              <a:t>JSX допускает использование любых корректных JavaScript-выражений внутри фигурных скобок. Также в</a:t>
+            </a:r>
+            <a:r>
+              <a:rPr lang="ru-RU" sz="2500" b="0" i="0" spc="-150" dirty="0">
+                <a:solidFill>
+                  <a:srgbClr val="212529"/>
+                </a:solidFill>
+                <a:effectLst/>
+              </a:rPr>
+              <a:t> JSX все свойства DOM и атрибуты должны быть записаны в</a:t>
+            </a:r>
+            <a:r>
+              <a:rPr lang="en-US" sz="2500" b="0" i="0" spc="-150" dirty="0">
+                <a:solidFill>
+                  <a:srgbClr val="212529"/>
+                </a:solidFill>
+                <a:effectLst/>
+              </a:rPr>
+              <a:t> camelCase</a:t>
+            </a:r>
+            <a:r>
+              <a:rPr lang="ru-RU" sz="2500" spc="-150" dirty="0">
+                <a:solidFill>
+                  <a:srgbClr val="212529"/>
+                </a:solidFill>
+              </a:rPr>
+              <a:t> (например, </a:t>
+            </a:r>
+            <a:r>
+              <a:rPr lang="en-US" sz="2500" spc="-150" dirty="0">
+                <a:solidFill>
+                  <a:srgbClr val="212529"/>
+                </a:solidFill>
+              </a:rPr>
+              <a:t>className)</a:t>
+            </a:r>
+            <a:r>
+              <a:rPr lang="ru-RU" sz="2500" spc="-150" dirty="0">
+                <a:solidFill>
+                  <a:srgbClr val="212529"/>
+                </a:solidFill>
+              </a:rPr>
+              <a:t>. </a:t>
+            </a:r>
+            <a:endParaRPr lang="ru-RU" sz="2500" spc="-150" dirty="0"/>
+          </a:p>
+          <a:p>
+            <a:pPr marL="0" indent="0">
+              <a:buNone/>
+            </a:pPr>
+            <a:endParaRPr lang="ru-RU" sz="2600" spc="-150" dirty="0"/>
+          </a:p>
+          <a:p>
+            <a:pPr marL="0" indent="0">
+              <a:buNone/>
+            </a:pPr>
+            <a:endParaRPr lang="ru-RU" sz="2600" spc="-150" dirty="0"/>
+          </a:p>
+          <a:p>
+            <a:pPr marL="0" indent="0">
+              <a:buNone/>
+            </a:pPr>
+            <a:endParaRPr lang="en-US" sz="2600" spc="-150" dirty="0"/>
+          </a:p>
+        </p:txBody>
+      </p:sp>
+      <p:pic>
+        <p:nvPicPr>
+          <p:cNvPr id="10" name="Рисунок 9">
+            <a:extLst>
+              <a:ext uri="{FF2B5EF4-FFF2-40B4-BE49-F238E27FC236}">
+                <a16:creationId xmlns:a16="http://schemas.microsoft.com/office/drawing/2014/main" id="{85FA319A-B2A3-AEBA-1536-24366F89267D}"/>
+              </a:ext>
+            </a:extLst>
+          </p:cNvPr>
+          <p:cNvPicPr>
+            <a:picLocks noChangeAspect="1"/>
+          </p:cNvPicPr>
+          <p:nvPr/>
+        </p:nvPicPr>
+        <p:blipFill>
+          <a:blip r:embed="rId2"/>
+          <a:stretch>
+            <a:fillRect/>
+          </a:stretch>
+        </p:blipFill>
+        <p:spPr>
+          <a:xfrm>
+            <a:off x="6007261" y="679944"/>
+            <a:ext cx="5834367" cy="5977103"/>
+          </a:xfrm>
+          <a:prstGeom prst="rect">
+            <a:avLst/>
+          </a:prstGeom>
+        </p:spPr>
+      </p:pic>
+      <p:pic>
+        <p:nvPicPr>
+          <p:cNvPr id="20" name="Рисунок 19">
+            <a:extLst>
+              <a:ext uri="{FF2B5EF4-FFF2-40B4-BE49-F238E27FC236}">
+                <a16:creationId xmlns:a16="http://schemas.microsoft.com/office/drawing/2014/main" id="{8B8A7790-6B51-39F8-D0DC-B15A2E772905}"/>
+              </a:ext>
+            </a:extLst>
+          </p:cNvPr>
+          <p:cNvPicPr>
+            <a:picLocks noChangeAspect="1"/>
+          </p:cNvPicPr>
+          <p:nvPr/>
+        </p:nvPicPr>
+        <p:blipFill>
+          <a:blip r:embed="rId3">
+            <a:extLst>
+              <a:ext uri="{28A0092B-C50C-407E-A947-70E740481C1C}">
+                <a14:useLocalDpi xmlns:a14="http://schemas.microsoft.com/office/drawing/2010/main" val="0"/>
+              </a:ext>
+            </a:extLst>
+          </a:blip>
+          <a:stretch>
+            <a:fillRect/>
+          </a:stretch>
+        </p:blipFill>
+        <p:spPr>
+          <a:xfrm>
+            <a:off x="9129812" y="4968815"/>
+            <a:ext cx="2583421" cy="1783122"/>
+          </a:xfrm>
+          <a:prstGeom prst="rect">
+            <a:avLst/>
+          </a:prstGeom>
+        </p:spPr>
+      </p:pic>
+    </p:spTree>
+    <p:extLst>
+      <p:ext uri="{BB962C8B-B14F-4D97-AF65-F5344CB8AC3E}">
+        <p14:creationId xmlns:p14="http://schemas.microsoft.com/office/powerpoint/2010/main" val="3037608798"/>
+      </p:ext>
+    </p:extLst>
+  </p:cSld>
+  <p:clrMapOvr>
+    <a:masterClrMapping/>
+  </p:clrMapOvr>
+</p:sld>
+</file>
+
+<file path=ppt/slides/slide9.xml><?xml version="1.0" encoding="utf-8"?>
+<p:sld xmlns:a="http://schemas.openxmlformats.org/drawingml/2006/main" xmlns:r="http://schemas.openxmlformats.org/officeDocument/2006/relationships" xmlns:p="http://schemas.openxmlformats.org/presentationml/2006/main">
+  <p:cSld>
+    <p:spTree>
+      <p:nvGrpSpPr>
+        <p:cNvPr id="1" name=""/>
+        <p:cNvGrpSpPr/>
+        <p:nvPr/>
+      </p:nvGrpSpPr>
+      <p:grpSpPr>
+        <a:xfrm>
+          <a:off x="0" y="0"/>
+          <a:ext cx="0" cy="0"/>
+          <a:chOff x="0" y="0"/>
+          <a:chExt cx="0" cy="0"/>
+        </a:xfrm>
+      </p:grpSpPr>
+      <p:sp>
+        <p:nvSpPr>
+          <p:cNvPr id="2" name="Заголовок 1">
+            <a:extLst>
+              <a:ext uri="{FF2B5EF4-FFF2-40B4-BE49-F238E27FC236}">
+                <a16:creationId xmlns:a16="http://schemas.microsoft.com/office/drawing/2014/main" id="{F11751D2-ED12-F57D-3664-30FE598F8F23}"/>
+              </a:ext>
+            </a:extLst>
+          </p:cNvPr>
+          <p:cNvSpPr>
+            <a:spLocks noGrp="1"/>
+          </p:cNvSpPr>
+          <p:nvPr>
+            <p:ph type="title"/>
+          </p:nvPr>
+        </p:nvSpPr>
+        <p:spPr>
+          <a:xfrm>
+            <a:off x="632825" y="200953"/>
+            <a:ext cx="10515600" cy="1325563"/>
+          </a:xfrm>
+        </p:spPr>
+        <p:txBody>
+          <a:bodyPr/>
+          <a:lstStyle/>
+          <a:p>
+            <a:r>
+              <a:rPr lang="ru-RU" b="1" spc="300" dirty="0"/>
+              <a:t>Создание компонента </a:t>
+            </a:r>
+            <a:r>
+              <a:rPr lang="en-US" b="1" spc="300" dirty="0"/>
+              <a:t>App</a:t>
+            </a:r>
+            <a:endParaRPr lang="ru-RU" b="1" spc="300" dirty="0"/>
+          </a:p>
+        </p:txBody>
+      </p:sp>
+      <p:sp>
+        <p:nvSpPr>
+          <p:cNvPr id="3" name="Объект 2">
+            <a:extLst>
+              <a:ext uri="{FF2B5EF4-FFF2-40B4-BE49-F238E27FC236}">
+                <a16:creationId xmlns:a16="http://schemas.microsoft.com/office/drawing/2014/main" id="{977731BF-818E-3C10-0B75-60D4A5E0AE3F}"/>
+              </a:ext>
+            </a:extLst>
+          </p:cNvPr>
+          <p:cNvSpPr>
+            <a:spLocks noGrp="1"/>
+          </p:cNvSpPr>
+          <p:nvPr>
+            <p:ph idx="1"/>
+          </p:nvPr>
+        </p:nvSpPr>
+        <p:spPr>
+          <a:xfrm>
+            <a:off x="632822" y="1263802"/>
+            <a:ext cx="10926351" cy="5290435"/>
+          </a:xfrm>
+        </p:spPr>
+        <p:txBody>
+          <a:bodyPr>
+            <a:normAutofit/>
+          </a:bodyPr>
+          <a:lstStyle/>
+          <a:p>
+            <a:pPr marL="0" indent="0">
+              <a:buNone/>
+            </a:pPr>
+            <a:r>
+              <a:rPr lang="ru-RU" sz="2400" spc="-150" dirty="0"/>
+              <a:t>Давайте напишем код компонента </a:t>
+            </a:r>
+            <a:r>
+              <a:rPr lang="en-US" sz="2400" spc="-150" dirty="0"/>
+              <a:t>App</a:t>
+            </a:r>
+            <a:r>
+              <a:rPr lang="ru-RU" sz="2400" spc="-150" dirty="0"/>
+              <a:t> с нуля для лучшего понимания, как всё устроено. Удалим всё содержимое файла </a:t>
+            </a:r>
+            <a:r>
+              <a:rPr lang="en-US" sz="2400" spc="-150" dirty="0"/>
+              <a:t>app.js</a:t>
+            </a:r>
+            <a:r>
+              <a:rPr lang="ru-RU" sz="2400" spc="-150" dirty="0"/>
+              <a:t> и напишем</a:t>
+            </a:r>
+            <a:r>
+              <a:rPr lang="en-US" sz="2400" spc="-150" dirty="0"/>
+              <a:t> </a:t>
+            </a:r>
+            <a:r>
+              <a:rPr lang="ru-RU" sz="2400" spc="-150" dirty="0"/>
+              <a:t>простую стрелочную функцию </a:t>
+            </a:r>
+            <a:r>
+              <a:rPr lang="en-US" sz="2400" spc="-150" dirty="0"/>
+              <a:t>App</a:t>
+            </a:r>
+            <a:r>
+              <a:rPr lang="ru-RU" sz="2400" spc="-150" dirty="0"/>
+              <a:t>, которая возвращает</a:t>
+            </a:r>
+            <a:r>
+              <a:rPr lang="en-US" sz="2400" spc="-150" dirty="0"/>
+              <a:t> </a:t>
+            </a:r>
+            <a:r>
+              <a:rPr lang="ru-RU" sz="2400" spc="-150" dirty="0"/>
+              <a:t>заголовок «Привет, мир!». </a:t>
+            </a:r>
+            <a:endParaRPr lang="en-US" sz="2400" spc="-150" dirty="0"/>
+          </a:p>
+          <a:p>
+            <a:pPr marL="0" indent="0">
+              <a:buNone/>
+            </a:pPr>
+            <a:r>
+              <a:rPr lang="ru-RU" sz="2400" spc="-150" dirty="0"/>
+              <a:t>Также добавим инлайн-стили заголовку</a:t>
+            </a:r>
+            <a:r>
+              <a:rPr lang="en-US" sz="2400" spc="-150" dirty="0"/>
+              <a:t>.</a:t>
+            </a:r>
+            <a:r>
+              <a:rPr lang="ru-RU" sz="2400" spc="-150" dirty="0"/>
+              <a:t> Обратите внимание, на скобки.</a:t>
+            </a:r>
+            <a:r>
+              <a:rPr lang="en-US" sz="2400" spc="-150" dirty="0"/>
+              <a:t> </a:t>
+            </a:r>
+            <a:r>
+              <a:rPr lang="ru-RU" sz="2400" b="0" i="0" spc="-150" dirty="0">
+                <a:solidFill>
+                  <a:srgbClr val="292929"/>
+                </a:solidFill>
+                <a:effectLst/>
+              </a:rPr>
+              <a:t>Первые фигурные скобки вставляют JavaScript в JSX. Внутренние фигурные скобки создают объект литерал. Стили передаются в JSX в виде объекта.</a:t>
+            </a:r>
+            <a:endParaRPr lang="en-US" sz="2400" spc="-150" dirty="0"/>
+          </a:p>
+          <a:p>
+            <a:pPr marL="0" indent="0">
+              <a:buNone/>
+            </a:pPr>
+            <a:endParaRPr lang="ru-RU" sz="2400" spc="-150" dirty="0"/>
+          </a:p>
+        </p:txBody>
+      </p:sp>
+      <p:sp>
+        <p:nvSpPr>
+          <p:cNvPr id="10" name="Объект 2">
+            <a:extLst>
+              <a:ext uri="{FF2B5EF4-FFF2-40B4-BE49-F238E27FC236}">
+                <a16:creationId xmlns:a16="http://schemas.microsoft.com/office/drawing/2014/main" id="{B1442A1D-F33A-A1CA-C37A-AC22DF5C6FE9}"/>
+              </a:ext>
+            </a:extLst>
+          </p:cNvPr>
+          <p:cNvSpPr txBox="1">
+            <a:spLocks/>
+          </p:cNvSpPr>
+          <p:nvPr/>
+        </p:nvSpPr>
+        <p:spPr>
+          <a:xfrm>
+            <a:off x="632822" y="5236208"/>
+            <a:ext cx="6624505" cy="1621792"/>
+          </a:xfrm>
+          <a:prstGeom prst="rect">
+            <a:avLst/>
+          </a:prstGeom>
+        </p:spPr>
+        <p:txBody>
+          <a:bodyPr vert="horz" lIns="91440" tIns="45720" rIns="91440" bIns="45720" rtlCol="0">
+            <a:normAutofit fontScale="92500"/>
+          </a:bodyPr>
+          <a:lstStyle>
+            <a:lvl1pPr marL="228600" indent="-228600" algn="l" defTabSz="914400" rtl="0" eaLnBrk="1" latinLnBrk="0" hangingPunct="1">
+              <a:lnSpc>
+                <a:spcPct val="90000"/>
+              </a:lnSpc>
+              <a:spcBef>
+                <a:spcPts val="1000"/>
+              </a:spcBef>
+              <a:buFont typeface="Arial" panose="020B0604020202020204" pitchFamily="34" charset="0"/>
+              <a:buChar char="•"/>
+              <a:defRPr sz="2800" kern="1200">
+                <a:solidFill>
+                  <a:schemeClr val="tx1"/>
+                </a:solidFill>
+                <a:latin typeface="+mn-lt"/>
+                <a:ea typeface="+mn-ea"/>
+                <a:cs typeface="+mn-cs"/>
+              </a:defRPr>
+            </a:lvl1pPr>
+            <a:lvl2pPr marL="685800" indent="-228600" algn="l" defTabSz="914400" rtl="0" eaLnBrk="1" latinLnBrk="0" hangingPunct="1">
+              <a:lnSpc>
+                <a:spcPct val="90000"/>
+              </a:lnSpc>
+              <a:spcBef>
+                <a:spcPts val="500"/>
+              </a:spcBef>
+              <a:buFont typeface="Arial" panose="020B0604020202020204" pitchFamily="34" charset="0"/>
+              <a:buChar char="•"/>
+              <a:defRPr sz="2400" kern="1200">
+                <a:solidFill>
+                  <a:schemeClr val="tx1"/>
+                </a:solidFill>
+                <a:latin typeface="+mn-lt"/>
+                <a:ea typeface="+mn-ea"/>
+                <a:cs typeface="+mn-cs"/>
+              </a:defRPr>
+            </a:lvl2pPr>
+            <a:lvl3pPr marL="1143000" indent="-228600" algn="l" defTabSz="914400" rtl="0" eaLnBrk="1" latinLnBrk="0" hangingPunct="1">
+              <a:lnSpc>
+                <a:spcPct val="90000"/>
+              </a:lnSpc>
+              <a:spcBef>
+                <a:spcPts val="500"/>
+              </a:spcBef>
+              <a:buFont typeface="Arial" panose="020B0604020202020204" pitchFamily="34" charset="0"/>
+              <a:buChar char="•"/>
+              <a:defRPr sz="2000" kern="1200">
+                <a:solidFill>
+                  <a:schemeClr val="tx1"/>
+                </a:solidFill>
+                <a:latin typeface="+mn-lt"/>
+                <a:ea typeface="+mn-ea"/>
+                <a:cs typeface="+mn-cs"/>
+              </a:defRPr>
+            </a:lvl3pPr>
+            <a:lvl4pPr marL="1600200" indent="-228600" algn="l" defTabSz="914400" rtl="0" eaLnBrk="1" latinLnBrk="0" hangingPunct="1">
+              <a:lnSpc>
+                <a:spcPct val="90000"/>
+              </a:lnSpc>
+              <a:spcBef>
+                <a:spcPts val="500"/>
+              </a:spcBef>
+              <a:buFont typeface="Arial" panose="020B0604020202020204" pitchFamily="34" charset="0"/>
+              <a:buChar char="•"/>
+              <a:defRPr sz="1800" kern="1200">
+                <a:solidFill>
+                  <a:schemeClr val="tx1"/>
+                </a:solidFill>
+                <a:latin typeface="+mn-lt"/>
+                <a:ea typeface="+mn-ea"/>
+                <a:cs typeface="+mn-cs"/>
+              </a:defRPr>
+            </a:lvl4pPr>
+            <a:lvl5pPr marL="2057400" indent="-228600" algn="l" defTabSz="914400" rtl="0" eaLnBrk="1" latinLnBrk="0" hangingPunct="1">
+              <a:lnSpc>
+                <a:spcPct val="90000"/>
+              </a:lnSpc>
+              <a:spcBef>
+                <a:spcPts val="500"/>
+              </a:spcBef>
+              <a:buFont typeface="Arial" panose="020B0604020202020204" pitchFamily="34" charset="0"/>
+              <a:buChar char="•"/>
+              <a:defRPr sz="1800" kern="1200">
+                <a:solidFill>
+                  <a:schemeClr val="tx1"/>
+                </a:solidFill>
+                <a:latin typeface="+mn-lt"/>
+                <a:ea typeface="+mn-ea"/>
+                <a:cs typeface="+mn-cs"/>
+              </a:defRPr>
+            </a:lvl5pPr>
+            <a:lvl6pPr marL="2514600" indent="-228600" algn="l" defTabSz="914400" rtl="0" eaLnBrk="1" latinLnBrk="0" hangingPunct="1">
+              <a:lnSpc>
+                <a:spcPct val="90000"/>
+              </a:lnSpc>
+              <a:spcBef>
+                <a:spcPts val="500"/>
+              </a:spcBef>
+              <a:buFont typeface="Arial" panose="020B0604020202020204" pitchFamily="34" charset="0"/>
+              <a:buChar char="•"/>
+              <a:defRPr sz="1800" kern="1200">
+                <a:solidFill>
+                  <a:schemeClr val="tx1"/>
+                </a:solidFill>
+                <a:latin typeface="+mn-lt"/>
+                <a:ea typeface="+mn-ea"/>
+                <a:cs typeface="+mn-cs"/>
+              </a:defRPr>
+            </a:lvl6pPr>
+            <a:lvl7pPr marL="2971800" indent="-228600" algn="l" defTabSz="914400" rtl="0" eaLnBrk="1" latinLnBrk="0" hangingPunct="1">
+              <a:lnSpc>
+                <a:spcPct val="90000"/>
+              </a:lnSpc>
+              <a:spcBef>
+                <a:spcPts val="500"/>
+              </a:spcBef>
+              <a:buFont typeface="Arial" panose="020B0604020202020204" pitchFamily="34" charset="0"/>
+              <a:buChar char="•"/>
+              <a:defRPr sz="1800" kern="1200">
+                <a:solidFill>
+                  <a:schemeClr val="tx1"/>
+                </a:solidFill>
+                <a:latin typeface="+mn-lt"/>
+                <a:ea typeface="+mn-ea"/>
+                <a:cs typeface="+mn-cs"/>
+              </a:defRPr>
+            </a:lvl7pPr>
+            <a:lvl8pPr marL="3429000" indent="-228600" algn="l" defTabSz="914400" rtl="0" eaLnBrk="1" latinLnBrk="0" hangingPunct="1">
+              <a:lnSpc>
+                <a:spcPct val="90000"/>
+              </a:lnSpc>
+              <a:spcBef>
+                <a:spcPts val="500"/>
+              </a:spcBef>
+              <a:buFont typeface="Arial" panose="020B0604020202020204" pitchFamily="34" charset="0"/>
+              <a:buChar char="•"/>
+              <a:defRPr sz="1800" kern="1200">
+                <a:solidFill>
+                  <a:schemeClr val="tx1"/>
+                </a:solidFill>
+                <a:latin typeface="+mn-lt"/>
+                <a:ea typeface="+mn-ea"/>
+                <a:cs typeface="+mn-cs"/>
+              </a:defRPr>
+            </a:lvl8pPr>
+            <a:lvl9pPr marL="3886200" indent="-228600" algn="l" defTabSz="914400" rtl="0" eaLnBrk="1" latinLnBrk="0" hangingPunct="1">
+              <a:lnSpc>
+                <a:spcPct val="90000"/>
+              </a:lnSpc>
+              <a:spcBef>
+                <a:spcPts val="500"/>
+              </a:spcBef>
+              <a:buFont typeface="Arial" panose="020B0604020202020204" pitchFamily="34" charset="0"/>
+              <a:buChar char="•"/>
+              <a:defRPr sz="1800" kern="1200">
+                <a:solidFill>
+                  <a:schemeClr val="tx1"/>
+                </a:solidFill>
+                <a:latin typeface="+mn-lt"/>
+                <a:ea typeface="+mn-ea"/>
+                <a:cs typeface="+mn-cs"/>
+              </a:defRPr>
+            </a:lvl9pPr>
+          </a:lstStyle>
+          <a:p>
+            <a:pPr marL="0" indent="0">
+              <a:buFont typeface="Arial" panose="020B0604020202020204" pitchFamily="34" charset="0"/>
+              <a:buNone/>
+            </a:pPr>
+            <a:r>
+              <a:rPr lang="ru-RU" sz="2600" spc="-150" dirty="0"/>
+              <a:t>Для того чтобы этот компонент мог быть импортирован в других файлах, компонент был экспортирован по умолчанию. </a:t>
+            </a:r>
+          </a:p>
+          <a:p>
+            <a:pPr marL="0" indent="0">
+              <a:buFont typeface="Arial" panose="020B0604020202020204" pitchFamily="34" charset="0"/>
+              <a:buNone/>
+            </a:pPr>
+            <a:r>
+              <a:rPr lang="ru-RU" sz="2600" spc="-150" dirty="0"/>
+              <a:t>Запустим приложение и увидим написанный заголовок:</a:t>
+            </a:r>
+            <a:endParaRPr lang="en-US" sz="2600" spc="-150" dirty="0"/>
+          </a:p>
+          <a:p>
+            <a:pPr marL="0" indent="0">
+              <a:buFont typeface="Arial" panose="020B0604020202020204" pitchFamily="34" charset="0"/>
+              <a:buNone/>
+            </a:pPr>
+            <a:endParaRPr lang="ru-RU" spc="-150" dirty="0"/>
+          </a:p>
+        </p:txBody>
+      </p:sp>
+      <p:pic>
+        <p:nvPicPr>
+          <p:cNvPr id="25" name="Рисунок 24">
+            <a:extLst>
+              <a:ext uri="{FF2B5EF4-FFF2-40B4-BE49-F238E27FC236}">
+                <a16:creationId xmlns:a16="http://schemas.microsoft.com/office/drawing/2014/main" id="{85234FA5-214C-38D6-02A4-E3F67FF2DE86}"/>
+              </a:ext>
+            </a:extLst>
+          </p:cNvPr>
+          <p:cNvPicPr>
+            <a:picLocks noChangeAspect="1"/>
+          </p:cNvPicPr>
+          <p:nvPr/>
+        </p:nvPicPr>
+        <p:blipFill rotWithShape="1">
+          <a:blip r:embed="rId2"/>
+          <a:srcRect l="1478"/>
+          <a:stretch/>
+        </p:blipFill>
+        <p:spPr>
+          <a:xfrm>
+            <a:off x="7361053" y="5215824"/>
+            <a:ext cx="3653945" cy="1642176"/>
+          </a:xfrm>
+          <a:prstGeom prst="rect">
+            <a:avLst/>
+          </a:prstGeom>
+        </p:spPr>
+      </p:pic>
+      <p:pic>
+        <p:nvPicPr>
+          <p:cNvPr id="27" name="Рисунок 26">
+            <a:extLst>
+              <a:ext uri="{FF2B5EF4-FFF2-40B4-BE49-F238E27FC236}">
+                <a16:creationId xmlns:a16="http://schemas.microsoft.com/office/drawing/2014/main" id="{3B9DF2E8-F1F2-B3CA-E7EB-C74FC1EE5F04}"/>
               </a:ext>
             </a:extLst>
           </p:cNvPr>
@@ -5296,8 +7271,8 @@
         </p:blipFill>
         <p:spPr>
           <a:xfrm>
-            <a:off x="632824" y="3294047"/>
-            <a:ext cx="6399808" cy="2857830"/>
+            <a:off x="632822" y="3569221"/>
+            <a:ext cx="10382176" cy="1565041"/>
           </a:xfrm>
           <a:prstGeom prst="rect">
             <a:avLst/>
@@ -5307,7 +7282,7 @@
     </p:spTree>
     <p:extLst>
       <p:ext uri="{BB962C8B-B14F-4D97-AF65-F5344CB8AC3E}">
-        <p14:creationId xmlns:p14="http://schemas.microsoft.com/office/powerpoint/2010/main" val="2110231507"/>
+        <p14:creationId xmlns:p14="http://schemas.microsoft.com/office/powerpoint/2010/main" val="3896065995"/>
       </p:ext>
     </p:extLst>
   </p:cSld>

--- a/Введение в React.pptx
+++ b/Введение в React.pptx
@@ -16,6 +16,16 @@
     <p:sldId id="268" r:id="rId10"/>
     <p:sldId id="269" r:id="rId11"/>
     <p:sldId id="270" r:id="rId12"/>
+    <p:sldId id="271" r:id="rId13"/>
+    <p:sldId id="272" r:id="rId14"/>
+    <p:sldId id="273" r:id="rId15"/>
+    <p:sldId id="274" r:id="rId16"/>
+    <p:sldId id="275" r:id="rId17"/>
+    <p:sldId id="276" r:id="rId18"/>
+    <p:sldId id="277" r:id="rId19"/>
+    <p:sldId id="279" r:id="rId20"/>
+    <p:sldId id="281" r:id="rId21"/>
+    <p:sldId id="280" r:id="rId22"/>
   </p:sldIdLst>
   <p:sldSz cx="12192000" cy="6858000"/>
   <p:notesSz cx="6858000" cy="9144000"/>
@@ -269,7 +279,7 @@
           <a:p>
             <a:fld id="{234C8AE8-7926-4A14-B77C-8678081EA4A8}" type="datetimeFigureOut">
               <a:rPr lang="ru-RU" smtClean="0"/>
-              <a:t>15.11.2022</a:t>
+              <a:t>18.11.2022</a:t>
             </a:fld>
             <a:endParaRPr lang="ru-RU"/>
           </a:p>
@@ -467,7 +477,7 @@
           <a:p>
             <a:fld id="{234C8AE8-7926-4A14-B77C-8678081EA4A8}" type="datetimeFigureOut">
               <a:rPr lang="ru-RU" smtClean="0"/>
-              <a:t>15.11.2022</a:t>
+              <a:t>18.11.2022</a:t>
             </a:fld>
             <a:endParaRPr lang="ru-RU"/>
           </a:p>
@@ -675,7 +685,7 @@
           <a:p>
             <a:fld id="{234C8AE8-7926-4A14-B77C-8678081EA4A8}" type="datetimeFigureOut">
               <a:rPr lang="ru-RU" smtClean="0"/>
-              <a:t>15.11.2022</a:t>
+              <a:t>18.11.2022</a:t>
             </a:fld>
             <a:endParaRPr lang="ru-RU"/>
           </a:p>
@@ -873,7 +883,7 @@
           <a:p>
             <a:fld id="{234C8AE8-7926-4A14-B77C-8678081EA4A8}" type="datetimeFigureOut">
               <a:rPr lang="ru-RU" smtClean="0"/>
-              <a:t>15.11.2022</a:t>
+              <a:t>18.11.2022</a:t>
             </a:fld>
             <a:endParaRPr lang="ru-RU"/>
           </a:p>
@@ -1148,7 +1158,7 @@
           <a:p>
             <a:fld id="{234C8AE8-7926-4A14-B77C-8678081EA4A8}" type="datetimeFigureOut">
               <a:rPr lang="ru-RU" smtClean="0"/>
-              <a:t>15.11.2022</a:t>
+              <a:t>18.11.2022</a:t>
             </a:fld>
             <a:endParaRPr lang="ru-RU"/>
           </a:p>
@@ -1413,7 +1423,7 @@
           <a:p>
             <a:fld id="{234C8AE8-7926-4A14-B77C-8678081EA4A8}" type="datetimeFigureOut">
               <a:rPr lang="ru-RU" smtClean="0"/>
-              <a:t>15.11.2022</a:t>
+              <a:t>18.11.2022</a:t>
             </a:fld>
             <a:endParaRPr lang="ru-RU"/>
           </a:p>
@@ -1825,7 +1835,7 @@
           <a:p>
             <a:fld id="{234C8AE8-7926-4A14-B77C-8678081EA4A8}" type="datetimeFigureOut">
               <a:rPr lang="ru-RU" smtClean="0"/>
-              <a:t>15.11.2022</a:t>
+              <a:t>18.11.2022</a:t>
             </a:fld>
             <a:endParaRPr lang="ru-RU"/>
           </a:p>
@@ -1966,7 +1976,7 @@
           <a:p>
             <a:fld id="{234C8AE8-7926-4A14-B77C-8678081EA4A8}" type="datetimeFigureOut">
               <a:rPr lang="ru-RU" smtClean="0"/>
-              <a:t>15.11.2022</a:t>
+              <a:t>18.11.2022</a:t>
             </a:fld>
             <a:endParaRPr lang="ru-RU"/>
           </a:p>
@@ -2079,7 +2089,7 @@
           <a:p>
             <a:fld id="{234C8AE8-7926-4A14-B77C-8678081EA4A8}" type="datetimeFigureOut">
               <a:rPr lang="ru-RU" smtClean="0"/>
-              <a:t>15.11.2022</a:t>
+              <a:t>18.11.2022</a:t>
             </a:fld>
             <a:endParaRPr lang="ru-RU"/>
           </a:p>
@@ -2390,7 +2400,7 @@
           <a:p>
             <a:fld id="{234C8AE8-7926-4A14-B77C-8678081EA4A8}" type="datetimeFigureOut">
               <a:rPr lang="ru-RU" smtClean="0"/>
-              <a:t>15.11.2022</a:t>
+              <a:t>18.11.2022</a:t>
             </a:fld>
             <a:endParaRPr lang="ru-RU"/>
           </a:p>
@@ -2678,7 +2688,7 @@
           <a:p>
             <a:fld id="{234C8AE8-7926-4A14-B77C-8678081EA4A8}" type="datetimeFigureOut">
               <a:rPr lang="ru-RU" smtClean="0"/>
-              <a:t>15.11.2022</a:t>
+              <a:t>18.11.2022</a:t>
             </a:fld>
             <a:endParaRPr lang="ru-RU"/>
           </a:p>
@@ -2919,7 +2929,7 @@
           <a:p>
             <a:fld id="{234C8AE8-7926-4A14-B77C-8678081EA4A8}" type="datetimeFigureOut">
               <a:rPr lang="ru-RU" smtClean="0"/>
-              <a:t>15.11.2022</a:t>
+              <a:t>18.11.2022</a:t>
             </a:fld>
             <a:endParaRPr lang="ru-RU"/>
           </a:p>
@@ -3601,7 +3611,7 @@
             </a:r>
             <a:r>
               <a:rPr lang="en-US" b="1" spc="300" dirty="0"/>
-              <a:t>useState()</a:t>
+              <a:t>useState</a:t>
             </a:r>
             <a:endParaRPr lang="ru-RU" b="1" spc="300" dirty="0"/>
           </a:p>
@@ -3640,7 +3650,7 @@
             </a:pPr>
             <a:r>
               <a:rPr lang="ru-RU" sz="2500" spc="-150" dirty="0"/>
-              <a:t>Добавим в приложение некоторую динамику, а именно счётчик нажатий. Для этого познакомимся с </a:t>
+              <a:t>Попробуем добавить в приложение некоторую динамику, например, счётчик нажатий. Для этого познакомимся с </a:t>
             </a:r>
             <a:r>
               <a:rPr lang="en-US" sz="2500" spc="-150" dirty="0"/>
@@ -3651,14 +3661,29 @@
               <a:t>хуком </a:t>
             </a:r>
             <a:r>
-              <a:rPr lang="ru-RU" sz="2500" b="1" spc="-150" dirty="0"/>
-              <a:t>useState()</a:t>
+              <a:rPr lang="ru-RU" sz="2500" b="1" spc="-150" dirty="0" err="1"/>
+              <a:t>useState</a:t>
+            </a:r>
+            <a:r>
+              <a:rPr lang="en-US" sz="2500" spc="-150" dirty="0"/>
+              <a:t>,</a:t>
             </a:r>
             <a:r>
               <a:rPr lang="ru-RU" sz="2500" spc="-150" dirty="0"/>
-              <a:t>, который позволяет определить состояние компонента.</a:t>
-            </a:r>
-            <a:endParaRPr lang="en-US" sz="2500" spc="-150" dirty="0"/>
+              <a:t> который позволяет определить состояние компонента. Для начала импортируем его</a:t>
+            </a:r>
+            <a:r>
+              <a:rPr lang="en-US" sz="2500" spc="-150" dirty="0"/>
+              <a:t> </a:t>
+            </a:r>
+            <a:r>
+              <a:rPr lang="ru-RU" sz="2500" spc="-150" dirty="0"/>
+              <a:t>из </a:t>
+            </a:r>
+            <a:r>
+              <a:rPr lang="en-US" sz="2500" spc="-150" dirty="0"/>
+              <a:t>React: </a:t>
+            </a:r>
           </a:p>
           <a:p>
             <a:pPr marL="0" indent="0">
@@ -3666,7 +3691,7 @@
             </a:pPr>
             <a:r>
               <a:rPr lang="ru-RU" sz="2500" spc="-150" dirty="0"/>
-              <a:t>Добавим в функцию </a:t>
+              <a:t>Затем добавим в функцию </a:t>
             </a:r>
             <a:r>
               <a:rPr lang="en-US" sz="2500" spc="-150" dirty="0"/>
@@ -3929,19 +3954,27 @@
             </a:r>
             <a:r>
               <a:rPr lang="ru-RU" sz="2500" spc="-150" dirty="0"/>
-              <a:t>принимает начальное состояние и возвращает значение с состоянием и функцию для его обновления.  В данном случае возвращаемая функция </a:t>
+              <a:t>принимает начальное состояние и возвращает состояние и функцию изменения состояния. Состояние может быть любым типом данных. В данном случае состояние будет типом </a:t>
             </a:r>
             <a:r>
               <a:rPr lang="en-US" sz="2500" spc="-150" dirty="0"/>
-              <a:t>setCounter()</a:t>
+              <a:t>number</a:t>
             </a:r>
             <a:r>
               <a:rPr lang="ru-RU" sz="2500" spc="-150" dirty="0"/>
-              <a:t> используется для обновления состояния счетчика </a:t>
+              <a:t>, функция </a:t>
             </a:r>
             <a:r>
               <a:rPr lang="en-US" sz="2500" spc="-150" dirty="0"/>
-              <a:t>counter. </a:t>
+              <a:t>setCounter</a:t>
+            </a:r>
+            <a:r>
+              <a:rPr lang="ru-RU" sz="2500" spc="-150" dirty="0"/>
+              <a:t> будет менять состояние. </a:t>
+            </a:r>
+            <a:r>
+              <a:rPr lang="en-US" sz="2500" spc="-150" dirty="0"/>
+              <a:t> </a:t>
             </a:r>
             <a:r>
               <a:rPr lang="ru-RU" sz="2500" spc="-150" dirty="0"/>
@@ -3960,11 +3993,40 @@
             </a:pPr>
             <a:r>
               <a:rPr lang="ru-RU" sz="2500" spc="-150" dirty="0"/>
-              <a:t>Идея реактивности такова: вместо того, чтобы каждый раз вручную в коде в императивном виде менять интерфейс приложения, гораздо удобнее изначально в декларативном виде задать связь между данными и их отображением и в дальнейшем в коде менять только данные.</a:t>
+              <a:t>Идея реактивности такова: вместо того, чтобы каждый раз вручную в коде менять интерфейс приложения, гораздо удобнее изначально задать связь между данными и их отображением и в дальнейшем в коде менять только данные.</a:t>
             </a:r>
           </a:p>
         </p:txBody>
       </p:sp>
+      <p:pic>
+        <p:nvPicPr>
+          <p:cNvPr id="6" name="Рисунок 5">
+            <a:extLst>
+              <a:ext uri="{FF2B5EF4-FFF2-40B4-BE49-F238E27FC236}">
+                <a16:creationId xmlns:a16="http://schemas.microsoft.com/office/drawing/2014/main" id="{D9996384-1AB2-53C7-45E8-56AC526CCE53}"/>
+              </a:ext>
+            </a:extLst>
+          </p:cNvPr>
+          <p:cNvPicPr>
+            <a:picLocks noChangeAspect="1"/>
+          </p:cNvPicPr>
+          <p:nvPr/>
+        </p:nvPicPr>
+        <p:blipFill rotWithShape="1">
+          <a:blip r:embed="rId3"/>
+          <a:srcRect l="1198" t="15906" b="18288"/>
+          <a:stretch/>
+        </p:blipFill>
+        <p:spPr>
+          <a:xfrm>
+            <a:off x="6947140" y="2002679"/>
+            <a:ext cx="4727331" cy="372863"/>
+          </a:xfrm>
+          <a:prstGeom prst="rect">
+            <a:avLst/>
+          </a:prstGeom>
+        </p:spPr>
+      </p:pic>
     </p:spTree>
     <p:extLst>
       <p:ext uri="{BB962C8B-B14F-4D97-AF65-F5344CB8AC3E}">
@@ -4027,7 +4089,7 @@
             </a:r>
             <a:r>
               <a:rPr lang="en-US" b="1" spc="300" dirty="0"/>
-              <a:t>useState()</a:t>
+              <a:t>useState</a:t>
             </a:r>
             <a:endParaRPr lang="ru-RU" b="1" spc="300" dirty="0"/>
           </a:p>
@@ -4320,7 +4382,7 @@
         </p:blipFill>
         <p:spPr>
           <a:xfrm>
-            <a:off x="736992" y="2105578"/>
+            <a:off x="736992" y="2078945"/>
             <a:ext cx="9283205" cy="1805068"/>
           </a:xfrm>
           <a:prstGeom prst="rect">
@@ -4349,8 +4411,436 @@
         </p:blipFill>
         <p:spPr>
           <a:xfrm>
-            <a:off x="5023599" y="5309624"/>
+            <a:off x="5023599" y="5425438"/>
             <a:ext cx="2355545" cy="1368294"/>
+          </a:xfrm>
+          <a:prstGeom prst="rect">
+            <a:avLst/>
+          </a:prstGeom>
+        </p:spPr>
+      </p:pic>
+      <p:grpSp>
+        <p:nvGrpSpPr>
+          <p:cNvPr id="5" name="Группа 4">
+            <a:extLst>
+              <a:ext uri="{FF2B5EF4-FFF2-40B4-BE49-F238E27FC236}">
+                <a16:creationId xmlns:a16="http://schemas.microsoft.com/office/drawing/2014/main" id="{F2AD133A-A80D-AB62-5B2D-A606DA083E8E}"/>
+              </a:ext>
+            </a:extLst>
+          </p:cNvPr>
+          <p:cNvGrpSpPr/>
+          <p:nvPr/>
+        </p:nvGrpSpPr>
+        <p:grpSpPr>
+          <a:xfrm>
+            <a:off x="7664652" y="5425438"/>
+            <a:ext cx="2355545" cy="1368294"/>
+            <a:chOff x="8633155" y="4485515"/>
+            <a:chExt cx="2355545" cy="1368294"/>
+          </a:xfrm>
+        </p:grpSpPr>
+        <p:pic>
+          <p:nvPicPr>
+            <p:cNvPr id="4" name="Рисунок 3">
+              <a:extLst>
+                <a:ext uri="{FF2B5EF4-FFF2-40B4-BE49-F238E27FC236}">
+                  <a16:creationId xmlns:a16="http://schemas.microsoft.com/office/drawing/2014/main" id="{8AB39672-D262-28AB-927E-507B6D35BB7B}"/>
+                </a:ext>
+              </a:extLst>
+            </p:cNvPr>
+            <p:cNvPicPr>
+              <a:picLocks noChangeAspect="1"/>
+            </p:cNvPicPr>
+            <p:nvPr/>
+          </p:nvPicPr>
+          <p:blipFill rotWithShape="1">
+            <a:blip r:embed="rId3"/>
+            <a:srcRect r="8725"/>
+            <a:stretch/>
+          </p:blipFill>
+          <p:spPr>
+            <a:xfrm>
+              <a:off x="8633155" y="4485515"/>
+              <a:ext cx="2355545" cy="1368294"/>
+            </a:xfrm>
+            <a:prstGeom prst="rect">
+              <a:avLst/>
+            </a:prstGeom>
+          </p:spPr>
+        </p:pic>
+        <p:pic>
+          <p:nvPicPr>
+            <p:cNvPr id="11" name="Рисунок 10">
+              <a:extLst>
+                <a:ext uri="{FF2B5EF4-FFF2-40B4-BE49-F238E27FC236}">
+                  <a16:creationId xmlns:a16="http://schemas.microsoft.com/office/drawing/2014/main" id="{02782D20-A46A-66D1-57F7-B5BA2EF10CE3}"/>
+                </a:ext>
+              </a:extLst>
+            </p:cNvPr>
+            <p:cNvPicPr>
+              <a:picLocks noChangeAspect="1"/>
+            </p:cNvPicPr>
+            <p:nvPr/>
+          </p:nvPicPr>
+          <p:blipFill rotWithShape="1">
+            <a:blip r:embed="rId4"/>
+            <a:srcRect t="36341" b="12125"/>
+            <a:stretch/>
+          </p:blipFill>
+          <p:spPr>
+            <a:xfrm>
+              <a:off x="8633155" y="4986812"/>
+              <a:ext cx="2287383" cy="607386"/>
+            </a:xfrm>
+            <a:prstGeom prst="rect">
+              <a:avLst/>
+            </a:prstGeom>
+          </p:spPr>
+        </p:pic>
+      </p:grpSp>
+    </p:spTree>
+    <p:extLst>
+      <p:ext uri="{BB962C8B-B14F-4D97-AF65-F5344CB8AC3E}">
+        <p14:creationId xmlns:p14="http://schemas.microsoft.com/office/powerpoint/2010/main" val="242328047"/>
+      </p:ext>
+    </p:extLst>
+  </p:cSld>
+  <p:clrMapOvr>
+    <a:masterClrMapping/>
+  </p:clrMapOvr>
+</p:sld>
+</file>
+
+<file path=ppt/slides/slide12.xml><?xml version="1.0" encoding="utf-8"?>
+<p:sld xmlns:a="http://schemas.openxmlformats.org/drawingml/2006/main" xmlns:r="http://schemas.openxmlformats.org/officeDocument/2006/relationships" xmlns:p="http://schemas.openxmlformats.org/presentationml/2006/main">
+  <p:cSld>
+    <p:spTree>
+      <p:nvGrpSpPr>
+        <p:cNvPr id="1" name=""/>
+        <p:cNvGrpSpPr/>
+        <p:nvPr/>
+      </p:nvGrpSpPr>
+      <p:grpSpPr>
+        <a:xfrm>
+          <a:off x="0" y="0"/>
+          <a:ext cx="0" cy="0"/>
+          <a:chOff x="0" y="0"/>
+          <a:chExt cx="0" cy="0"/>
+        </a:xfrm>
+      </p:grpSpPr>
+      <p:sp>
+        <p:nvSpPr>
+          <p:cNvPr id="2" name="Заголовок 1">
+            <a:extLst>
+              <a:ext uri="{FF2B5EF4-FFF2-40B4-BE49-F238E27FC236}">
+                <a16:creationId xmlns:a16="http://schemas.microsoft.com/office/drawing/2014/main" id="{F11751D2-ED12-F57D-3664-30FE598F8F23}"/>
+              </a:ext>
+            </a:extLst>
+          </p:cNvPr>
+          <p:cNvSpPr>
+            <a:spLocks noGrp="1"/>
+          </p:cNvSpPr>
+          <p:nvPr>
+            <p:ph type="title"/>
+          </p:nvPr>
+        </p:nvSpPr>
+        <p:spPr>
+          <a:xfrm>
+            <a:off x="632825" y="200953"/>
+            <a:ext cx="10515600" cy="1325563"/>
+          </a:xfrm>
+        </p:spPr>
+        <p:txBody>
+          <a:bodyPr/>
+          <a:lstStyle/>
+          <a:p>
+            <a:r>
+              <a:rPr lang="ru-RU" b="1" spc="300" dirty="0"/>
+              <a:t>Хук </a:t>
+            </a:r>
+            <a:r>
+              <a:rPr lang="en-US" b="1" spc="300" dirty="0"/>
+              <a:t>useEffect</a:t>
+            </a:r>
+            <a:endParaRPr lang="ru-RU" b="1" spc="300" dirty="0"/>
+          </a:p>
+        </p:txBody>
+      </p:sp>
+      <p:sp>
+        <p:nvSpPr>
+          <p:cNvPr id="3" name="Объект 2">
+            <a:extLst>
+              <a:ext uri="{FF2B5EF4-FFF2-40B4-BE49-F238E27FC236}">
+                <a16:creationId xmlns:a16="http://schemas.microsoft.com/office/drawing/2014/main" id="{977731BF-818E-3C10-0B75-60D4A5E0AE3F}"/>
+              </a:ext>
+            </a:extLst>
+          </p:cNvPr>
+          <p:cNvSpPr>
+            <a:spLocks noGrp="1"/>
+          </p:cNvSpPr>
+          <p:nvPr>
+            <p:ph idx="1"/>
+          </p:nvPr>
+        </p:nvSpPr>
+        <p:spPr>
+          <a:xfrm>
+            <a:off x="632822" y="1263802"/>
+            <a:ext cx="10926351" cy="5594198"/>
+          </a:xfrm>
+        </p:spPr>
+        <p:txBody>
+          <a:bodyPr>
+            <a:normAutofit/>
+          </a:bodyPr>
+          <a:lstStyle/>
+          <a:p>
+            <a:pPr marL="0" indent="0">
+              <a:buNone/>
+            </a:pPr>
+            <a:r>
+              <a:rPr lang="ru-RU" sz="2500" spc="-150" dirty="0"/>
+              <a:t>Далее рассмотрим хук useEffect. </a:t>
+            </a:r>
+            <a:r>
+              <a:rPr lang="en-US" sz="2500" spc="-150" dirty="0"/>
+              <a:t> </a:t>
+            </a:r>
+            <a:r>
+              <a:rPr lang="ru-RU" sz="2500" spc="-150" dirty="0"/>
+              <a:t>Как и любой другой хук, </a:t>
+            </a:r>
+            <a:r>
+              <a:rPr lang="en-US" sz="2500" spc="-150" dirty="0"/>
+              <a:t>useEffect</a:t>
+            </a:r>
+            <a:r>
+              <a:rPr lang="ru-RU" sz="2500" spc="-150" dirty="0"/>
+              <a:t> - это функция. Она принимает 2 аргумента:</a:t>
+            </a:r>
+          </a:p>
+          <a:p>
+            <a:pPr marL="457200" indent="-457200">
+              <a:buFont typeface="+mj-lt"/>
+              <a:buAutoNum type="arabicPeriod"/>
+            </a:pPr>
+            <a:r>
+              <a:rPr lang="ru-RU" sz="2500" spc="-150" dirty="0"/>
+              <a:t>Эффект (effect) - это функция, внутри которой происходит работа с обновленными данными, например с изменённым состояние хука </a:t>
+            </a:r>
+            <a:r>
+              <a:rPr lang="en-US" sz="2500" spc="-150" dirty="0"/>
+              <a:t>useState</a:t>
+            </a:r>
+            <a:r>
+              <a:rPr lang="ru-RU" sz="2500" spc="-150" dirty="0"/>
+              <a:t>.</a:t>
+            </a:r>
+          </a:p>
+          <a:p>
+            <a:pPr marL="457200" indent="-457200">
+              <a:buFont typeface="+mj-lt"/>
+              <a:buAutoNum type="arabicPeriod"/>
+            </a:pPr>
+            <a:r>
+              <a:rPr lang="ru-RU" sz="2500" spc="-150" dirty="0"/>
+              <a:t>Массив зависимостей (опционально). По умолчанию эффект выполняется при каждом повторном рендеринге на веб-странице, однако мы можем указать, чтобы React не применял эффект, если определенные значения не изменились с момента последнего рендеринга. Для этого и нужен массив зависимостей.</a:t>
+            </a:r>
+          </a:p>
+          <a:p>
+            <a:pPr marL="0" indent="0">
+              <a:buNone/>
+            </a:pPr>
+            <a:r>
+              <a:rPr lang="ru-RU" sz="2500" spc="-150" dirty="0"/>
+              <a:t>Первый и самый естественный случай: использовать useEffect для подписки на изменения какой-либо переменной, например, состояния или пропса.</a:t>
+            </a:r>
+            <a:endParaRPr lang="en-US" sz="2500" spc="-150" dirty="0"/>
+          </a:p>
+          <a:p>
+            <a:pPr marL="0" indent="0">
+              <a:buNone/>
+            </a:pPr>
+            <a:r>
+              <a:rPr lang="ru-RU" sz="2500" spc="-150" dirty="0"/>
+              <a:t>Второй распространённый случай: для отправки запроса на сервер для получения данных. В этом случае массивом зависимостей будет пустой массив. Тогда эффект будет вызываться только при первом рендеринге компонента.</a:t>
+            </a:r>
+            <a:r>
+              <a:rPr lang="en-US" sz="2500" spc="-150" dirty="0"/>
+              <a:t> </a:t>
+            </a:r>
+            <a:r>
+              <a:rPr lang="ru-RU" sz="2500" spc="-150" dirty="0"/>
+              <a:t>Если в массив зависимостей ничего не передавать,  эффект будет вызываться при каждом рендеринге компонента.</a:t>
+            </a:r>
+            <a:endParaRPr lang="en-US" sz="2500" spc="-150" dirty="0"/>
+          </a:p>
+          <a:p>
+            <a:pPr marL="0" indent="0">
+              <a:buNone/>
+            </a:pPr>
+            <a:endParaRPr lang="ru-RU" sz="2500" spc="-150" dirty="0"/>
+          </a:p>
+        </p:txBody>
+      </p:sp>
+    </p:spTree>
+    <p:extLst>
+      <p:ext uri="{BB962C8B-B14F-4D97-AF65-F5344CB8AC3E}">
+        <p14:creationId xmlns:p14="http://schemas.microsoft.com/office/powerpoint/2010/main" val="3356295329"/>
+      </p:ext>
+    </p:extLst>
+  </p:cSld>
+  <p:clrMapOvr>
+    <a:masterClrMapping/>
+  </p:clrMapOvr>
+</p:sld>
+</file>
+
+<file path=ppt/slides/slide13.xml><?xml version="1.0" encoding="utf-8"?>
+<p:sld xmlns:a="http://schemas.openxmlformats.org/drawingml/2006/main" xmlns:r="http://schemas.openxmlformats.org/officeDocument/2006/relationships" xmlns:p="http://schemas.openxmlformats.org/presentationml/2006/main">
+  <p:cSld>
+    <p:spTree>
+      <p:nvGrpSpPr>
+        <p:cNvPr id="1" name=""/>
+        <p:cNvGrpSpPr/>
+        <p:nvPr/>
+      </p:nvGrpSpPr>
+      <p:grpSpPr>
+        <a:xfrm>
+          <a:off x="0" y="0"/>
+          <a:ext cx="0" cy="0"/>
+          <a:chOff x="0" y="0"/>
+          <a:chExt cx="0" cy="0"/>
+        </a:xfrm>
+      </p:grpSpPr>
+      <p:sp>
+        <p:nvSpPr>
+          <p:cNvPr id="2" name="Заголовок 1">
+            <a:extLst>
+              <a:ext uri="{FF2B5EF4-FFF2-40B4-BE49-F238E27FC236}">
+                <a16:creationId xmlns:a16="http://schemas.microsoft.com/office/drawing/2014/main" id="{F11751D2-ED12-F57D-3664-30FE598F8F23}"/>
+              </a:ext>
+            </a:extLst>
+          </p:cNvPr>
+          <p:cNvSpPr>
+            <a:spLocks noGrp="1"/>
+          </p:cNvSpPr>
+          <p:nvPr>
+            <p:ph type="title"/>
+          </p:nvPr>
+        </p:nvSpPr>
+        <p:spPr>
+          <a:xfrm>
+            <a:off x="632825" y="200953"/>
+            <a:ext cx="10515600" cy="1325563"/>
+          </a:xfrm>
+        </p:spPr>
+        <p:txBody>
+          <a:bodyPr/>
+          <a:lstStyle/>
+          <a:p>
+            <a:r>
+              <a:rPr lang="ru-RU" b="1" spc="300" dirty="0"/>
+              <a:t>Отслеживание изменений с </a:t>
+            </a:r>
+            <a:r>
+              <a:rPr lang="en-US" b="1" spc="300" dirty="0"/>
+              <a:t>useEffect</a:t>
+            </a:r>
+            <a:endParaRPr lang="ru-RU" b="1" spc="300" dirty="0"/>
+          </a:p>
+        </p:txBody>
+      </p:sp>
+      <p:sp>
+        <p:nvSpPr>
+          <p:cNvPr id="3" name="Объект 2">
+            <a:extLst>
+              <a:ext uri="{FF2B5EF4-FFF2-40B4-BE49-F238E27FC236}">
+                <a16:creationId xmlns:a16="http://schemas.microsoft.com/office/drawing/2014/main" id="{977731BF-818E-3C10-0B75-60D4A5E0AE3F}"/>
+              </a:ext>
+            </a:extLst>
+          </p:cNvPr>
+          <p:cNvSpPr>
+            <a:spLocks noGrp="1"/>
+          </p:cNvSpPr>
+          <p:nvPr>
+            <p:ph idx="1"/>
+          </p:nvPr>
+        </p:nvSpPr>
+        <p:spPr>
+          <a:xfrm>
+            <a:off x="632822" y="1263801"/>
+            <a:ext cx="10926351" cy="1325563"/>
+          </a:xfrm>
+        </p:spPr>
+        <p:txBody>
+          <a:bodyPr>
+            <a:normAutofit/>
+          </a:bodyPr>
+          <a:lstStyle/>
+          <a:p>
+            <a:pPr marL="0" indent="0">
+              <a:buNone/>
+            </a:pPr>
+            <a:r>
+              <a:rPr lang="ru-RU" sz="2500" spc="-150" dirty="0"/>
+              <a:t>Применим </a:t>
+            </a:r>
+            <a:r>
+              <a:rPr lang="en-US" sz="2500" spc="-150" dirty="0"/>
+              <a:t>useEffect, </a:t>
+            </a:r>
+            <a:r>
+              <a:rPr lang="ru-RU" sz="2500" spc="-150" dirty="0"/>
+              <a:t>для отслеживания изменения состояния, написанного ранее счётчика. Импортируем хук из </a:t>
+            </a:r>
+            <a:r>
+              <a:rPr lang="en-US" sz="2500" spc="-150" dirty="0"/>
+              <a:t>React:</a:t>
+            </a:r>
+          </a:p>
+          <a:p>
+            <a:pPr marL="0" indent="0">
+              <a:buNone/>
+            </a:pPr>
+            <a:r>
+              <a:rPr lang="ru-RU" sz="2500" spc="-150" dirty="0"/>
+              <a:t>Затем после хука </a:t>
+            </a:r>
+            <a:r>
+              <a:rPr lang="en-US" sz="2500" spc="-150" dirty="0"/>
+              <a:t>useState</a:t>
+            </a:r>
+            <a:r>
+              <a:rPr lang="ru-RU" sz="2500" spc="-150" dirty="0"/>
+              <a:t> напишем:</a:t>
+            </a:r>
+            <a:endParaRPr lang="en-US" sz="2500" spc="-150" dirty="0"/>
+          </a:p>
+        </p:txBody>
+      </p:sp>
+      <p:pic>
+        <p:nvPicPr>
+          <p:cNvPr id="6" name="Рисунок 5">
+            <a:extLst>
+              <a:ext uri="{FF2B5EF4-FFF2-40B4-BE49-F238E27FC236}">
+                <a16:creationId xmlns:a16="http://schemas.microsoft.com/office/drawing/2014/main" id="{A60DB5B2-B2F5-A3C7-5342-7338786411E3}"/>
+              </a:ext>
+            </a:extLst>
+          </p:cNvPr>
+          <p:cNvPicPr>
+            <a:picLocks noChangeAspect="1"/>
+          </p:cNvPicPr>
+          <p:nvPr/>
+        </p:nvPicPr>
+        <p:blipFill rotWithShape="1">
+          <a:blip r:embed="rId2"/>
+          <a:srcRect t="44545"/>
+          <a:stretch/>
+        </p:blipFill>
+        <p:spPr>
+          <a:xfrm>
+            <a:off x="632822" y="4119304"/>
+            <a:ext cx="5629059" cy="2468484"/>
           </a:xfrm>
           <a:prstGeom prst="rect">
             <a:avLst/>
@@ -4362,7 +4852,690 @@
           <p:cNvPr id="11" name="Рисунок 10">
             <a:extLst>
               <a:ext uri="{FF2B5EF4-FFF2-40B4-BE49-F238E27FC236}">
-                <a16:creationId xmlns:a16="http://schemas.microsoft.com/office/drawing/2014/main" id="{02782D20-A46A-66D1-57F7-B5BA2EF10CE3}"/>
+                <a16:creationId xmlns:a16="http://schemas.microsoft.com/office/drawing/2014/main" id="{CA9554E9-A273-7444-56BA-BDAC378A5A62}"/>
+              </a:ext>
+            </a:extLst>
+          </p:cNvPr>
+          <p:cNvPicPr>
+            <a:picLocks noChangeAspect="1"/>
+          </p:cNvPicPr>
+          <p:nvPr/>
+        </p:nvPicPr>
+        <p:blipFill>
+          <a:blip r:embed="rId3"/>
+          <a:stretch>
+            <a:fillRect/>
+          </a:stretch>
+        </p:blipFill>
+        <p:spPr>
+          <a:xfrm>
+            <a:off x="632822" y="2493602"/>
+            <a:ext cx="8361374" cy="999992"/>
+          </a:xfrm>
+          <a:prstGeom prst="rect">
+            <a:avLst/>
+          </a:prstGeom>
+        </p:spPr>
+      </p:pic>
+      <p:sp>
+        <p:nvSpPr>
+          <p:cNvPr id="4" name="Объект 2">
+            <a:extLst>
+              <a:ext uri="{FF2B5EF4-FFF2-40B4-BE49-F238E27FC236}">
+                <a16:creationId xmlns:a16="http://schemas.microsoft.com/office/drawing/2014/main" id="{B08DFF2C-6F38-D24D-6127-F2BF79AD00C5}"/>
+              </a:ext>
+            </a:extLst>
+          </p:cNvPr>
+          <p:cNvSpPr txBox="1">
+            <a:spLocks/>
+          </p:cNvSpPr>
+          <p:nvPr/>
+        </p:nvSpPr>
+        <p:spPr>
+          <a:xfrm>
+            <a:off x="632821" y="3595031"/>
+            <a:ext cx="10926351" cy="877514"/>
+          </a:xfrm>
+          <a:prstGeom prst="rect">
+            <a:avLst/>
+          </a:prstGeom>
+        </p:spPr>
+        <p:txBody>
+          <a:bodyPr vert="horz" lIns="91440" tIns="45720" rIns="91440" bIns="45720" rtlCol="0">
+            <a:normAutofit/>
+          </a:bodyPr>
+          <a:lstStyle>
+            <a:lvl1pPr marL="228600" indent="-228600" algn="l" defTabSz="914400" rtl="0" eaLnBrk="1" latinLnBrk="0" hangingPunct="1">
+              <a:lnSpc>
+                <a:spcPct val="90000"/>
+              </a:lnSpc>
+              <a:spcBef>
+                <a:spcPts val="1000"/>
+              </a:spcBef>
+              <a:buFont typeface="Arial" panose="020B0604020202020204" pitchFamily="34" charset="0"/>
+              <a:buChar char="•"/>
+              <a:defRPr sz="2800" kern="1200">
+                <a:solidFill>
+                  <a:schemeClr val="tx1"/>
+                </a:solidFill>
+                <a:latin typeface="+mn-lt"/>
+                <a:ea typeface="+mn-ea"/>
+                <a:cs typeface="+mn-cs"/>
+              </a:defRPr>
+            </a:lvl1pPr>
+            <a:lvl2pPr marL="685800" indent="-228600" algn="l" defTabSz="914400" rtl="0" eaLnBrk="1" latinLnBrk="0" hangingPunct="1">
+              <a:lnSpc>
+                <a:spcPct val="90000"/>
+              </a:lnSpc>
+              <a:spcBef>
+                <a:spcPts val="500"/>
+              </a:spcBef>
+              <a:buFont typeface="Arial" panose="020B0604020202020204" pitchFamily="34" charset="0"/>
+              <a:buChar char="•"/>
+              <a:defRPr sz="2400" kern="1200">
+                <a:solidFill>
+                  <a:schemeClr val="tx1"/>
+                </a:solidFill>
+                <a:latin typeface="+mn-lt"/>
+                <a:ea typeface="+mn-ea"/>
+                <a:cs typeface="+mn-cs"/>
+              </a:defRPr>
+            </a:lvl2pPr>
+            <a:lvl3pPr marL="1143000" indent="-228600" algn="l" defTabSz="914400" rtl="0" eaLnBrk="1" latinLnBrk="0" hangingPunct="1">
+              <a:lnSpc>
+                <a:spcPct val="90000"/>
+              </a:lnSpc>
+              <a:spcBef>
+                <a:spcPts val="500"/>
+              </a:spcBef>
+              <a:buFont typeface="Arial" panose="020B0604020202020204" pitchFamily="34" charset="0"/>
+              <a:buChar char="•"/>
+              <a:defRPr sz="2000" kern="1200">
+                <a:solidFill>
+                  <a:schemeClr val="tx1"/>
+                </a:solidFill>
+                <a:latin typeface="+mn-lt"/>
+                <a:ea typeface="+mn-ea"/>
+                <a:cs typeface="+mn-cs"/>
+              </a:defRPr>
+            </a:lvl3pPr>
+            <a:lvl4pPr marL="1600200" indent="-228600" algn="l" defTabSz="914400" rtl="0" eaLnBrk="1" latinLnBrk="0" hangingPunct="1">
+              <a:lnSpc>
+                <a:spcPct val="90000"/>
+              </a:lnSpc>
+              <a:spcBef>
+                <a:spcPts val="500"/>
+              </a:spcBef>
+              <a:buFont typeface="Arial" panose="020B0604020202020204" pitchFamily="34" charset="0"/>
+              <a:buChar char="•"/>
+              <a:defRPr sz="1800" kern="1200">
+                <a:solidFill>
+                  <a:schemeClr val="tx1"/>
+                </a:solidFill>
+                <a:latin typeface="+mn-lt"/>
+                <a:ea typeface="+mn-ea"/>
+                <a:cs typeface="+mn-cs"/>
+              </a:defRPr>
+            </a:lvl4pPr>
+            <a:lvl5pPr marL="2057400" indent="-228600" algn="l" defTabSz="914400" rtl="0" eaLnBrk="1" latinLnBrk="0" hangingPunct="1">
+              <a:lnSpc>
+                <a:spcPct val="90000"/>
+              </a:lnSpc>
+              <a:spcBef>
+                <a:spcPts val="500"/>
+              </a:spcBef>
+              <a:buFont typeface="Arial" panose="020B0604020202020204" pitchFamily="34" charset="0"/>
+              <a:buChar char="•"/>
+              <a:defRPr sz="1800" kern="1200">
+                <a:solidFill>
+                  <a:schemeClr val="tx1"/>
+                </a:solidFill>
+                <a:latin typeface="+mn-lt"/>
+                <a:ea typeface="+mn-ea"/>
+                <a:cs typeface="+mn-cs"/>
+              </a:defRPr>
+            </a:lvl5pPr>
+            <a:lvl6pPr marL="2514600" indent="-228600" algn="l" defTabSz="914400" rtl="0" eaLnBrk="1" latinLnBrk="0" hangingPunct="1">
+              <a:lnSpc>
+                <a:spcPct val="90000"/>
+              </a:lnSpc>
+              <a:spcBef>
+                <a:spcPts val="500"/>
+              </a:spcBef>
+              <a:buFont typeface="Arial" panose="020B0604020202020204" pitchFamily="34" charset="0"/>
+              <a:buChar char="•"/>
+              <a:defRPr sz="1800" kern="1200">
+                <a:solidFill>
+                  <a:schemeClr val="tx1"/>
+                </a:solidFill>
+                <a:latin typeface="+mn-lt"/>
+                <a:ea typeface="+mn-ea"/>
+                <a:cs typeface="+mn-cs"/>
+              </a:defRPr>
+            </a:lvl6pPr>
+            <a:lvl7pPr marL="2971800" indent="-228600" algn="l" defTabSz="914400" rtl="0" eaLnBrk="1" latinLnBrk="0" hangingPunct="1">
+              <a:lnSpc>
+                <a:spcPct val="90000"/>
+              </a:lnSpc>
+              <a:spcBef>
+                <a:spcPts val="500"/>
+              </a:spcBef>
+              <a:buFont typeface="Arial" panose="020B0604020202020204" pitchFamily="34" charset="0"/>
+              <a:buChar char="•"/>
+              <a:defRPr sz="1800" kern="1200">
+                <a:solidFill>
+                  <a:schemeClr val="tx1"/>
+                </a:solidFill>
+                <a:latin typeface="+mn-lt"/>
+                <a:ea typeface="+mn-ea"/>
+                <a:cs typeface="+mn-cs"/>
+              </a:defRPr>
+            </a:lvl7pPr>
+            <a:lvl8pPr marL="3429000" indent="-228600" algn="l" defTabSz="914400" rtl="0" eaLnBrk="1" latinLnBrk="0" hangingPunct="1">
+              <a:lnSpc>
+                <a:spcPct val="90000"/>
+              </a:lnSpc>
+              <a:spcBef>
+                <a:spcPts val="500"/>
+              </a:spcBef>
+              <a:buFont typeface="Arial" panose="020B0604020202020204" pitchFamily="34" charset="0"/>
+              <a:buChar char="•"/>
+              <a:defRPr sz="1800" kern="1200">
+                <a:solidFill>
+                  <a:schemeClr val="tx1"/>
+                </a:solidFill>
+                <a:latin typeface="+mn-lt"/>
+                <a:ea typeface="+mn-ea"/>
+                <a:cs typeface="+mn-cs"/>
+              </a:defRPr>
+            </a:lvl8pPr>
+            <a:lvl9pPr marL="3886200" indent="-228600" algn="l" defTabSz="914400" rtl="0" eaLnBrk="1" latinLnBrk="0" hangingPunct="1">
+              <a:lnSpc>
+                <a:spcPct val="90000"/>
+              </a:lnSpc>
+              <a:spcBef>
+                <a:spcPts val="500"/>
+              </a:spcBef>
+              <a:buFont typeface="Arial" panose="020B0604020202020204" pitchFamily="34" charset="0"/>
+              <a:buChar char="•"/>
+              <a:defRPr sz="1800" kern="1200">
+                <a:solidFill>
+                  <a:schemeClr val="tx1"/>
+                </a:solidFill>
+                <a:latin typeface="+mn-lt"/>
+                <a:ea typeface="+mn-ea"/>
+                <a:cs typeface="+mn-cs"/>
+              </a:defRPr>
+            </a:lvl9pPr>
+          </a:lstStyle>
+          <a:p>
+            <a:pPr marL="0" indent="0">
+              <a:buFont typeface="Arial" panose="020B0604020202020204" pitchFamily="34" charset="0"/>
+              <a:buNone/>
+            </a:pPr>
+            <a:r>
+              <a:rPr lang="ru-RU" sz="2500" spc="-150" dirty="0"/>
+              <a:t>При изменении состояния счётчика, в консоли будут печататься следующие строки:</a:t>
+            </a:r>
+            <a:endParaRPr lang="en-US" sz="2500" spc="-150" dirty="0"/>
+          </a:p>
+        </p:txBody>
+      </p:sp>
+      <p:sp>
+        <p:nvSpPr>
+          <p:cNvPr id="5" name="Объект 2">
+            <a:extLst>
+              <a:ext uri="{FF2B5EF4-FFF2-40B4-BE49-F238E27FC236}">
+                <a16:creationId xmlns:a16="http://schemas.microsoft.com/office/drawing/2014/main" id="{5B0609FC-22C7-22A3-4FA3-1012B7783DC9}"/>
+              </a:ext>
+            </a:extLst>
+          </p:cNvPr>
+          <p:cNvSpPr txBox="1">
+            <a:spLocks/>
+          </p:cNvSpPr>
+          <p:nvPr/>
+        </p:nvSpPr>
+        <p:spPr>
+          <a:xfrm>
+            <a:off x="6426127" y="4112187"/>
+            <a:ext cx="4722298" cy="2779527"/>
+          </a:xfrm>
+          <a:prstGeom prst="rect">
+            <a:avLst/>
+          </a:prstGeom>
+        </p:spPr>
+        <p:txBody>
+          <a:bodyPr vert="horz" lIns="91440" tIns="45720" rIns="91440" bIns="45720" rtlCol="0">
+            <a:normAutofit/>
+          </a:bodyPr>
+          <a:lstStyle>
+            <a:lvl1pPr marL="228600" indent="-228600" algn="l" defTabSz="914400" rtl="0" eaLnBrk="1" latinLnBrk="0" hangingPunct="1">
+              <a:lnSpc>
+                <a:spcPct val="90000"/>
+              </a:lnSpc>
+              <a:spcBef>
+                <a:spcPts val="1000"/>
+              </a:spcBef>
+              <a:buFont typeface="Arial" panose="020B0604020202020204" pitchFamily="34" charset="0"/>
+              <a:buChar char="•"/>
+              <a:defRPr sz="2800" kern="1200">
+                <a:solidFill>
+                  <a:schemeClr val="tx1"/>
+                </a:solidFill>
+                <a:latin typeface="+mn-lt"/>
+                <a:ea typeface="+mn-ea"/>
+                <a:cs typeface="+mn-cs"/>
+              </a:defRPr>
+            </a:lvl1pPr>
+            <a:lvl2pPr marL="685800" indent="-228600" algn="l" defTabSz="914400" rtl="0" eaLnBrk="1" latinLnBrk="0" hangingPunct="1">
+              <a:lnSpc>
+                <a:spcPct val="90000"/>
+              </a:lnSpc>
+              <a:spcBef>
+                <a:spcPts val="500"/>
+              </a:spcBef>
+              <a:buFont typeface="Arial" panose="020B0604020202020204" pitchFamily="34" charset="0"/>
+              <a:buChar char="•"/>
+              <a:defRPr sz="2400" kern="1200">
+                <a:solidFill>
+                  <a:schemeClr val="tx1"/>
+                </a:solidFill>
+                <a:latin typeface="+mn-lt"/>
+                <a:ea typeface="+mn-ea"/>
+                <a:cs typeface="+mn-cs"/>
+              </a:defRPr>
+            </a:lvl2pPr>
+            <a:lvl3pPr marL="1143000" indent="-228600" algn="l" defTabSz="914400" rtl="0" eaLnBrk="1" latinLnBrk="0" hangingPunct="1">
+              <a:lnSpc>
+                <a:spcPct val="90000"/>
+              </a:lnSpc>
+              <a:spcBef>
+                <a:spcPts val="500"/>
+              </a:spcBef>
+              <a:buFont typeface="Arial" panose="020B0604020202020204" pitchFamily="34" charset="0"/>
+              <a:buChar char="•"/>
+              <a:defRPr sz="2000" kern="1200">
+                <a:solidFill>
+                  <a:schemeClr val="tx1"/>
+                </a:solidFill>
+                <a:latin typeface="+mn-lt"/>
+                <a:ea typeface="+mn-ea"/>
+                <a:cs typeface="+mn-cs"/>
+              </a:defRPr>
+            </a:lvl3pPr>
+            <a:lvl4pPr marL="1600200" indent="-228600" algn="l" defTabSz="914400" rtl="0" eaLnBrk="1" latinLnBrk="0" hangingPunct="1">
+              <a:lnSpc>
+                <a:spcPct val="90000"/>
+              </a:lnSpc>
+              <a:spcBef>
+                <a:spcPts val="500"/>
+              </a:spcBef>
+              <a:buFont typeface="Arial" panose="020B0604020202020204" pitchFamily="34" charset="0"/>
+              <a:buChar char="•"/>
+              <a:defRPr sz="1800" kern="1200">
+                <a:solidFill>
+                  <a:schemeClr val="tx1"/>
+                </a:solidFill>
+                <a:latin typeface="+mn-lt"/>
+                <a:ea typeface="+mn-ea"/>
+                <a:cs typeface="+mn-cs"/>
+              </a:defRPr>
+            </a:lvl4pPr>
+            <a:lvl5pPr marL="2057400" indent="-228600" algn="l" defTabSz="914400" rtl="0" eaLnBrk="1" latinLnBrk="0" hangingPunct="1">
+              <a:lnSpc>
+                <a:spcPct val="90000"/>
+              </a:lnSpc>
+              <a:spcBef>
+                <a:spcPts val="500"/>
+              </a:spcBef>
+              <a:buFont typeface="Arial" panose="020B0604020202020204" pitchFamily="34" charset="0"/>
+              <a:buChar char="•"/>
+              <a:defRPr sz="1800" kern="1200">
+                <a:solidFill>
+                  <a:schemeClr val="tx1"/>
+                </a:solidFill>
+                <a:latin typeface="+mn-lt"/>
+                <a:ea typeface="+mn-ea"/>
+                <a:cs typeface="+mn-cs"/>
+              </a:defRPr>
+            </a:lvl5pPr>
+            <a:lvl6pPr marL="2514600" indent="-228600" algn="l" defTabSz="914400" rtl="0" eaLnBrk="1" latinLnBrk="0" hangingPunct="1">
+              <a:lnSpc>
+                <a:spcPct val="90000"/>
+              </a:lnSpc>
+              <a:spcBef>
+                <a:spcPts val="500"/>
+              </a:spcBef>
+              <a:buFont typeface="Arial" panose="020B0604020202020204" pitchFamily="34" charset="0"/>
+              <a:buChar char="•"/>
+              <a:defRPr sz="1800" kern="1200">
+                <a:solidFill>
+                  <a:schemeClr val="tx1"/>
+                </a:solidFill>
+                <a:latin typeface="+mn-lt"/>
+                <a:ea typeface="+mn-ea"/>
+                <a:cs typeface="+mn-cs"/>
+              </a:defRPr>
+            </a:lvl6pPr>
+            <a:lvl7pPr marL="2971800" indent="-228600" algn="l" defTabSz="914400" rtl="0" eaLnBrk="1" latinLnBrk="0" hangingPunct="1">
+              <a:lnSpc>
+                <a:spcPct val="90000"/>
+              </a:lnSpc>
+              <a:spcBef>
+                <a:spcPts val="500"/>
+              </a:spcBef>
+              <a:buFont typeface="Arial" panose="020B0604020202020204" pitchFamily="34" charset="0"/>
+              <a:buChar char="•"/>
+              <a:defRPr sz="1800" kern="1200">
+                <a:solidFill>
+                  <a:schemeClr val="tx1"/>
+                </a:solidFill>
+                <a:latin typeface="+mn-lt"/>
+                <a:ea typeface="+mn-ea"/>
+                <a:cs typeface="+mn-cs"/>
+              </a:defRPr>
+            </a:lvl7pPr>
+            <a:lvl8pPr marL="3429000" indent="-228600" algn="l" defTabSz="914400" rtl="0" eaLnBrk="1" latinLnBrk="0" hangingPunct="1">
+              <a:lnSpc>
+                <a:spcPct val="90000"/>
+              </a:lnSpc>
+              <a:spcBef>
+                <a:spcPts val="500"/>
+              </a:spcBef>
+              <a:buFont typeface="Arial" panose="020B0604020202020204" pitchFamily="34" charset="0"/>
+              <a:buChar char="•"/>
+              <a:defRPr sz="1800" kern="1200">
+                <a:solidFill>
+                  <a:schemeClr val="tx1"/>
+                </a:solidFill>
+                <a:latin typeface="+mn-lt"/>
+                <a:ea typeface="+mn-ea"/>
+                <a:cs typeface="+mn-cs"/>
+              </a:defRPr>
+            </a:lvl8pPr>
+            <a:lvl9pPr marL="3886200" indent="-228600" algn="l" defTabSz="914400" rtl="0" eaLnBrk="1" latinLnBrk="0" hangingPunct="1">
+              <a:lnSpc>
+                <a:spcPct val="90000"/>
+              </a:lnSpc>
+              <a:spcBef>
+                <a:spcPts val="500"/>
+              </a:spcBef>
+              <a:buFont typeface="Arial" panose="020B0604020202020204" pitchFamily="34" charset="0"/>
+              <a:buChar char="•"/>
+              <a:defRPr sz="1800" kern="1200">
+                <a:solidFill>
+                  <a:schemeClr val="tx1"/>
+                </a:solidFill>
+                <a:latin typeface="+mn-lt"/>
+                <a:ea typeface="+mn-ea"/>
+                <a:cs typeface="+mn-cs"/>
+              </a:defRPr>
+            </a:lvl9pPr>
+          </a:lstStyle>
+          <a:p>
+            <a:pPr marL="0" indent="0">
+              <a:buFont typeface="Arial" panose="020B0604020202020204" pitchFamily="34" charset="0"/>
+              <a:buNone/>
+            </a:pPr>
+            <a:r>
+              <a:rPr lang="ru-RU" sz="2200" spc="-150" dirty="0"/>
+              <a:t>Можно заметить, что начальное состояние счётчика напечаталось дважды. Это происходит потому, что включен </a:t>
+            </a:r>
+            <a:r>
+              <a:rPr lang="en-US" sz="2200" b="1" spc="-150" dirty="0"/>
+              <a:t>StrictMode</a:t>
+            </a:r>
+            <a:r>
+              <a:rPr lang="en-US" sz="2200" spc="-150" dirty="0"/>
+              <a:t> (</a:t>
+            </a:r>
+            <a:r>
+              <a:rPr lang="ru-RU" sz="2200" spc="-150" dirty="0"/>
+              <a:t>строгий режим), который для отладки производит двойной вызов методов жизненного цикла компонентов. При желании его можно отключить, удалив соответствующие строки в </a:t>
+            </a:r>
+            <a:r>
+              <a:rPr lang="en-US" sz="2200" spc="-150" dirty="0"/>
+              <a:t>index.js.</a:t>
+            </a:r>
+          </a:p>
+        </p:txBody>
+      </p:sp>
+      <p:pic>
+        <p:nvPicPr>
+          <p:cNvPr id="10" name="Рисунок 9">
+            <a:extLst>
+              <a:ext uri="{FF2B5EF4-FFF2-40B4-BE49-F238E27FC236}">
+                <a16:creationId xmlns:a16="http://schemas.microsoft.com/office/drawing/2014/main" id="{9F5F0389-A924-8818-63C3-DC0674622FF6}"/>
+              </a:ext>
+            </a:extLst>
+          </p:cNvPr>
+          <p:cNvPicPr>
+            <a:picLocks noChangeAspect="1"/>
+          </p:cNvPicPr>
+          <p:nvPr/>
+        </p:nvPicPr>
+        <p:blipFill>
+          <a:blip r:embed="rId4"/>
+          <a:stretch>
+            <a:fillRect/>
+          </a:stretch>
+        </p:blipFill>
+        <p:spPr>
+          <a:xfrm>
+            <a:off x="5115514" y="1672981"/>
+            <a:ext cx="6032911" cy="343337"/>
+          </a:xfrm>
+          <a:prstGeom prst="rect">
+            <a:avLst/>
+          </a:prstGeom>
+        </p:spPr>
+      </p:pic>
+    </p:spTree>
+    <p:extLst>
+      <p:ext uri="{BB962C8B-B14F-4D97-AF65-F5344CB8AC3E}">
+        <p14:creationId xmlns:p14="http://schemas.microsoft.com/office/powerpoint/2010/main" val="2237377096"/>
+      </p:ext>
+    </p:extLst>
+  </p:cSld>
+  <p:clrMapOvr>
+    <a:masterClrMapping/>
+  </p:clrMapOvr>
+</p:sld>
+</file>
+
+<file path=ppt/slides/slide14.xml><?xml version="1.0" encoding="utf-8"?>
+<p:sld xmlns:a="http://schemas.openxmlformats.org/drawingml/2006/main" xmlns:r="http://schemas.openxmlformats.org/officeDocument/2006/relationships" xmlns:p="http://schemas.openxmlformats.org/presentationml/2006/main">
+  <p:cSld>
+    <p:spTree>
+      <p:nvGrpSpPr>
+        <p:cNvPr id="1" name=""/>
+        <p:cNvGrpSpPr/>
+        <p:nvPr/>
+      </p:nvGrpSpPr>
+      <p:grpSpPr>
+        <a:xfrm>
+          <a:off x="0" y="0"/>
+          <a:ext cx="0" cy="0"/>
+          <a:chOff x="0" y="0"/>
+          <a:chExt cx="0" cy="0"/>
+        </a:xfrm>
+      </p:grpSpPr>
+      <p:sp>
+        <p:nvSpPr>
+          <p:cNvPr id="2" name="Заголовок 1">
+            <a:extLst>
+              <a:ext uri="{FF2B5EF4-FFF2-40B4-BE49-F238E27FC236}">
+                <a16:creationId xmlns:a16="http://schemas.microsoft.com/office/drawing/2014/main" id="{F11751D2-ED12-F57D-3664-30FE598F8F23}"/>
+              </a:ext>
+            </a:extLst>
+          </p:cNvPr>
+          <p:cNvSpPr>
+            <a:spLocks noGrp="1"/>
+          </p:cNvSpPr>
+          <p:nvPr>
+            <p:ph type="title"/>
+          </p:nvPr>
+        </p:nvSpPr>
+        <p:spPr>
+          <a:xfrm>
+            <a:off x="632825" y="200953"/>
+            <a:ext cx="10515600" cy="1325563"/>
+          </a:xfrm>
+        </p:spPr>
+        <p:txBody>
+          <a:bodyPr/>
+          <a:lstStyle/>
+          <a:p>
+            <a:r>
+              <a:rPr lang="ru-RU" b="1" spc="300" dirty="0"/>
+              <a:t>Загрузка данных с </a:t>
+            </a:r>
+            <a:r>
+              <a:rPr lang="en-US" b="1" spc="300" dirty="0"/>
+              <a:t>useEffect</a:t>
+            </a:r>
+            <a:endParaRPr lang="ru-RU" b="1" spc="300" dirty="0"/>
+          </a:p>
+        </p:txBody>
+      </p:sp>
+      <p:sp>
+        <p:nvSpPr>
+          <p:cNvPr id="3" name="Объект 2">
+            <a:extLst>
+              <a:ext uri="{FF2B5EF4-FFF2-40B4-BE49-F238E27FC236}">
+                <a16:creationId xmlns:a16="http://schemas.microsoft.com/office/drawing/2014/main" id="{977731BF-818E-3C10-0B75-60D4A5E0AE3F}"/>
+              </a:ext>
+            </a:extLst>
+          </p:cNvPr>
+          <p:cNvSpPr>
+            <a:spLocks noGrp="1"/>
+          </p:cNvSpPr>
+          <p:nvPr>
+            <p:ph idx="1"/>
+          </p:nvPr>
+        </p:nvSpPr>
+        <p:spPr>
+          <a:xfrm>
+            <a:off x="632822" y="1263799"/>
+            <a:ext cx="10926351" cy="4144964"/>
+          </a:xfrm>
+        </p:spPr>
+        <p:txBody>
+          <a:bodyPr>
+            <a:normAutofit/>
+          </a:bodyPr>
+          <a:lstStyle/>
+          <a:p>
+            <a:pPr marL="0" indent="0">
+              <a:buNone/>
+            </a:pPr>
+            <a:r>
+              <a:rPr lang="ru-RU" sz="2700" spc="-150" dirty="0"/>
+              <a:t>Попробуем с помощью </a:t>
+            </a:r>
+            <a:r>
+              <a:rPr lang="en-US" sz="2700" spc="-150" dirty="0"/>
+              <a:t>useEffect</a:t>
+            </a:r>
+            <a:r>
+              <a:rPr lang="ru-RU" sz="2700" spc="-150" dirty="0"/>
+              <a:t> реализовать загрузку данных с сервера. Для этого в эффекте отправим на сервер </a:t>
+            </a:r>
+            <a:r>
+              <a:rPr lang="en-US" sz="2700" spc="-150" dirty="0"/>
+              <a:t>GET-</a:t>
+            </a:r>
+            <a:r>
+              <a:rPr lang="ru-RU" sz="2700" spc="-150" dirty="0"/>
+              <a:t>запрос и запишем данные в состояние. В массив зависимостей передадим пустой массив, чтобы данные загружались только при первой отрисовке компонента.</a:t>
+            </a:r>
+          </a:p>
+          <a:p>
+            <a:pPr marL="0" indent="0">
+              <a:buNone/>
+            </a:pPr>
+            <a:r>
+              <a:rPr lang="ru-RU" sz="2700" spc="-150" dirty="0"/>
+              <a:t>С помощью </a:t>
+            </a:r>
+            <a:r>
+              <a:rPr lang="en-US" sz="2700" spc="-150" dirty="0"/>
+              <a:t>useState</a:t>
+            </a:r>
+            <a:r>
+              <a:rPr lang="ru-RU" sz="2700" spc="-150" dirty="0"/>
+              <a:t> создадим состояние, которое будет хранить случайные факты о кошках:</a:t>
+            </a:r>
+          </a:p>
+          <a:p>
+            <a:pPr marL="0" indent="0">
+              <a:buNone/>
+            </a:pPr>
+            <a:r>
+              <a:rPr lang="ru-RU" sz="2700" spc="-150" dirty="0"/>
+              <a:t>Затем в </a:t>
+            </a:r>
+            <a:r>
+              <a:rPr lang="en-US" sz="2700" spc="-150" dirty="0"/>
+              <a:t>useEffect </a:t>
+            </a:r>
+            <a:r>
+              <a:rPr lang="ru-RU" sz="2700" spc="-150" dirty="0"/>
+              <a:t>загрузим данные из </a:t>
+            </a:r>
+            <a:r>
+              <a:rPr lang="en-US" sz="2700" spc="-150" dirty="0"/>
+              <a:t>API</a:t>
+            </a:r>
+            <a:r>
+              <a:rPr lang="ru-RU" sz="2700" spc="-150" dirty="0"/>
+              <a:t> с помощью </a:t>
+            </a:r>
+            <a:r>
+              <a:rPr lang="en-US" sz="2700" spc="-150" dirty="0"/>
+              <a:t>fetch </a:t>
+            </a:r>
+            <a:r>
+              <a:rPr lang="ru-RU" sz="2700" spc="-150" dirty="0"/>
+              <a:t>и в состояние </a:t>
+            </a:r>
+            <a:r>
+              <a:rPr lang="en-US" sz="2700" spc="-150" dirty="0"/>
+              <a:t>facts </a:t>
+            </a:r>
+            <a:r>
+              <a:rPr lang="ru-RU" sz="2700" spc="-150" dirty="0"/>
+              <a:t>с помощью</a:t>
+            </a:r>
+            <a:r>
+              <a:rPr lang="en-US" sz="2700" spc="-150" dirty="0"/>
+              <a:t> </a:t>
+            </a:r>
+            <a:r>
+              <a:rPr lang="ru-RU" sz="2700" spc="-150" dirty="0"/>
+              <a:t>функции </a:t>
+            </a:r>
+            <a:r>
+              <a:rPr lang="en-US" sz="2700" spc="-150" dirty="0"/>
+              <a:t>setFacts</a:t>
+            </a:r>
+            <a:r>
+              <a:rPr lang="ru-RU" sz="2700" spc="-150" dirty="0"/>
+              <a:t> запишем полученные случайные факты о кошках</a:t>
+            </a:r>
+            <a:r>
+              <a:rPr lang="en-US" sz="2700" spc="-150" dirty="0"/>
+              <a:t>:</a:t>
+            </a:r>
+          </a:p>
+        </p:txBody>
+      </p:sp>
+      <p:pic>
+        <p:nvPicPr>
+          <p:cNvPr id="10" name="Рисунок 9">
+            <a:extLst>
+              <a:ext uri="{FF2B5EF4-FFF2-40B4-BE49-F238E27FC236}">
+                <a16:creationId xmlns:a16="http://schemas.microsoft.com/office/drawing/2014/main" id="{D3BC15CA-8C56-8863-63B8-F2414173F374}"/>
               </a:ext>
             </a:extLst>
           </p:cNvPr>
@@ -4372,14 +5545,14 @@
           <p:nvPr/>
         </p:nvPicPr>
         <p:blipFill rotWithShape="1">
-          <a:blip r:embed="rId4"/>
-          <a:srcRect t="36341" b="12125"/>
+          <a:blip r:embed="rId2"/>
+          <a:srcRect l="158" t="-728" r="-158" b="2061"/>
           <a:stretch/>
         </p:blipFill>
         <p:spPr>
           <a:xfrm>
-            <a:off x="7523545" y="5386385"/>
-            <a:ext cx="2287383" cy="607386"/>
+            <a:off x="734160" y="4726951"/>
+            <a:ext cx="9867703" cy="1808506"/>
           </a:xfrm>
           <a:prstGeom prst="rect">
             <a:avLst/>
@@ -4391,7 +5564,7 @@
           <p:cNvPr id="13" name="Рисунок 12">
             <a:extLst>
               <a:ext uri="{FF2B5EF4-FFF2-40B4-BE49-F238E27FC236}">
-                <a16:creationId xmlns:a16="http://schemas.microsoft.com/office/drawing/2014/main" id="{96675092-475A-1EDE-4EA1-2C3BDE893D8E}"/>
+                <a16:creationId xmlns:a16="http://schemas.microsoft.com/office/drawing/2014/main" id="{4EC01DFF-0414-6934-93F8-D35A3D1FA412}"/>
               </a:ext>
             </a:extLst>
           </p:cNvPr>
@@ -4400,15 +5573,16 @@
           </p:cNvPicPr>
           <p:nvPr/>
         </p:nvPicPr>
-        <p:blipFill rotWithShape="1">
-          <a:blip r:embed="rId5"/>
-          <a:srcRect t="39686" b="13757"/>
-          <a:stretch/>
+        <p:blipFill>
+          <a:blip r:embed="rId3"/>
+          <a:stretch>
+            <a:fillRect/>
+          </a:stretch>
         </p:blipFill>
         <p:spPr>
           <a:xfrm>
-            <a:off x="8244012" y="5984505"/>
-            <a:ext cx="2264712" cy="523314"/>
+            <a:off x="2124569" y="3288649"/>
+            <a:ext cx="5690964" cy="416730"/>
           </a:xfrm>
           <a:prstGeom prst="rect">
             <a:avLst/>
@@ -4418,7 +5592,3090 @@
     </p:spTree>
     <p:extLst>
       <p:ext uri="{BB962C8B-B14F-4D97-AF65-F5344CB8AC3E}">
-        <p14:creationId xmlns:p14="http://schemas.microsoft.com/office/powerpoint/2010/main" val="242328047"/>
+        <p14:creationId xmlns:p14="http://schemas.microsoft.com/office/powerpoint/2010/main" val="29392074"/>
+      </p:ext>
+    </p:extLst>
+  </p:cSld>
+  <p:clrMapOvr>
+    <a:masterClrMapping/>
+  </p:clrMapOvr>
+</p:sld>
+</file>
+
+<file path=ppt/slides/slide15.xml><?xml version="1.0" encoding="utf-8"?>
+<p:sld xmlns:a="http://schemas.openxmlformats.org/drawingml/2006/main" xmlns:r="http://schemas.openxmlformats.org/officeDocument/2006/relationships" xmlns:p="http://schemas.openxmlformats.org/presentationml/2006/main">
+  <p:cSld>
+    <p:spTree>
+      <p:nvGrpSpPr>
+        <p:cNvPr id="1" name=""/>
+        <p:cNvGrpSpPr/>
+        <p:nvPr/>
+      </p:nvGrpSpPr>
+      <p:grpSpPr>
+        <a:xfrm>
+          <a:off x="0" y="0"/>
+          <a:ext cx="0" cy="0"/>
+          <a:chOff x="0" y="0"/>
+          <a:chExt cx="0" cy="0"/>
+        </a:xfrm>
+      </p:grpSpPr>
+      <p:sp>
+        <p:nvSpPr>
+          <p:cNvPr id="2" name="Заголовок 1">
+            <a:extLst>
+              <a:ext uri="{FF2B5EF4-FFF2-40B4-BE49-F238E27FC236}">
+                <a16:creationId xmlns:a16="http://schemas.microsoft.com/office/drawing/2014/main" id="{F11751D2-ED12-F57D-3664-30FE598F8F23}"/>
+              </a:ext>
+            </a:extLst>
+          </p:cNvPr>
+          <p:cNvSpPr>
+            <a:spLocks noGrp="1"/>
+          </p:cNvSpPr>
+          <p:nvPr>
+            <p:ph type="title"/>
+          </p:nvPr>
+        </p:nvSpPr>
+        <p:spPr>
+          <a:xfrm>
+            <a:off x="632825" y="200953"/>
+            <a:ext cx="10515600" cy="1325563"/>
+          </a:xfrm>
+        </p:spPr>
+        <p:txBody>
+          <a:bodyPr/>
+          <a:lstStyle/>
+          <a:p>
+            <a:r>
+              <a:rPr lang="ru-RU" b="1" spc="300" dirty="0"/>
+              <a:t>Создание компонента </a:t>
+            </a:r>
+            <a:r>
+              <a:rPr lang="en-US" b="1" spc="300" dirty="0"/>
+              <a:t>CatFact</a:t>
+            </a:r>
+            <a:endParaRPr lang="ru-RU" b="1" spc="300" dirty="0"/>
+          </a:p>
+        </p:txBody>
+      </p:sp>
+      <p:sp>
+        <p:nvSpPr>
+          <p:cNvPr id="4" name="Объект 2">
+            <a:extLst>
+              <a:ext uri="{FF2B5EF4-FFF2-40B4-BE49-F238E27FC236}">
+                <a16:creationId xmlns:a16="http://schemas.microsoft.com/office/drawing/2014/main" id="{B08DFF2C-6F38-D24D-6127-F2BF79AD00C5}"/>
+              </a:ext>
+            </a:extLst>
+          </p:cNvPr>
+          <p:cNvSpPr txBox="1">
+            <a:spLocks/>
+          </p:cNvSpPr>
+          <p:nvPr/>
+        </p:nvSpPr>
+        <p:spPr>
+          <a:xfrm>
+            <a:off x="5890625" y="2981737"/>
+            <a:ext cx="5629054" cy="4191910"/>
+          </a:xfrm>
+          <a:prstGeom prst="rect">
+            <a:avLst/>
+          </a:prstGeom>
+        </p:spPr>
+        <p:txBody>
+          <a:bodyPr vert="horz" lIns="91440" tIns="45720" rIns="91440" bIns="45720" rtlCol="0">
+            <a:normAutofit/>
+          </a:bodyPr>
+          <a:lstStyle>
+            <a:lvl1pPr marL="228600" indent="-228600" algn="l" defTabSz="914400" rtl="0" eaLnBrk="1" latinLnBrk="0" hangingPunct="1">
+              <a:lnSpc>
+                <a:spcPct val="90000"/>
+              </a:lnSpc>
+              <a:spcBef>
+                <a:spcPts val="1000"/>
+              </a:spcBef>
+              <a:buFont typeface="Arial" panose="020B0604020202020204" pitchFamily="34" charset="0"/>
+              <a:buChar char="•"/>
+              <a:defRPr sz="2800" kern="1200">
+                <a:solidFill>
+                  <a:schemeClr val="tx1"/>
+                </a:solidFill>
+                <a:latin typeface="+mn-lt"/>
+                <a:ea typeface="+mn-ea"/>
+                <a:cs typeface="+mn-cs"/>
+              </a:defRPr>
+            </a:lvl1pPr>
+            <a:lvl2pPr marL="685800" indent="-228600" algn="l" defTabSz="914400" rtl="0" eaLnBrk="1" latinLnBrk="0" hangingPunct="1">
+              <a:lnSpc>
+                <a:spcPct val="90000"/>
+              </a:lnSpc>
+              <a:spcBef>
+                <a:spcPts val="500"/>
+              </a:spcBef>
+              <a:buFont typeface="Arial" panose="020B0604020202020204" pitchFamily="34" charset="0"/>
+              <a:buChar char="•"/>
+              <a:defRPr sz="2400" kern="1200">
+                <a:solidFill>
+                  <a:schemeClr val="tx1"/>
+                </a:solidFill>
+                <a:latin typeface="+mn-lt"/>
+                <a:ea typeface="+mn-ea"/>
+                <a:cs typeface="+mn-cs"/>
+              </a:defRPr>
+            </a:lvl2pPr>
+            <a:lvl3pPr marL="1143000" indent="-228600" algn="l" defTabSz="914400" rtl="0" eaLnBrk="1" latinLnBrk="0" hangingPunct="1">
+              <a:lnSpc>
+                <a:spcPct val="90000"/>
+              </a:lnSpc>
+              <a:spcBef>
+                <a:spcPts val="500"/>
+              </a:spcBef>
+              <a:buFont typeface="Arial" panose="020B0604020202020204" pitchFamily="34" charset="0"/>
+              <a:buChar char="•"/>
+              <a:defRPr sz="2000" kern="1200">
+                <a:solidFill>
+                  <a:schemeClr val="tx1"/>
+                </a:solidFill>
+                <a:latin typeface="+mn-lt"/>
+                <a:ea typeface="+mn-ea"/>
+                <a:cs typeface="+mn-cs"/>
+              </a:defRPr>
+            </a:lvl3pPr>
+            <a:lvl4pPr marL="1600200" indent="-228600" algn="l" defTabSz="914400" rtl="0" eaLnBrk="1" latinLnBrk="0" hangingPunct="1">
+              <a:lnSpc>
+                <a:spcPct val="90000"/>
+              </a:lnSpc>
+              <a:spcBef>
+                <a:spcPts val="500"/>
+              </a:spcBef>
+              <a:buFont typeface="Arial" panose="020B0604020202020204" pitchFamily="34" charset="0"/>
+              <a:buChar char="•"/>
+              <a:defRPr sz="1800" kern="1200">
+                <a:solidFill>
+                  <a:schemeClr val="tx1"/>
+                </a:solidFill>
+                <a:latin typeface="+mn-lt"/>
+                <a:ea typeface="+mn-ea"/>
+                <a:cs typeface="+mn-cs"/>
+              </a:defRPr>
+            </a:lvl4pPr>
+            <a:lvl5pPr marL="2057400" indent="-228600" algn="l" defTabSz="914400" rtl="0" eaLnBrk="1" latinLnBrk="0" hangingPunct="1">
+              <a:lnSpc>
+                <a:spcPct val="90000"/>
+              </a:lnSpc>
+              <a:spcBef>
+                <a:spcPts val="500"/>
+              </a:spcBef>
+              <a:buFont typeface="Arial" panose="020B0604020202020204" pitchFamily="34" charset="0"/>
+              <a:buChar char="•"/>
+              <a:defRPr sz="1800" kern="1200">
+                <a:solidFill>
+                  <a:schemeClr val="tx1"/>
+                </a:solidFill>
+                <a:latin typeface="+mn-lt"/>
+                <a:ea typeface="+mn-ea"/>
+                <a:cs typeface="+mn-cs"/>
+              </a:defRPr>
+            </a:lvl5pPr>
+            <a:lvl6pPr marL="2514600" indent="-228600" algn="l" defTabSz="914400" rtl="0" eaLnBrk="1" latinLnBrk="0" hangingPunct="1">
+              <a:lnSpc>
+                <a:spcPct val="90000"/>
+              </a:lnSpc>
+              <a:spcBef>
+                <a:spcPts val="500"/>
+              </a:spcBef>
+              <a:buFont typeface="Arial" panose="020B0604020202020204" pitchFamily="34" charset="0"/>
+              <a:buChar char="•"/>
+              <a:defRPr sz="1800" kern="1200">
+                <a:solidFill>
+                  <a:schemeClr val="tx1"/>
+                </a:solidFill>
+                <a:latin typeface="+mn-lt"/>
+                <a:ea typeface="+mn-ea"/>
+                <a:cs typeface="+mn-cs"/>
+              </a:defRPr>
+            </a:lvl6pPr>
+            <a:lvl7pPr marL="2971800" indent="-228600" algn="l" defTabSz="914400" rtl="0" eaLnBrk="1" latinLnBrk="0" hangingPunct="1">
+              <a:lnSpc>
+                <a:spcPct val="90000"/>
+              </a:lnSpc>
+              <a:spcBef>
+                <a:spcPts val="500"/>
+              </a:spcBef>
+              <a:buFont typeface="Arial" panose="020B0604020202020204" pitchFamily="34" charset="0"/>
+              <a:buChar char="•"/>
+              <a:defRPr sz="1800" kern="1200">
+                <a:solidFill>
+                  <a:schemeClr val="tx1"/>
+                </a:solidFill>
+                <a:latin typeface="+mn-lt"/>
+                <a:ea typeface="+mn-ea"/>
+                <a:cs typeface="+mn-cs"/>
+              </a:defRPr>
+            </a:lvl7pPr>
+            <a:lvl8pPr marL="3429000" indent="-228600" algn="l" defTabSz="914400" rtl="0" eaLnBrk="1" latinLnBrk="0" hangingPunct="1">
+              <a:lnSpc>
+                <a:spcPct val="90000"/>
+              </a:lnSpc>
+              <a:spcBef>
+                <a:spcPts val="500"/>
+              </a:spcBef>
+              <a:buFont typeface="Arial" panose="020B0604020202020204" pitchFamily="34" charset="0"/>
+              <a:buChar char="•"/>
+              <a:defRPr sz="1800" kern="1200">
+                <a:solidFill>
+                  <a:schemeClr val="tx1"/>
+                </a:solidFill>
+                <a:latin typeface="+mn-lt"/>
+                <a:ea typeface="+mn-ea"/>
+                <a:cs typeface="+mn-cs"/>
+              </a:defRPr>
+            </a:lvl8pPr>
+            <a:lvl9pPr marL="3886200" indent="-228600" algn="l" defTabSz="914400" rtl="0" eaLnBrk="1" latinLnBrk="0" hangingPunct="1">
+              <a:lnSpc>
+                <a:spcPct val="90000"/>
+              </a:lnSpc>
+              <a:spcBef>
+                <a:spcPts val="500"/>
+              </a:spcBef>
+              <a:buFont typeface="Arial" panose="020B0604020202020204" pitchFamily="34" charset="0"/>
+              <a:buChar char="•"/>
+              <a:defRPr sz="1800" kern="1200">
+                <a:solidFill>
+                  <a:schemeClr val="tx1"/>
+                </a:solidFill>
+                <a:latin typeface="+mn-lt"/>
+                <a:ea typeface="+mn-ea"/>
+                <a:cs typeface="+mn-cs"/>
+              </a:defRPr>
+            </a:lvl9pPr>
+          </a:lstStyle>
+          <a:p>
+            <a:pPr marL="0" indent="0">
+              <a:buFont typeface="Arial" panose="020B0604020202020204" pitchFamily="34" charset="0"/>
+              <a:buNone/>
+            </a:pPr>
+            <a:r>
+              <a:rPr lang="ru-RU" sz="2500" spc="-150" dirty="0"/>
+              <a:t>Далее добавим к компоненту стили с помощью </a:t>
+            </a:r>
+            <a:r>
+              <a:rPr lang="en-US" sz="2500" spc="-150" dirty="0"/>
+              <a:t>CSS</a:t>
+            </a:r>
+            <a:r>
+              <a:rPr lang="ru-RU" sz="2500" spc="-150" dirty="0"/>
+              <a:t>-модулей.</a:t>
+            </a:r>
+          </a:p>
+          <a:p>
+            <a:pPr marL="0" indent="0">
+              <a:buFont typeface="Arial" panose="020B0604020202020204" pitchFamily="34" charset="0"/>
+              <a:buNone/>
+            </a:pPr>
+            <a:r>
+              <a:rPr lang="en-US" sz="2500" b="1" spc="-150" dirty="0"/>
+              <a:t>CSS-</a:t>
+            </a:r>
+            <a:r>
+              <a:rPr lang="ru-RU" sz="2500" b="1" spc="-150" dirty="0"/>
+              <a:t>модули </a:t>
+            </a:r>
+            <a:r>
+              <a:rPr lang="ru-RU" sz="2500" spc="-150" dirty="0"/>
+              <a:t>– CSS-файлы, в которых все классы и анимации по умолчанию находятся в локальной области видимости. Преимущество </a:t>
+            </a:r>
+            <a:r>
+              <a:rPr lang="en-US" sz="2500" spc="-150" dirty="0"/>
+              <a:t>CSS-</a:t>
+            </a:r>
+            <a:r>
+              <a:rPr lang="ru-RU" sz="2500" spc="-150" dirty="0"/>
+              <a:t>модулей: они находятся в одном месте и применяются только к этому компоненту и никакому другому. </a:t>
+            </a:r>
+          </a:p>
+          <a:p>
+            <a:pPr marL="0" indent="0">
+              <a:buNone/>
+            </a:pPr>
+            <a:r>
+              <a:rPr lang="ru-RU" sz="2500" spc="-150" dirty="0"/>
+              <a:t>По содержанию </a:t>
+            </a:r>
+            <a:r>
+              <a:rPr lang="en-US" sz="2500" spc="-150" dirty="0"/>
+              <a:t>CSS-</a:t>
+            </a:r>
+            <a:r>
+              <a:rPr lang="ru-RU" sz="2500" spc="-150" dirty="0"/>
+              <a:t>модули ничем не отличаются от обычных </a:t>
+            </a:r>
+            <a:r>
+              <a:rPr lang="en-US" sz="2500" spc="-150" dirty="0"/>
+              <a:t>CSS-</a:t>
+            </a:r>
+            <a:r>
+              <a:rPr lang="ru-RU" sz="2500" spc="-150" dirty="0"/>
+              <a:t>файлов</a:t>
+            </a:r>
+          </a:p>
+          <a:p>
+            <a:pPr marL="0" indent="0">
+              <a:buFont typeface="Arial" panose="020B0604020202020204" pitchFamily="34" charset="0"/>
+              <a:buNone/>
+            </a:pPr>
+            <a:endParaRPr lang="ru-RU" sz="2500" spc="-150" dirty="0"/>
+          </a:p>
+        </p:txBody>
+      </p:sp>
+      <p:sp>
+        <p:nvSpPr>
+          <p:cNvPr id="10" name="Объект 2">
+            <a:extLst>
+              <a:ext uri="{FF2B5EF4-FFF2-40B4-BE49-F238E27FC236}">
+                <a16:creationId xmlns:a16="http://schemas.microsoft.com/office/drawing/2014/main" id="{33CEBF9C-0411-3A95-1260-2403441E211D}"/>
+              </a:ext>
+            </a:extLst>
+          </p:cNvPr>
+          <p:cNvSpPr txBox="1">
+            <a:spLocks/>
+          </p:cNvSpPr>
+          <p:nvPr/>
+        </p:nvSpPr>
+        <p:spPr>
+          <a:xfrm>
+            <a:off x="632821" y="1333033"/>
+            <a:ext cx="11208080" cy="1648705"/>
+          </a:xfrm>
+          <a:prstGeom prst="rect">
+            <a:avLst/>
+          </a:prstGeom>
+        </p:spPr>
+        <p:txBody>
+          <a:bodyPr vert="horz" lIns="91440" tIns="45720" rIns="91440" bIns="45720" rtlCol="0">
+            <a:normAutofit/>
+          </a:bodyPr>
+          <a:lstStyle>
+            <a:lvl1pPr marL="228600" indent="-228600" algn="l" defTabSz="914400" rtl="0" eaLnBrk="1" latinLnBrk="0" hangingPunct="1">
+              <a:lnSpc>
+                <a:spcPct val="90000"/>
+              </a:lnSpc>
+              <a:spcBef>
+                <a:spcPts val="1000"/>
+              </a:spcBef>
+              <a:buFont typeface="Arial" panose="020B0604020202020204" pitchFamily="34" charset="0"/>
+              <a:buChar char="•"/>
+              <a:defRPr sz="2800" kern="1200">
+                <a:solidFill>
+                  <a:schemeClr val="tx1"/>
+                </a:solidFill>
+                <a:latin typeface="+mn-lt"/>
+                <a:ea typeface="+mn-ea"/>
+                <a:cs typeface="+mn-cs"/>
+              </a:defRPr>
+            </a:lvl1pPr>
+            <a:lvl2pPr marL="685800" indent="-228600" algn="l" defTabSz="914400" rtl="0" eaLnBrk="1" latinLnBrk="0" hangingPunct="1">
+              <a:lnSpc>
+                <a:spcPct val="90000"/>
+              </a:lnSpc>
+              <a:spcBef>
+                <a:spcPts val="500"/>
+              </a:spcBef>
+              <a:buFont typeface="Arial" panose="020B0604020202020204" pitchFamily="34" charset="0"/>
+              <a:buChar char="•"/>
+              <a:defRPr sz="2400" kern="1200">
+                <a:solidFill>
+                  <a:schemeClr val="tx1"/>
+                </a:solidFill>
+                <a:latin typeface="+mn-lt"/>
+                <a:ea typeface="+mn-ea"/>
+                <a:cs typeface="+mn-cs"/>
+              </a:defRPr>
+            </a:lvl2pPr>
+            <a:lvl3pPr marL="1143000" indent="-228600" algn="l" defTabSz="914400" rtl="0" eaLnBrk="1" latinLnBrk="0" hangingPunct="1">
+              <a:lnSpc>
+                <a:spcPct val="90000"/>
+              </a:lnSpc>
+              <a:spcBef>
+                <a:spcPts val="500"/>
+              </a:spcBef>
+              <a:buFont typeface="Arial" panose="020B0604020202020204" pitchFamily="34" charset="0"/>
+              <a:buChar char="•"/>
+              <a:defRPr sz="2000" kern="1200">
+                <a:solidFill>
+                  <a:schemeClr val="tx1"/>
+                </a:solidFill>
+                <a:latin typeface="+mn-lt"/>
+                <a:ea typeface="+mn-ea"/>
+                <a:cs typeface="+mn-cs"/>
+              </a:defRPr>
+            </a:lvl3pPr>
+            <a:lvl4pPr marL="1600200" indent="-228600" algn="l" defTabSz="914400" rtl="0" eaLnBrk="1" latinLnBrk="0" hangingPunct="1">
+              <a:lnSpc>
+                <a:spcPct val="90000"/>
+              </a:lnSpc>
+              <a:spcBef>
+                <a:spcPts val="500"/>
+              </a:spcBef>
+              <a:buFont typeface="Arial" panose="020B0604020202020204" pitchFamily="34" charset="0"/>
+              <a:buChar char="•"/>
+              <a:defRPr sz="1800" kern="1200">
+                <a:solidFill>
+                  <a:schemeClr val="tx1"/>
+                </a:solidFill>
+                <a:latin typeface="+mn-lt"/>
+                <a:ea typeface="+mn-ea"/>
+                <a:cs typeface="+mn-cs"/>
+              </a:defRPr>
+            </a:lvl4pPr>
+            <a:lvl5pPr marL="2057400" indent="-228600" algn="l" defTabSz="914400" rtl="0" eaLnBrk="1" latinLnBrk="0" hangingPunct="1">
+              <a:lnSpc>
+                <a:spcPct val="90000"/>
+              </a:lnSpc>
+              <a:spcBef>
+                <a:spcPts val="500"/>
+              </a:spcBef>
+              <a:buFont typeface="Arial" panose="020B0604020202020204" pitchFamily="34" charset="0"/>
+              <a:buChar char="•"/>
+              <a:defRPr sz="1800" kern="1200">
+                <a:solidFill>
+                  <a:schemeClr val="tx1"/>
+                </a:solidFill>
+                <a:latin typeface="+mn-lt"/>
+                <a:ea typeface="+mn-ea"/>
+                <a:cs typeface="+mn-cs"/>
+              </a:defRPr>
+            </a:lvl5pPr>
+            <a:lvl6pPr marL="2514600" indent="-228600" algn="l" defTabSz="914400" rtl="0" eaLnBrk="1" latinLnBrk="0" hangingPunct="1">
+              <a:lnSpc>
+                <a:spcPct val="90000"/>
+              </a:lnSpc>
+              <a:spcBef>
+                <a:spcPts val="500"/>
+              </a:spcBef>
+              <a:buFont typeface="Arial" panose="020B0604020202020204" pitchFamily="34" charset="0"/>
+              <a:buChar char="•"/>
+              <a:defRPr sz="1800" kern="1200">
+                <a:solidFill>
+                  <a:schemeClr val="tx1"/>
+                </a:solidFill>
+                <a:latin typeface="+mn-lt"/>
+                <a:ea typeface="+mn-ea"/>
+                <a:cs typeface="+mn-cs"/>
+              </a:defRPr>
+            </a:lvl6pPr>
+            <a:lvl7pPr marL="2971800" indent="-228600" algn="l" defTabSz="914400" rtl="0" eaLnBrk="1" latinLnBrk="0" hangingPunct="1">
+              <a:lnSpc>
+                <a:spcPct val="90000"/>
+              </a:lnSpc>
+              <a:spcBef>
+                <a:spcPts val="500"/>
+              </a:spcBef>
+              <a:buFont typeface="Arial" panose="020B0604020202020204" pitchFamily="34" charset="0"/>
+              <a:buChar char="•"/>
+              <a:defRPr sz="1800" kern="1200">
+                <a:solidFill>
+                  <a:schemeClr val="tx1"/>
+                </a:solidFill>
+                <a:latin typeface="+mn-lt"/>
+                <a:ea typeface="+mn-ea"/>
+                <a:cs typeface="+mn-cs"/>
+              </a:defRPr>
+            </a:lvl7pPr>
+            <a:lvl8pPr marL="3429000" indent="-228600" algn="l" defTabSz="914400" rtl="0" eaLnBrk="1" latinLnBrk="0" hangingPunct="1">
+              <a:lnSpc>
+                <a:spcPct val="90000"/>
+              </a:lnSpc>
+              <a:spcBef>
+                <a:spcPts val="500"/>
+              </a:spcBef>
+              <a:buFont typeface="Arial" panose="020B0604020202020204" pitchFamily="34" charset="0"/>
+              <a:buChar char="•"/>
+              <a:defRPr sz="1800" kern="1200">
+                <a:solidFill>
+                  <a:schemeClr val="tx1"/>
+                </a:solidFill>
+                <a:latin typeface="+mn-lt"/>
+                <a:ea typeface="+mn-ea"/>
+                <a:cs typeface="+mn-cs"/>
+              </a:defRPr>
+            </a:lvl8pPr>
+            <a:lvl9pPr marL="3886200" indent="-228600" algn="l" defTabSz="914400" rtl="0" eaLnBrk="1" latinLnBrk="0" hangingPunct="1">
+              <a:lnSpc>
+                <a:spcPct val="90000"/>
+              </a:lnSpc>
+              <a:spcBef>
+                <a:spcPts val="500"/>
+              </a:spcBef>
+              <a:buFont typeface="Arial" panose="020B0604020202020204" pitchFamily="34" charset="0"/>
+              <a:buChar char="•"/>
+              <a:defRPr sz="1800" kern="1200">
+                <a:solidFill>
+                  <a:schemeClr val="tx1"/>
+                </a:solidFill>
+                <a:latin typeface="+mn-lt"/>
+                <a:ea typeface="+mn-ea"/>
+                <a:cs typeface="+mn-cs"/>
+              </a:defRPr>
+            </a:lvl9pPr>
+          </a:lstStyle>
+          <a:p>
+            <a:pPr marL="0" indent="0">
+              <a:buFont typeface="Arial" panose="020B0604020202020204" pitchFamily="34" charset="0"/>
+              <a:buNone/>
+            </a:pPr>
+            <a:r>
+              <a:rPr lang="ru-RU" sz="2500" spc="-150" dirty="0"/>
+              <a:t>Для отображения случайного факта о кошках, создадим отдельный компонент для каждого факта</a:t>
+            </a:r>
+            <a:r>
+              <a:rPr lang="en-US" sz="2500" spc="-150" dirty="0"/>
+              <a:t>. </a:t>
+            </a:r>
+            <a:r>
+              <a:rPr lang="ru-RU" sz="2500" spc="-150" dirty="0"/>
+              <a:t>Для этого создадим папку </a:t>
+            </a:r>
+            <a:r>
+              <a:rPr lang="en-US" sz="2500" spc="-150" dirty="0"/>
+              <a:t>CatFact, </a:t>
+            </a:r>
+            <a:r>
+              <a:rPr lang="ru-RU" sz="2500" spc="-150" dirty="0"/>
+              <a:t>в ней создадим файл компонента </a:t>
+            </a:r>
+            <a:r>
+              <a:rPr lang="en-US" sz="2500" spc="-150" dirty="0"/>
+              <a:t>CatFact</a:t>
+            </a:r>
+            <a:r>
+              <a:rPr lang="ru-RU" sz="2500" spc="-150" dirty="0"/>
+              <a:t>.</a:t>
+            </a:r>
+            <a:r>
+              <a:rPr lang="en-US" sz="2500" spc="-150" dirty="0" err="1"/>
+              <a:t>jsx</a:t>
+            </a:r>
+            <a:r>
+              <a:rPr lang="ru-RU" sz="2500" spc="-150" dirty="0"/>
+              <a:t>. Компонент</a:t>
+            </a:r>
+            <a:r>
+              <a:rPr lang="en-US" sz="2500" spc="-150" dirty="0"/>
+              <a:t> CatFact</a:t>
+            </a:r>
+            <a:r>
+              <a:rPr lang="ru-RU" sz="2500" spc="-150" dirty="0"/>
+              <a:t> будет принимать параметр </a:t>
+            </a:r>
+            <a:r>
+              <a:rPr lang="en-US" sz="2500" spc="-150" dirty="0"/>
+              <a:t>fact</a:t>
+            </a:r>
+            <a:r>
+              <a:rPr lang="ru-RU" sz="2500" spc="-150" dirty="0"/>
+              <a:t>. Параметры, которые принимает компонент называются </a:t>
+            </a:r>
+            <a:r>
+              <a:rPr lang="ru-RU" sz="2500" b="1" spc="-150" dirty="0"/>
+              <a:t>пропсами</a:t>
+            </a:r>
+            <a:r>
+              <a:rPr lang="ru-RU" sz="2500" spc="-150" dirty="0"/>
+              <a:t> (</a:t>
+            </a:r>
+            <a:r>
+              <a:rPr lang="en-US" sz="2500" spc="-150" dirty="0"/>
+              <a:t>props)</a:t>
+            </a:r>
+            <a:r>
+              <a:rPr lang="ru-RU" sz="2500" spc="-150" dirty="0"/>
+              <a:t>. Пропсы указываются в фигурных скобках.</a:t>
+            </a:r>
+            <a:endParaRPr lang="en-US" sz="2500" spc="-150" dirty="0"/>
+          </a:p>
+          <a:p>
+            <a:pPr marL="0" indent="0">
+              <a:buFont typeface="Arial" panose="020B0604020202020204" pitchFamily="34" charset="0"/>
+              <a:buNone/>
+            </a:pPr>
+            <a:endParaRPr lang="en-US" sz="2500" spc="-150" dirty="0"/>
+          </a:p>
+        </p:txBody>
+      </p:sp>
+      <p:pic>
+        <p:nvPicPr>
+          <p:cNvPr id="23" name="Рисунок 22">
+            <a:extLst>
+              <a:ext uri="{FF2B5EF4-FFF2-40B4-BE49-F238E27FC236}">
+                <a16:creationId xmlns:a16="http://schemas.microsoft.com/office/drawing/2014/main" id="{76E6D748-A12F-FA33-7C0F-0BEB6F7A2C13}"/>
+              </a:ext>
+            </a:extLst>
+          </p:cNvPr>
+          <p:cNvPicPr>
+            <a:picLocks noChangeAspect="1"/>
+          </p:cNvPicPr>
+          <p:nvPr/>
+        </p:nvPicPr>
+        <p:blipFill>
+          <a:blip r:embed="rId2"/>
+          <a:stretch>
+            <a:fillRect/>
+          </a:stretch>
+        </p:blipFill>
+        <p:spPr>
+          <a:xfrm>
+            <a:off x="773154" y="2997569"/>
+            <a:ext cx="4726498" cy="3534477"/>
+          </a:xfrm>
+          <a:prstGeom prst="rect">
+            <a:avLst/>
+          </a:prstGeom>
+        </p:spPr>
+      </p:pic>
+    </p:spTree>
+    <p:extLst>
+      <p:ext uri="{BB962C8B-B14F-4D97-AF65-F5344CB8AC3E}">
+        <p14:creationId xmlns:p14="http://schemas.microsoft.com/office/powerpoint/2010/main" val="2806867434"/>
+      </p:ext>
+    </p:extLst>
+  </p:cSld>
+  <p:clrMapOvr>
+    <a:masterClrMapping/>
+  </p:clrMapOvr>
+</p:sld>
+</file>
+
+<file path=ppt/slides/slide16.xml><?xml version="1.0" encoding="utf-8"?>
+<p:sld xmlns:a="http://schemas.openxmlformats.org/drawingml/2006/main" xmlns:r="http://schemas.openxmlformats.org/officeDocument/2006/relationships" xmlns:p="http://schemas.openxmlformats.org/presentationml/2006/main">
+  <p:cSld>
+    <p:spTree>
+      <p:nvGrpSpPr>
+        <p:cNvPr id="1" name=""/>
+        <p:cNvGrpSpPr/>
+        <p:nvPr/>
+      </p:nvGrpSpPr>
+      <p:grpSpPr>
+        <a:xfrm>
+          <a:off x="0" y="0"/>
+          <a:ext cx="0" cy="0"/>
+          <a:chOff x="0" y="0"/>
+          <a:chExt cx="0" cy="0"/>
+        </a:xfrm>
+      </p:grpSpPr>
+      <p:sp>
+        <p:nvSpPr>
+          <p:cNvPr id="2" name="Заголовок 1">
+            <a:extLst>
+              <a:ext uri="{FF2B5EF4-FFF2-40B4-BE49-F238E27FC236}">
+                <a16:creationId xmlns:a16="http://schemas.microsoft.com/office/drawing/2014/main" id="{F11751D2-ED12-F57D-3664-30FE598F8F23}"/>
+              </a:ext>
+            </a:extLst>
+          </p:cNvPr>
+          <p:cNvSpPr>
+            <a:spLocks noGrp="1"/>
+          </p:cNvSpPr>
+          <p:nvPr>
+            <p:ph type="title"/>
+          </p:nvPr>
+        </p:nvSpPr>
+        <p:spPr>
+          <a:xfrm>
+            <a:off x="632825" y="200953"/>
+            <a:ext cx="10515600" cy="1325563"/>
+          </a:xfrm>
+        </p:spPr>
+        <p:txBody>
+          <a:bodyPr/>
+          <a:lstStyle/>
+          <a:p>
+            <a:r>
+              <a:rPr lang="ru-RU" b="1" spc="300" dirty="0"/>
+              <a:t>Создание </a:t>
+            </a:r>
+            <a:r>
+              <a:rPr lang="en-US" b="1" spc="300" dirty="0"/>
+              <a:t>CSS-</a:t>
+            </a:r>
+            <a:r>
+              <a:rPr lang="ru-RU" b="1" spc="300" dirty="0"/>
+              <a:t>модулей</a:t>
+            </a:r>
+          </a:p>
+        </p:txBody>
+      </p:sp>
+      <p:sp>
+        <p:nvSpPr>
+          <p:cNvPr id="10" name="Объект 2">
+            <a:extLst>
+              <a:ext uri="{FF2B5EF4-FFF2-40B4-BE49-F238E27FC236}">
+                <a16:creationId xmlns:a16="http://schemas.microsoft.com/office/drawing/2014/main" id="{33CEBF9C-0411-3A95-1260-2403441E211D}"/>
+              </a:ext>
+            </a:extLst>
+          </p:cNvPr>
+          <p:cNvSpPr txBox="1">
+            <a:spLocks/>
+          </p:cNvSpPr>
+          <p:nvPr/>
+        </p:nvSpPr>
+        <p:spPr>
+          <a:xfrm>
+            <a:off x="632821" y="1333033"/>
+            <a:ext cx="10926351" cy="1078863"/>
+          </a:xfrm>
+          <a:prstGeom prst="rect">
+            <a:avLst/>
+          </a:prstGeom>
+        </p:spPr>
+        <p:txBody>
+          <a:bodyPr vert="horz" lIns="91440" tIns="45720" rIns="91440" bIns="45720" rtlCol="0">
+            <a:normAutofit/>
+          </a:bodyPr>
+          <a:lstStyle>
+            <a:lvl1pPr marL="228600" indent="-228600" algn="l" defTabSz="914400" rtl="0" eaLnBrk="1" latinLnBrk="0" hangingPunct="1">
+              <a:lnSpc>
+                <a:spcPct val="90000"/>
+              </a:lnSpc>
+              <a:spcBef>
+                <a:spcPts val="1000"/>
+              </a:spcBef>
+              <a:buFont typeface="Arial" panose="020B0604020202020204" pitchFamily="34" charset="0"/>
+              <a:buChar char="•"/>
+              <a:defRPr sz="2800" kern="1200">
+                <a:solidFill>
+                  <a:schemeClr val="tx1"/>
+                </a:solidFill>
+                <a:latin typeface="+mn-lt"/>
+                <a:ea typeface="+mn-ea"/>
+                <a:cs typeface="+mn-cs"/>
+              </a:defRPr>
+            </a:lvl1pPr>
+            <a:lvl2pPr marL="685800" indent="-228600" algn="l" defTabSz="914400" rtl="0" eaLnBrk="1" latinLnBrk="0" hangingPunct="1">
+              <a:lnSpc>
+                <a:spcPct val="90000"/>
+              </a:lnSpc>
+              <a:spcBef>
+                <a:spcPts val="500"/>
+              </a:spcBef>
+              <a:buFont typeface="Arial" panose="020B0604020202020204" pitchFamily="34" charset="0"/>
+              <a:buChar char="•"/>
+              <a:defRPr sz="2400" kern="1200">
+                <a:solidFill>
+                  <a:schemeClr val="tx1"/>
+                </a:solidFill>
+                <a:latin typeface="+mn-lt"/>
+                <a:ea typeface="+mn-ea"/>
+                <a:cs typeface="+mn-cs"/>
+              </a:defRPr>
+            </a:lvl2pPr>
+            <a:lvl3pPr marL="1143000" indent="-228600" algn="l" defTabSz="914400" rtl="0" eaLnBrk="1" latinLnBrk="0" hangingPunct="1">
+              <a:lnSpc>
+                <a:spcPct val="90000"/>
+              </a:lnSpc>
+              <a:spcBef>
+                <a:spcPts val="500"/>
+              </a:spcBef>
+              <a:buFont typeface="Arial" panose="020B0604020202020204" pitchFamily="34" charset="0"/>
+              <a:buChar char="•"/>
+              <a:defRPr sz="2000" kern="1200">
+                <a:solidFill>
+                  <a:schemeClr val="tx1"/>
+                </a:solidFill>
+                <a:latin typeface="+mn-lt"/>
+                <a:ea typeface="+mn-ea"/>
+                <a:cs typeface="+mn-cs"/>
+              </a:defRPr>
+            </a:lvl3pPr>
+            <a:lvl4pPr marL="1600200" indent="-228600" algn="l" defTabSz="914400" rtl="0" eaLnBrk="1" latinLnBrk="0" hangingPunct="1">
+              <a:lnSpc>
+                <a:spcPct val="90000"/>
+              </a:lnSpc>
+              <a:spcBef>
+                <a:spcPts val="500"/>
+              </a:spcBef>
+              <a:buFont typeface="Arial" panose="020B0604020202020204" pitchFamily="34" charset="0"/>
+              <a:buChar char="•"/>
+              <a:defRPr sz="1800" kern="1200">
+                <a:solidFill>
+                  <a:schemeClr val="tx1"/>
+                </a:solidFill>
+                <a:latin typeface="+mn-lt"/>
+                <a:ea typeface="+mn-ea"/>
+                <a:cs typeface="+mn-cs"/>
+              </a:defRPr>
+            </a:lvl4pPr>
+            <a:lvl5pPr marL="2057400" indent="-228600" algn="l" defTabSz="914400" rtl="0" eaLnBrk="1" latinLnBrk="0" hangingPunct="1">
+              <a:lnSpc>
+                <a:spcPct val="90000"/>
+              </a:lnSpc>
+              <a:spcBef>
+                <a:spcPts val="500"/>
+              </a:spcBef>
+              <a:buFont typeface="Arial" panose="020B0604020202020204" pitchFamily="34" charset="0"/>
+              <a:buChar char="•"/>
+              <a:defRPr sz="1800" kern="1200">
+                <a:solidFill>
+                  <a:schemeClr val="tx1"/>
+                </a:solidFill>
+                <a:latin typeface="+mn-lt"/>
+                <a:ea typeface="+mn-ea"/>
+                <a:cs typeface="+mn-cs"/>
+              </a:defRPr>
+            </a:lvl5pPr>
+            <a:lvl6pPr marL="2514600" indent="-228600" algn="l" defTabSz="914400" rtl="0" eaLnBrk="1" latinLnBrk="0" hangingPunct="1">
+              <a:lnSpc>
+                <a:spcPct val="90000"/>
+              </a:lnSpc>
+              <a:spcBef>
+                <a:spcPts val="500"/>
+              </a:spcBef>
+              <a:buFont typeface="Arial" panose="020B0604020202020204" pitchFamily="34" charset="0"/>
+              <a:buChar char="•"/>
+              <a:defRPr sz="1800" kern="1200">
+                <a:solidFill>
+                  <a:schemeClr val="tx1"/>
+                </a:solidFill>
+                <a:latin typeface="+mn-lt"/>
+                <a:ea typeface="+mn-ea"/>
+                <a:cs typeface="+mn-cs"/>
+              </a:defRPr>
+            </a:lvl6pPr>
+            <a:lvl7pPr marL="2971800" indent="-228600" algn="l" defTabSz="914400" rtl="0" eaLnBrk="1" latinLnBrk="0" hangingPunct="1">
+              <a:lnSpc>
+                <a:spcPct val="90000"/>
+              </a:lnSpc>
+              <a:spcBef>
+                <a:spcPts val="500"/>
+              </a:spcBef>
+              <a:buFont typeface="Arial" panose="020B0604020202020204" pitchFamily="34" charset="0"/>
+              <a:buChar char="•"/>
+              <a:defRPr sz="1800" kern="1200">
+                <a:solidFill>
+                  <a:schemeClr val="tx1"/>
+                </a:solidFill>
+                <a:latin typeface="+mn-lt"/>
+                <a:ea typeface="+mn-ea"/>
+                <a:cs typeface="+mn-cs"/>
+              </a:defRPr>
+            </a:lvl7pPr>
+            <a:lvl8pPr marL="3429000" indent="-228600" algn="l" defTabSz="914400" rtl="0" eaLnBrk="1" latinLnBrk="0" hangingPunct="1">
+              <a:lnSpc>
+                <a:spcPct val="90000"/>
+              </a:lnSpc>
+              <a:spcBef>
+                <a:spcPts val="500"/>
+              </a:spcBef>
+              <a:buFont typeface="Arial" panose="020B0604020202020204" pitchFamily="34" charset="0"/>
+              <a:buChar char="•"/>
+              <a:defRPr sz="1800" kern="1200">
+                <a:solidFill>
+                  <a:schemeClr val="tx1"/>
+                </a:solidFill>
+                <a:latin typeface="+mn-lt"/>
+                <a:ea typeface="+mn-ea"/>
+                <a:cs typeface="+mn-cs"/>
+              </a:defRPr>
+            </a:lvl8pPr>
+            <a:lvl9pPr marL="3886200" indent="-228600" algn="l" defTabSz="914400" rtl="0" eaLnBrk="1" latinLnBrk="0" hangingPunct="1">
+              <a:lnSpc>
+                <a:spcPct val="90000"/>
+              </a:lnSpc>
+              <a:spcBef>
+                <a:spcPts val="500"/>
+              </a:spcBef>
+              <a:buFont typeface="Arial" panose="020B0604020202020204" pitchFamily="34" charset="0"/>
+              <a:buChar char="•"/>
+              <a:defRPr sz="1800" kern="1200">
+                <a:solidFill>
+                  <a:schemeClr val="tx1"/>
+                </a:solidFill>
+                <a:latin typeface="+mn-lt"/>
+                <a:ea typeface="+mn-ea"/>
+                <a:cs typeface="+mn-cs"/>
+              </a:defRPr>
+            </a:lvl9pPr>
+          </a:lstStyle>
+          <a:p>
+            <a:pPr marL="0" indent="0">
+              <a:buFont typeface="Arial" panose="020B0604020202020204" pitchFamily="34" charset="0"/>
+              <a:buNone/>
+            </a:pPr>
+            <a:r>
+              <a:rPr lang="en-US" sz="2500" spc="-150" dirty="0"/>
+              <a:t>CSS</a:t>
+            </a:r>
+            <a:r>
+              <a:rPr lang="ru-RU" sz="2500" spc="-150" dirty="0"/>
+              <a:t>-модули принять называть по следующему правилу: </a:t>
+            </a:r>
+            <a:r>
+              <a:rPr lang="ru-RU" sz="2500" spc="-150" dirty="0" err="1"/>
+              <a:t>НазваниеКомпонента</a:t>
+            </a:r>
+            <a:r>
+              <a:rPr lang="ru-RU" sz="2500" spc="-150" dirty="0"/>
+              <a:t>.</a:t>
+            </a:r>
+            <a:r>
+              <a:rPr lang="en-US" sz="2500" spc="-150" dirty="0"/>
+              <a:t>module.css.</a:t>
+            </a:r>
+          </a:p>
+          <a:p>
+            <a:pPr marL="0" indent="0">
+              <a:buFont typeface="Arial" panose="020B0604020202020204" pitchFamily="34" charset="0"/>
+              <a:buNone/>
+            </a:pPr>
+            <a:r>
+              <a:rPr lang="ru-RU" sz="2500" spc="-150" dirty="0"/>
+              <a:t>Создадим </a:t>
+            </a:r>
+            <a:r>
+              <a:rPr lang="en-US" sz="2500" spc="-150" dirty="0"/>
+              <a:t>CatFact.module.css </a:t>
+            </a:r>
+            <a:r>
+              <a:rPr lang="ru-RU" sz="2500" spc="-150" dirty="0"/>
+              <a:t>в папке с компонентом </a:t>
+            </a:r>
+            <a:r>
+              <a:rPr lang="en-US" sz="2500" spc="-150" dirty="0"/>
+              <a:t>CatFact</a:t>
+            </a:r>
+            <a:r>
+              <a:rPr lang="ru-RU" sz="2500" spc="-150" dirty="0"/>
+              <a:t> и напишем следующие стили:</a:t>
+            </a:r>
+          </a:p>
+          <a:p>
+            <a:pPr marL="0" indent="0">
+              <a:buFont typeface="Arial" panose="020B0604020202020204" pitchFamily="34" charset="0"/>
+              <a:buNone/>
+            </a:pPr>
+            <a:endParaRPr lang="ru-RU" sz="2500" spc="-150" dirty="0"/>
+          </a:p>
+        </p:txBody>
+      </p:sp>
+      <p:pic>
+        <p:nvPicPr>
+          <p:cNvPr id="20" name="Рисунок 19">
+            <a:extLst>
+              <a:ext uri="{FF2B5EF4-FFF2-40B4-BE49-F238E27FC236}">
+                <a16:creationId xmlns:a16="http://schemas.microsoft.com/office/drawing/2014/main" id="{5A43A558-C711-A662-9E0C-BFF181D9B18A}"/>
+              </a:ext>
+            </a:extLst>
+          </p:cNvPr>
+          <p:cNvPicPr>
+            <a:picLocks noChangeAspect="1"/>
+          </p:cNvPicPr>
+          <p:nvPr/>
+        </p:nvPicPr>
+        <p:blipFill>
+          <a:blip r:embed="rId2"/>
+          <a:stretch>
+            <a:fillRect/>
+          </a:stretch>
+        </p:blipFill>
+        <p:spPr>
+          <a:xfrm>
+            <a:off x="6170523" y="3072500"/>
+            <a:ext cx="5314126" cy="566259"/>
+          </a:xfrm>
+          <a:prstGeom prst="rect">
+            <a:avLst/>
+          </a:prstGeom>
+        </p:spPr>
+      </p:pic>
+      <p:pic>
+        <p:nvPicPr>
+          <p:cNvPr id="5" name="Рисунок 4">
+            <a:extLst>
+              <a:ext uri="{FF2B5EF4-FFF2-40B4-BE49-F238E27FC236}">
+                <a16:creationId xmlns:a16="http://schemas.microsoft.com/office/drawing/2014/main" id="{A0D74D7E-716C-2BBE-6C0F-3CF8871183BE}"/>
+              </a:ext>
+            </a:extLst>
+          </p:cNvPr>
+          <p:cNvPicPr>
+            <a:picLocks noChangeAspect="1"/>
+          </p:cNvPicPr>
+          <p:nvPr/>
+        </p:nvPicPr>
+        <p:blipFill>
+          <a:blip r:embed="rId3"/>
+          <a:stretch>
+            <a:fillRect/>
+          </a:stretch>
+        </p:blipFill>
+        <p:spPr>
+          <a:xfrm>
+            <a:off x="632821" y="2293332"/>
+            <a:ext cx="5223120" cy="3231636"/>
+          </a:xfrm>
+          <a:prstGeom prst="rect">
+            <a:avLst/>
+          </a:prstGeom>
+        </p:spPr>
+      </p:pic>
+      <p:sp>
+        <p:nvSpPr>
+          <p:cNvPr id="12" name="Объект 2">
+            <a:extLst>
+              <a:ext uri="{FF2B5EF4-FFF2-40B4-BE49-F238E27FC236}">
+                <a16:creationId xmlns:a16="http://schemas.microsoft.com/office/drawing/2014/main" id="{14EA6473-ADF0-2B33-9FB4-57D6543CFF33}"/>
+              </a:ext>
+            </a:extLst>
+          </p:cNvPr>
+          <p:cNvSpPr txBox="1">
+            <a:spLocks/>
+          </p:cNvSpPr>
+          <p:nvPr/>
+        </p:nvSpPr>
+        <p:spPr>
+          <a:xfrm>
+            <a:off x="6096000" y="2293332"/>
+            <a:ext cx="5463172" cy="795733"/>
+          </a:xfrm>
+          <a:prstGeom prst="rect">
+            <a:avLst/>
+          </a:prstGeom>
+        </p:spPr>
+        <p:txBody>
+          <a:bodyPr vert="horz" lIns="91440" tIns="45720" rIns="91440" bIns="45720" rtlCol="0">
+            <a:normAutofit/>
+          </a:bodyPr>
+          <a:lstStyle>
+            <a:lvl1pPr marL="228600" indent="-228600" algn="l" defTabSz="914400" rtl="0" eaLnBrk="1" latinLnBrk="0" hangingPunct="1">
+              <a:lnSpc>
+                <a:spcPct val="90000"/>
+              </a:lnSpc>
+              <a:spcBef>
+                <a:spcPts val="1000"/>
+              </a:spcBef>
+              <a:buFont typeface="Arial" panose="020B0604020202020204" pitchFamily="34" charset="0"/>
+              <a:buChar char="•"/>
+              <a:defRPr sz="2800" kern="1200">
+                <a:solidFill>
+                  <a:schemeClr val="tx1"/>
+                </a:solidFill>
+                <a:latin typeface="+mn-lt"/>
+                <a:ea typeface="+mn-ea"/>
+                <a:cs typeface="+mn-cs"/>
+              </a:defRPr>
+            </a:lvl1pPr>
+            <a:lvl2pPr marL="685800" indent="-228600" algn="l" defTabSz="914400" rtl="0" eaLnBrk="1" latinLnBrk="0" hangingPunct="1">
+              <a:lnSpc>
+                <a:spcPct val="90000"/>
+              </a:lnSpc>
+              <a:spcBef>
+                <a:spcPts val="500"/>
+              </a:spcBef>
+              <a:buFont typeface="Arial" panose="020B0604020202020204" pitchFamily="34" charset="0"/>
+              <a:buChar char="•"/>
+              <a:defRPr sz="2400" kern="1200">
+                <a:solidFill>
+                  <a:schemeClr val="tx1"/>
+                </a:solidFill>
+                <a:latin typeface="+mn-lt"/>
+                <a:ea typeface="+mn-ea"/>
+                <a:cs typeface="+mn-cs"/>
+              </a:defRPr>
+            </a:lvl2pPr>
+            <a:lvl3pPr marL="1143000" indent="-228600" algn="l" defTabSz="914400" rtl="0" eaLnBrk="1" latinLnBrk="0" hangingPunct="1">
+              <a:lnSpc>
+                <a:spcPct val="90000"/>
+              </a:lnSpc>
+              <a:spcBef>
+                <a:spcPts val="500"/>
+              </a:spcBef>
+              <a:buFont typeface="Arial" panose="020B0604020202020204" pitchFamily="34" charset="0"/>
+              <a:buChar char="•"/>
+              <a:defRPr sz="2000" kern="1200">
+                <a:solidFill>
+                  <a:schemeClr val="tx1"/>
+                </a:solidFill>
+                <a:latin typeface="+mn-lt"/>
+                <a:ea typeface="+mn-ea"/>
+                <a:cs typeface="+mn-cs"/>
+              </a:defRPr>
+            </a:lvl3pPr>
+            <a:lvl4pPr marL="1600200" indent="-228600" algn="l" defTabSz="914400" rtl="0" eaLnBrk="1" latinLnBrk="0" hangingPunct="1">
+              <a:lnSpc>
+                <a:spcPct val="90000"/>
+              </a:lnSpc>
+              <a:spcBef>
+                <a:spcPts val="500"/>
+              </a:spcBef>
+              <a:buFont typeface="Arial" panose="020B0604020202020204" pitchFamily="34" charset="0"/>
+              <a:buChar char="•"/>
+              <a:defRPr sz="1800" kern="1200">
+                <a:solidFill>
+                  <a:schemeClr val="tx1"/>
+                </a:solidFill>
+                <a:latin typeface="+mn-lt"/>
+                <a:ea typeface="+mn-ea"/>
+                <a:cs typeface="+mn-cs"/>
+              </a:defRPr>
+            </a:lvl4pPr>
+            <a:lvl5pPr marL="2057400" indent="-228600" algn="l" defTabSz="914400" rtl="0" eaLnBrk="1" latinLnBrk="0" hangingPunct="1">
+              <a:lnSpc>
+                <a:spcPct val="90000"/>
+              </a:lnSpc>
+              <a:spcBef>
+                <a:spcPts val="500"/>
+              </a:spcBef>
+              <a:buFont typeface="Arial" panose="020B0604020202020204" pitchFamily="34" charset="0"/>
+              <a:buChar char="•"/>
+              <a:defRPr sz="1800" kern="1200">
+                <a:solidFill>
+                  <a:schemeClr val="tx1"/>
+                </a:solidFill>
+                <a:latin typeface="+mn-lt"/>
+                <a:ea typeface="+mn-ea"/>
+                <a:cs typeface="+mn-cs"/>
+              </a:defRPr>
+            </a:lvl5pPr>
+            <a:lvl6pPr marL="2514600" indent="-228600" algn="l" defTabSz="914400" rtl="0" eaLnBrk="1" latinLnBrk="0" hangingPunct="1">
+              <a:lnSpc>
+                <a:spcPct val="90000"/>
+              </a:lnSpc>
+              <a:spcBef>
+                <a:spcPts val="500"/>
+              </a:spcBef>
+              <a:buFont typeface="Arial" panose="020B0604020202020204" pitchFamily="34" charset="0"/>
+              <a:buChar char="•"/>
+              <a:defRPr sz="1800" kern="1200">
+                <a:solidFill>
+                  <a:schemeClr val="tx1"/>
+                </a:solidFill>
+                <a:latin typeface="+mn-lt"/>
+                <a:ea typeface="+mn-ea"/>
+                <a:cs typeface="+mn-cs"/>
+              </a:defRPr>
+            </a:lvl6pPr>
+            <a:lvl7pPr marL="2971800" indent="-228600" algn="l" defTabSz="914400" rtl="0" eaLnBrk="1" latinLnBrk="0" hangingPunct="1">
+              <a:lnSpc>
+                <a:spcPct val="90000"/>
+              </a:lnSpc>
+              <a:spcBef>
+                <a:spcPts val="500"/>
+              </a:spcBef>
+              <a:buFont typeface="Arial" panose="020B0604020202020204" pitchFamily="34" charset="0"/>
+              <a:buChar char="•"/>
+              <a:defRPr sz="1800" kern="1200">
+                <a:solidFill>
+                  <a:schemeClr val="tx1"/>
+                </a:solidFill>
+                <a:latin typeface="+mn-lt"/>
+                <a:ea typeface="+mn-ea"/>
+                <a:cs typeface="+mn-cs"/>
+              </a:defRPr>
+            </a:lvl7pPr>
+            <a:lvl8pPr marL="3429000" indent="-228600" algn="l" defTabSz="914400" rtl="0" eaLnBrk="1" latinLnBrk="0" hangingPunct="1">
+              <a:lnSpc>
+                <a:spcPct val="90000"/>
+              </a:lnSpc>
+              <a:spcBef>
+                <a:spcPts val="500"/>
+              </a:spcBef>
+              <a:buFont typeface="Arial" panose="020B0604020202020204" pitchFamily="34" charset="0"/>
+              <a:buChar char="•"/>
+              <a:defRPr sz="1800" kern="1200">
+                <a:solidFill>
+                  <a:schemeClr val="tx1"/>
+                </a:solidFill>
+                <a:latin typeface="+mn-lt"/>
+                <a:ea typeface="+mn-ea"/>
+                <a:cs typeface="+mn-cs"/>
+              </a:defRPr>
+            </a:lvl8pPr>
+            <a:lvl9pPr marL="3886200" indent="-228600" algn="l" defTabSz="914400" rtl="0" eaLnBrk="1" latinLnBrk="0" hangingPunct="1">
+              <a:lnSpc>
+                <a:spcPct val="90000"/>
+              </a:lnSpc>
+              <a:spcBef>
+                <a:spcPts val="500"/>
+              </a:spcBef>
+              <a:buFont typeface="Arial" panose="020B0604020202020204" pitchFamily="34" charset="0"/>
+              <a:buChar char="•"/>
+              <a:defRPr sz="1800" kern="1200">
+                <a:solidFill>
+                  <a:schemeClr val="tx1"/>
+                </a:solidFill>
+                <a:latin typeface="+mn-lt"/>
+                <a:ea typeface="+mn-ea"/>
+                <a:cs typeface="+mn-cs"/>
+              </a:defRPr>
+            </a:lvl9pPr>
+          </a:lstStyle>
+          <a:p>
+            <a:pPr marL="0" indent="0">
+              <a:buFont typeface="Arial" panose="020B0604020202020204" pitchFamily="34" charset="0"/>
+              <a:buNone/>
+            </a:pPr>
+            <a:r>
+              <a:rPr lang="ru-RU" sz="2500" spc="-150" dirty="0"/>
+              <a:t>В компоненте </a:t>
+            </a:r>
+            <a:r>
+              <a:rPr lang="en-US" sz="2500" spc="-150" dirty="0"/>
+              <a:t>CatFact </a:t>
+            </a:r>
+            <a:r>
+              <a:rPr lang="ru-RU" sz="2500" spc="-150" dirty="0"/>
+              <a:t>импортируем созданные стили строчкой:</a:t>
+            </a:r>
+          </a:p>
+        </p:txBody>
+      </p:sp>
+      <p:sp>
+        <p:nvSpPr>
+          <p:cNvPr id="14" name="Объект 2">
+            <a:extLst>
+              <a:ext uri="{FF2B5EF4-FFF2-40B4-BE49-F238E27FC236}">
+                <a16:creationId xmlns:a16="http://schemas.microsoft.com/office/drawing/2014/main" id="{B348E558-0413-BE49-63C7-F669E67A8CB8}"/>
+              </a:ext>
+            </a:extLst>
+          </p:cNvPr>
+          <p:cNvSpPr txBox="1">
+            <a:spLocks/>
+          </p:cNvSpPr>
+          <p:nvPr/>
+        </p:nvSpPr>
+        <p:spPr>
+          <a:xfrm>
+            <a:off x="6096000" y="3717285"/>
+            <a:ext cx="5463172" cy="1807682"/>
+          </a:xfrm>
+          <a:prstGeom prst="rect">
+            <a:avLst/>
+          </a:prstGeom>
+        </p:spPr>
+        <p:txBody>
+          <a:bodyPr vert="horz" lIns="91440" tIns="45720" rIns="91440" bIns="45720" rtlCol="0">
+            <a:normAutofit/>
+          </a:bodyPr>
+          <a:lstStyle>
+            <a:lvl1pPr marL="228600" indent="-228600" algn="l" defTabSz="914400" rtl="0" eaLnBrk="1" latinLnBrk="0" hangingPunct="1">
+              <a:lnSpc>
+                <a:spcPct val="90000"/>
+              </a:lnSpc>
+              <a:spcBef>
+                <a:spcPts val="1000"/>
+              </a:spcBef>
+              <a:buFont typeface="Arial" panose="020B0604020202020204" pitchFamily="34" charset="0"/>
+              <a:buChar char="•"/>
+              <a:defRPr sz="2800" kern="1200">
+                <a:solidFill>
+                  <a:schemeClr val="tx1"/>
+                </a:solidFill>
+                <a:latin typeface="+mn-lt"/>
+                <a:ea typeface="+mn-ea"/>
+                <a:cs typeface="+mn-cs"/>
+              </a:defRPr>
+            </a:lvl1pPr>
+            <a:lvl2pPr marL="685800" indent="-228600" algn="l" defTabSz="914400" rtl="0" eaLnBrk="1" latinLnBrk="0" hangingPunct="1">
+              <a:lnSpc>
+                <a:spcPct val="90000"/>
+              </a:lnSpc>
+              <a:spcBef>
+                <a:spcPts val="500"/>
+              </a:spcBef>
+              <a:buFont typeface="Arial" panose="020B0604020202020204" pitchFamily="34" charset="0"/>
+              <a:buChar char="•"/>
+              <a:defRPr sz="2400" kern="1200">
+                <a:solidFill>
+                  <a:schemeClr val="tx1"/>
+                </a:solidFill>
+                <a:latin typeface="+mn-lt"/>
+                <a:ea typeface="+mn-ea"/>
+                <a:cs typeface="+mn-cs"/>
+              </a:defRPr>
+            </a:lvl2pPr>
+            <a:lvl3pPr marL="1143000" indent="-228600" algn="l" defTabSz="914400" rtl="0" eaLnBrk="1" latinLnBrk="0" hangingPunct="1">
+              <a:lnSpc>
+                <a:spcPct val="90000"/>
+              </a:lnSpc>
+              <a:spcBef>
+                <a:spcPts val="500"/>
+              </a:spcBef>
+              <a:buFont typeface="Arial" panose="020B0604020202020204" pitchFamily="34" charset="0"/>
+              <a:buChar char="•"/>
+              <a:defRPr sz="2000" kern="1200">
+                <a:solidFill>
+                  <a:schemeClr val="tx1"/>
+                </a:solidFill>
+                <a:latin typeface="+mn-lt"/>
+                <a:ea typeface="+mn-ea"/>
+                <a:cs typeface="+mn-cs"/>
+              </a:defRPr>
+            </a:lvl3pPr>
+            <a:lvl4pPr marL="1600200" indent="-228600" algn="l" defTabSz="914400" rtl="0" eaLnBrk="1" latinLnBrk="0" hangingPunct="1">
+              <a:lnSpc>
+                <a:spcPct val="90000"/>
+              </a:lnSpc>
+              <a:spcBef>
+                <a:spcPts val="500"/>
+              </a:spcBef>
+              <a:buFont typeface="Arial" panose="020B0604020202020204" pitchFamily="34" charset="0"/>
+              <a:buChar char="•"/>
+              <a:defRPr sz="1800" kern="1200">
+                <a:solidFill>
+                  <a:schemeClr val="tx1"/>
+                </a:solidFill>
+                <a:latin typeface="+mn-lt"/>
+                <a:ea typeface="+mn-ea"/>
+                <a:cs typeface="+mn-cs"/>
+              </a:defRPr>
+            </a:lvl4pPr>
+            <a:lvl5pPr marL="2057400" indent="-228600" algn="l" defTabSz="914400" rtl="0" eaLnBrk="1" latinLnBrk="0" hangingPunct="1">
+              <a:lnSpc>
+                <a:spcPct val="90000"/>
+              </a:lnSpc>
+              <a:spcBef>
+                <a:spcPts val="500"/>
+              </a:spcBef>
+              <a:buFont typeface="Arial" panose="020B0604020202020204" pitchFamily="34" charset="0"/>
+              <a:buChar char="•"/>
+              <a:defRPr sz="1800" kern="1200">
+                <a:solidFill>
+                  <a:schemeClr val="tx1"/>
+                </a:solidFill>
+                <a:latin typeface="+mn-lt"/>
+                <a:ea typeface="+mn-ea"/>
+                <a:cs typeface="+mn-cs"/>
+              </a:defRPr>
+            </a:lvl5pPr>
+            <a:lvl6pPr marL="2514600" indent="-228600" algn="l" defTabSz="914400" rtl="0" eaLnBrk="1" latinLnBrk="0" hangingPunct="1">
+              <a:lnSpc>
+                <a:spcPct val="90000"/>
+              </a:lnSpc>
+              <a:spcBef>
+                <a:spcPts val="500"/>
+              </a:spcBef>
+              <a:buFont typeface="Arial" panose="020B0604020202020204" pitchFamily="34" charset="0"/>
+              <a:buChar char="•"/>
+              <a:defRPr sz="1800" kern="1200">
+                <a:solidFill>
+                  <a:schemeClr val="tx1"/>
+                </a:solidFill>
+                <a:latin typeface="+mn-lt"/>
+                <a:ea typeface="+mn-ea"/>
+                <a:cs typeface="+mn-cs"/>
+              </a:defRPr>
+            </a:lvl6pPr>
+            <a:lvl7pPr marL="2971800" indent="-228600" algn="l" defTabSz="914400" rtl="0" eaLnBrk="1" latinLnBrk="0" hangingPunct="1">
+              <a:lnSpc>
+                <a:spcPct val="90000"/>
+              </a:lnSpc>
+              <a:spcBef>
+                <a:spcPts val="500"/>
+              </a:spcBef>
+              <a:buFont typeface="Arial" panose="020B0604020202020204" pitchFamily="34" charset="0"/>
+              <a:buChar char="•"/>
+              <a:defRPr sz="1800" kern="1200">
+                <a:solidFill>
+                  <a:schemeClr val="tx1"/>
+                </a:solidFill>
+                <a:latin typeface="+mn-lt"/>
+                <a:ea typeface="+mn-ea"/>
+                <a:cs typeface="+mn-cs"/>
+              </a:defRPr>
+            </a:lvl7pPr>
+            <a:lvl8pPr marL="3429000" indent="-228600" algn="l" defTabSz="914400" rtl="0" eaLnBrk="1" latinLnBrk="0" hangingPunct="1">
+              <a:lnSpc>
+                <a:spcPct val="90000"/>
+              </a:lnSpc>
+              <a:spcBef>
+                <a:spcPts val="500"/>
+              </a:spcBef>
+              <a:buFont typeface="Arial" panose="020B0604020202020204" pitchFamily="34" charset="0"/>
+              <a:buChar char="•"/>
+              <a:defRPr sz="1800" kern="1200">
+                <a:solidFill>
+                  <a:schemeClr val="tx1"/>
+                </a:solidFill>
+                <a:latin typeface="+mn-lt"/>
+                <a:ea typeface="+mn-ea"/>
+                <a:cs typeface="+mn-cs"/>
+              </a:defRPr>
+            </a:lvl8pPr>
+            <a:lvl9pPr marL="3886200" indent="-228600" algn="l" defTabSz="914400" rtl="0" eaLnBrk="1" latinLnBrk="0" hangingPunct="1">
+              <a:lnSpc>
+                <a:spcPct val="90000"/>
+              </a:lnSpc>
+              <a:spcBef>
+                <a:spcPts val="500"/>
+              </a:spcBef>
+              <a:buFont typeface="Arial" panose="020B0604020202020204" pitchFamily="34" charset="0"/>
+              <a:buChar char="•"/>
+              <a:defRPr sz="1800" kern="1200">
+                <a:solidFill>
+                  <a:schemeClr val="tx1"/>
+                </a:solidFill>
+                <a:latin typeface="+mn-lt"/>
+                <a:ea typeface="+mn-ea"/>
+                <a:cs typeface="+mn-cs"/>
+              </a:defRPr>
+            </a:lvl9pPr>
+          </a:lstStyle>
+          <a:p>
+            <a:pPr marL="0" indent="0">
+              <a:buFont typeface="Arial" panose="020B0604020202020204" pitchFamily="34" charset="0"/>
+              <a:buNone/>
+            </a:pPr>
+            <a:r>
+              <a:rPr lang="ru-RU" sz="2500" spc="-150" dirty="0"/>
+              <a:t>В компоненте также создадим элемент </a:t>
+            </a:r>
+            <a:r>
+              <a:rPr lang="en-US" sz="2500" spc="-150" dirty="0"/>
+              <a:t>img</a:t>
+            </a:r>
+            <a:r>
+              <a:rPr lang="ru-RU" sz="2500" spc="-150" dirty="0"/>
+              <a:t> и применим стили к </a:t>
+            </a:r>
+            <a:r>
+              <a:rPr lang="en-US" sz="2500" spc="-150" dirty="0"/>
+              <a:t>div </a:t>
+            </a:r>
+            <a:r>
+              <a:rPr lang="ru-RU" sz="2500" spc="-150" dirty="0"/>
+              <a:t>и </a:t>
+            </a:r>
+            <a:r>
+              <a:rPr lang="en-US" sz="2500" spc="-150" dirty="0"/>
+              <a:t>img</a:t>
+            </a:r>
+            <a:endParaRPr lang="ru-RU" sz="2500" spc="-150" dirty="0"/>
+          </a:p>
+        </p:txBody>
+      </p:sp>
+      <p:pic>
+        <p:nvPicPr>
+          <p:cNvPr id="16" name="Рисунок 15">
+            <a:extLst>
+              <a:ext uri="{FF2B5EF4-FFF2-40B4-BE49-F238E27FC236}">
+                <a16:creationId xmlns:a16="http://schemas.microsoft.com/office/drawing/2014/main" id="{1E9EAED1-35F0-11C3-4E85-53F69CB7E675}"/>
+              </a:ext>
+            </a:extLst>
+          </p:cNvPr>
+          <p:cNvPicPr>
+            <a:picLocks noChangeAspect="1"/>
+          </p:cNvPicPr>
+          <p:nvPr/>
+        </p:nvPicPr>
+        <p:blipFill>
+          <a:blip r:embed="rId4"/>
+          <a:stretch>
+            <a:fillRect/>
+          </a:stretch>
+        </p:blipFill>
+        <p:spPr>
+          <a:xfrm>
+            <a:off x="6170523" y="4621126"/>
+            <a:ext cx="5591848" cy="1413228"/>
+          </a:xfrm>
+          <a:prstGeom prst="rect">
+            <a:avLst/>
+          </a:prstGeom>
+        </p:spPr>
+      </p:pic>
+    </p:spTree>
+    <p:extLst>
+      <p:ext uri="{BB962C8B-B14F-4D97-AF65-F5344CB8AC3E}">
+        <p14:creationId xmlns:p14="http://schemas.microsoft.com/office/powerpoint/2010/main" val="1604952851"/>
+      </p:ext>
+    </p:extLst>
+  </p:cSld>
+  <p:clrMapOvr>
+    <a:masterClrMapping/>
+  </p:clrMapOvr>
+</p:sld>
+</file>
+
+<file path=ppt/slides/slide17.xml><?xml version="1.0" encoding="utf-8"?>
+<p:sld xmlns:a="http://schemas.openxmlformats.org/drawingml/2006/main" xmlns:r="http://schemas.openxmlformats.org/officeDocument/2006/relationships" xmlns:p="http://schemas.openxmlformats.org/presentationml/2006/main">
+  <p:cSld>
+    <p:spTree>
+      <p:nvGrpSpPr>
+        <p:cNvPr id="1" name=""/>
+        <p:cNvGrpSpPr/>
+        <p:nvPr/>
+      </p:nvGrpSpPr>
+      <p:grpSpPr>
+        <a:xfrm>
+          <a:off x="0" y="0"/>
+          <a:ext cx="0" cy="0"/>
+          <a:chOff x="0" y="0"/>
+          <a:chExt cx="0" cy="0"/>
+        </a:xfrm>
+      </p:grpSpPr>
+      <p:sp>
+        <p:nvSpPr>
+          <p:cNvPr id="2" name="Заголовок 1">
+            <a:extLst>
+              <a:ext uri="{FF2B5EF4-FFF2-40B4-BE49-F238E27FC236}">
+                <a16:creationId xmlns:a16="http://schemas.microsoft.com/office/drawing/2014/main" id="{F11751D2-ED12-F57D-3664-30FE598F8F23}"/>
+              </a:ext>
+            </a:extLst>
+          </p:cNvPr>
+          <p:cNvSpPr>
+            <a:spLocks noGrp="1"/>
+          </p:cNvSpPr>
+          <p:nvPr>
+            <p:ph type="title"/>
+          </p:nvPr>
+        </p:nvSpPr>
+        <p:spPr>
+          <a:xfrm>
+            <a:off x="632825" y="200953"/>
+            <a:ext cx="10515600" cy="1325563"/>
+          </a:xfrm>
+        </p:spPr>
+        <p:txBody>
+          <a:bodyPr/>
+          <a:lstStyle/>
+          <a:p>
+            <a:r>
+              <a:rPr lang="ru-RU" b="1" spc="300" dirty="0"/>
+              <a:t>Загрузка изображений кошек</a:t>
+            </a:r>
+          </a:p>
+        </p:txBody>
+      </p:sp>
+      <p:sp>
+        <p:nvSpPr>
+          <p:cNvPr id="10" name="Объект 2">
+            <a:extLst>
+              <a:ext uri="{FF2B5EF4-FFF2-40B4-BE49-F238E27FC236}">
+                <a16:creationId xmlns:a16="http://schemas.microsoft.com/office/drawing/2014/main" id="{33CEBF9C-0411-3A95-1260-2403441E211D}"/>
+              </a:ext>
+            </a:extLst>
+          </p:cNvPr>
+          <p:cNvSpPr txBox="1">
+            <a:spLocks/>
+          </p:cNvSpPr>
+          <p:nvPr/>
+        </p:nvSpPr>
+        <p:spPr>
+          <a:xfrm>
+            <a:off x="632821" y="1333033"/>
+            <a:ext cx="10926351" cy="1399052"/>
+          </a:xfrm>
+          <a:prstGeom prst="rect">
+            <a:avLst/>
+          </a:prstGeom>
+        </p:spPr>
+        <p:txBody>
+          <a:bodyPr vert="horz" lIns="91440" tIns="45720" rIns="91440" bIns="45720" rtlCol="0">
+            <a:normAutofit/>
+          </a:bodyPr>
+          <a:lstStyle>
+            <a:lvl1pPr marL="228600" indent="-228600" algn="l" defTabSz="914400" rtl="0" eaLnBrk="1" latinLnBrk="0" hangingPunct="1">
+              <a:lnSpc>
+                <a:spcPct val="90000"/>
+              </a:lnSpc>
+              <a:spcBef>
+                <a:spcPts val="1000"/>
+              </a:spcBef>
+              <a:buFont typeface="Arial" panose="020B0604020202020204" pitchFamily="34" charset="0"/>
+              <a:buChar char="•"/>
+              <a:defRPr sz="2800" kern="1200">
+                <a:solidFill>
+                  <a:schemeClr val="tx1"/>
+                </a:solidFill>
+                <a:latin typeface="+mn-lt"/>
+                <a:ea typeface="+mn-ea"/>
+                <a:cs typeface="+mn-cs"/>
+              </a:defRPr>
+            </a:lvl1pPr>
+            <a:lvl2pPr marL="685800" indent="-228600" algn="l" defTabSz="914400" rtl="0" eaLnBrk="1" latinLnBrk="0" hangingPunct="1">
+              <a:lnSpc>
+                <a:spcPct val="90000"/>
+              </a:lnSpc>
+              <a:spcBef>
+                <a:spcPts val="500"/>
+              </a:spcBef>
+              <a:buFont typeface="Arial" panose="020B0604020202020204" pitchFamily="34" charset="0"/>
+              <a:buChar char="•"/>
+              <a:defRPr sz="2400" kern="1200">
+                <a:solidFill>
+                  <a:schemeClr val="tx1"/>
+                </a:solidFill>
+                <a:latin typeface="+mn-lt"/>
+                <a:ea typeface="+mn-ea"/>
+                <a:cs typeface="+mn-cs"/>
+              </a:defRPr>
+            </a:lvl2pPr>
+            <a:lvl3pPr marL="1143000" indent="-228600" algn="l" defTabSz="914400" rtl="0" eaLnBrk="1" latinLnBrk="0" hangingPunct="1">
+              <a:lnSpc>
+                <a:spcPct val="90000"/>
+              </a:lnSpc>
+              <a:spcBef>
+                <a:spcPts val="500"/>
+              </a:spcBef>
+              <a:buFont typeface="Arial" panose="020B0604020202020204" pitchFamily="34" charset="0"/>
+              <a:buChar char="•"/>
+              <a:defRPr sz="2000" kern="1200">
+                <a:solidFill>
+                  <a:schemeClr val="tx1"/>
+                </a:solidFill>
+                <a:latin typeface="+mn-lt"/>
+                <a:ea typeface="+mn-ea"/>
+                <a:cs typeface="+mn-cs"/>
+              </a:defRPr>
+            </a:lvl3pPr>
+            <a:lvl4pPr marL="1600200" indent="-228600" algn="l" defTabSz="914400" rtl="0" eaLnBrk="1" latinLnBrk="0" hangingPunct="1">
+              <a:lnSpc>
+                <a:spcPct val="90000"/>
+              </a:lnSpc>
+              <a:spcBef>
+                <a:spcPts val="500"/>
+              </a:spcBef>
+              <a:buFont typeface="Arial" panose="020B0604020202020204" pitchFamily="34" charset="0"/>
+              <a:buChar char="•"/>
+              <a:defRPr sz="1800" kern="1200">
+                <a:solidFill>
+                  <a:schemeClr val="tx1"/>
+                </a:solidFill>
+                <a:latin typeface="+mn-lt"/>
+                <a:ea typeface="+mn-ea"/>
+                <a:cs typeface="+mn-cs"/>
+              </a:defRPr>
+            </a:lvl4pPr>
+            <a:lvl5pPr marL="2057400" indent="-228600" algn="l" defTabSz="914400" rtl="0" eaLnBrk="1" latinLnBrk="0" hangingPunct="1">
+              <a:lnSpc>
+                <a:spcPct val="90000"/>
+              </a:lnSpc>
+              <a:spcBef>
+                <a:spcPts val="500"/>
+              </a:spcBef>
+              <a:buFont typeface="Arial" panose="020B0604020202020204" pitchFamily="34" charset="0"/>
+              <a:buChar char="•"/>
+              <a:defRPr sz="1800" kern="1200">
+                <a:solidFill>
+                  <a:schemeClr val="tx1"/>
+                </a:solidFill>
+                <a:latin typeface="+mn-lt"/>
+                <a:ea typeface="+mn-ea"/>
+                <a:cs typeface="+mn-cs"/>
+              </a:defRPr>
+            </a:lvl5pPr>
+            <a:lvl6pPr marL="2514600" indent="-228600" algn="l" defTabSz="914400" rtl="0" eaLnBrk="1" latinLnBrk="0" hangingPunct="1">
+              <a:lnSpc>
+                <a:spcPct val="90000"/>
+              </a:lnSpc>
+              <a:spcBef>
+                <a:spcPts val="500"/>
+              </a:spcBef>
+              <a:buFont typeface="Arial" panose="020B0604020202020204" pitchFamily="34" charset="0"/>
+              <a:buChar char="•"/>
+              <a:defRPr sz="1800" kern="1200">
+                <a:solidFill>
+                  <a:schemeClr val="tx1"/>
+                </a:solidFill>
+                <a:latin typeface="+mn-lt"/>
+                <a:ea typeface="+mn-ea"/>
+                <a:cs typeface="+mn-cs"/>
+              </a:defRPr>
+            </a:lvl6pPr>
+            <a:lvl7pPr marL="2971800" indent="-228600" algn="l" defTabSz="914400" rtl="0" eaLnBrk="1" latinLnBrk="0" hangingPunct="1">
+              <a:lnSpc>
+                <a:spcPct val="90000"/>
+              </a:lnSpc>
+              <a:spcBef>
+                <a:spcPts val="500"/>
+              </a:spcBef>
+              <a:buFont typeface="Arial" panose="020B0604020202020204" pitchFamily="34" charset="0"/>
+              <a:buChar char="•"/>
+              <a:defRPr sz="1800" kern="1200">
+                <a:solidFill>
+                  <a:schemeClr val="tx1"/>
+                </a:solidFill>
+                <a:latin typeface="+mn-lt"/>
+                <a:ea typeface="+mn-ea"/>
+                <a:cs typeface="+mn-cs"/>
+              </a:defRPr>
+            </a:lvl7pPr>
+            <a:lvl8pPr marL="3429000" indent="-228600" algn="l" defTabSz="914400" rtl="0" eaLnBrk="1" latinLnBrk="0" hangingPunct="1">
+              <a:lnSpc>
+                <a:spcPct val="90000"/>
+              </a:lnSpc>
+              <a:spcBef>
+                <a:spcPts val="500"/>
+              </a:spcBef>
+              <a:buFont typeface="Arial" panose="020B0604020202020204" pitchFamily="34" charset="0"/>
+              <a:buChar char="•"/>
+              <a:defRPr sz="1800" kern="1200">
+                <a:solidFill>
+                  <a:schemeClr val="tx1"/>
+                </a:solidFill>
+                <a:latin typeface="+mn-lt"/>
+                <a:ea typeface="+mn-ea"/>
+                <a:cs typeface="+mn-cs"/>
+              </a:defRPr>
+            </a:lvl8pPr>
+            <a:lvl9pPr marL="3886200" indent="-228600" algn="l" defTabSz="914400" rtl="0" eaLnBrk="1" latinLnBrk="0" hangingPunct="1">
+              <a:lnSpc>
+                <a:spcPct val="90000"/>
+              </a:lnSpc>
+              <a:spcBef>
+                <a:spcPts val="500"/>
+              </a:spcBef>
+              <a:buFont typeface="Arial" panose="020B0604020202020204" pitchFamily="34" charset="0"/>
+              <a:buChar char="•"/>
+              <a:defRPr sz="1800" kern="1200">
+                <a:solidFill>
+                  <a:schemeClr val="tx1"/>
+                </a:solidFill>
+                <a:latin typeface="+mn-lt"/>
+                <a:ea typeface="+mn-ea"/>
+                <a:cs typeface="+mn-cs"/>
+              </a:defRPr>
+            </a:lvl9pPr>
+          </a:lstStyle>
+          <a:p>
+            <a:pPr marL="0" indent="0">
+              <a:buFont typeface="Arial" panose="020B0604020202020204" pitchFamily="34" charset="0"/>
+              <a:buNone/>
+            </a:pPr>
+            <a:r>
+              <a:rPr lang="ru-RU" sz="2500" spc="-150" dirty="0"/>
+              <a:t>Сделаем, так чтобы при создании компонента </a:t>
+            </a:r>
+            <a:r>
+              <a:rPr lang="en-US" sz="2500" spc="-150" dirty="0"/>
+              <a:t>CatFact </a:t>
+            </a:r>
+            <a:r>
+              <a:rPr lang="ru-RU" sz="2500" spc="-150" dirty="0"/>
+              <a:t>загружалась случайная картинка с кошкой, которая затем будет выводиться вместе с фактом.</a:t>
+            </a:r>
+            <a:endParaRPr lang="en-US" sz="2500" spc="-150" dirty="0"/>
+          </a:p>
+          <a:p>
+            <a:pPr marL="0" indent="0">
+              <a:buFont typeface="Arial" panose="020B0604020202020204" pitchFamily="34" charset="0"/>
+              <a:buNone/>
+            </a:pPr>
+            <a:r>
+              <a:rPr lang="ru-RU" sz="2500" spc="-150" dirty="0"/>
+              <a:t>Создадим состояние для </a:t>
+            </a:r>
+            <a:r>
+              <a:rPr lang="en-US" sz="2500" spc="-150" dirty="0"/>
+              <a:t>URL</a:t>
+            </a:r>
+            <a:r>
+              <a:rPr lang="ru-RU" sz="2500" spc="-150" dirty="0"/>
+              <a:t> изображения:</a:t>
+            </a:r>
+          </a:p>
+        </p:txBody>
+      </p:sp>
+      <p:pic>
+        <p:nvPicPr>
+          <p:cNvPr id="4" name="Рисунок 3">
+            <a:extLst>
+              <a:ext uri="{FF2B5EF4-FFF2-40B4-BE49-F238E27FC236}">
+                <a16:creationId xmlns:a16="http://schemas.microsoft.com/office/drawing/2014/main" id="{AE99E126-F29A-6BF5-5CC0-98234CE170ED}"/>
+              </a:ext>
+            </a:extLst>
+          </p:cNvPr>
+          <p:cNvPicPr>
+            <a:picLocks noChangeAspect="1"/>
+          </p:cNvPicPr>
+          <p:nvPr/>
+        </p:nvPicPr>
+        <p:blipFill>
+          <a:blip r:embed="rId2"/>
+          <a:stretch>
+            <a:fillRect/>
+          </a:stretch>
+        </p:blipFill>
+        <p:spPr>
+          <a:xfrm>
+            <a:off x="632822" y="2732085"/>
+            <a:ext cx="6430588" cy="605231"/>
+          </a:xfrm>
+          <a:prstGeom prst="rect">
+            <a:avLst/>
+          </a:prstGeom>
+        </p:spPr>
+      </p:pic>
+      <p:sp>
+        <p:nvSpPr>
+          <p:cNvPr id="6" name="Объект 2">
+            <a:extLst>
+              <a:ext uri="{FF2B5EF4-FFF2-40B4-BE49-F238E27FC236}">
+                <a16:creationId xmlns:a16="http://schemas.microsoft.com/office/drawing/2014/main" id="{91AD3CB8-07DF-64B0-776B-1EC94E987FC7}"/>
+              </a:ext>
+            </a:extLst>
+          </p:cNvPr>
+          <p:cNvSpPr txBox="1">
+            <a:spLocks/>
+          </p:cNvSpPr>
+          <p:nvPr/>
+        </p:nvSpPr>
+        <p:spPr>
+          <a:xfrm>
+            <a:off x="632820" y="3501514"/>
+            <a:ext cx="11029093" cy="871703"/>
+          </a:xfrm>
+          <a:prstGeom prst="rect">
+            <a:avLst/>
+          </a:prstGeom>
+        </p:spPr>
+        <p:txBody>
+          <a:bodyPr vert="horz" lIns="91440" tIns="45720" rIns="91440" bIns="45720" rtlCol="0">
+            <a:normAutofit/>
+          </a:bodyPr>
+          <a:lstStyle>
+            <a:lvl1pPr marL="228600" indent="-228600" algn="l" defTabSz="914400" rtl="0" eaLnBrk="1" latinLnBrk="0" hangingPunct="1">
+              <a:lnSpc>
+                <a:spcPct val="90000"/>
+              </a:lnSpc>
+              <a:spcBef>
+                <a:spcPts val="1000"/>
+              </a:spcBef>
+              <a:buFont typeface="Arial" panose="020B0604020202020204" pitchFamily="34" charset="0"/>
+              <a:buChar char="•"/>
+              <a:defRPr sz="2800" kern="1200">
+                <a:solidFill>
+                  <a:schemeClr val="tx1"/>
+                </a:solidFill>
+                <a:latin typeface="+mn-lt"/>
+                <a:ea typeface="+mn-ea"/>
+                <a:cs typeface="+mn-cs"/>
+              </a:defRPr>
+            </a:lvl1pPr>
+            <a:lvl2pPr marL="685800" indent="-228600" algn="l" defTabSz="914400" rtl="0" eaLnBrk="1" latinLnBrk="0" hangingPunct="1">
+              <a:lnSpc>
+                <a:spcPct val="90000"/>
+              </a:lnSpc>
+              <a:spcBef>
+                <a:spcPts val="500"/>
+              </a:spcBef>
+              <a:buFont typeface="Arial" panose="020B0604020202020204" pitchFamily="34" charset="0"/>
+              <a:buChar char="•"/>
+              <a:defRPr sz="2400" kern="1200">
+                <a:solidFill>
+                  <a:schemeClr val="tx1"/>
+                </a:solidFill>
+                <a:latin typeface="+mn-lt"/>
+                <a:ea typeface="+mn-ea"/>
+                <a:cs typeface="+mn-cs"/>
+              </a:defRPr>
+            </a:lvl2pPr>
+            <a:lvl3pPr marL="1143000" indent="-228600" algn="l" defTabSz="914400" rtl="0" eaLnBrk="1" latinLnBrk="0" hangingPunct="1">
+              <a:lnSpc>
+                <a:spcPct val="90000"/>
+              </a:lnSpc>
+              <a:spcBef>
+                <a:spcPts val="500"/>
+              </a:spcBef>
+              <a:buFont typeface="Arial" panose="020B0604020202020204" pitchFamily="34" charset="0"/>
+              <a:buChar char="•"/>
+              <a:defRPr sz="2000" kern="1200">
+                <a:solidFill>
+                  <a:schemeClr val="tx1"/>
+                </a:solidFill>
+                <a:latin typeface="+mn-lt"/>
+                <a:ea typeface="+mn-ea"/>
+                <a:cs typeface="+mn-cs"/>
+              </a:defRPr>
+            </a:lvl3pPr>
+            <a:lvl4pPr marL="1600200" indent="-228600" algn="l" defTabSz="914400" rtl="0" eaLnBrk="1" latinLnBrk="0" hangingPunct="1">
+              <a:lnSpc>
+                <a:spcPct val="90000"/>
+              </a:lnSpc>
+              <a:spcBef>
+                <a:spcPts val="500"/>
+              </a:spcBef>
+              <a:buFont typeface="Arial" panose="020B0604020202020204" pitchFamily="34" charset="0"/>
+              <a:buChar char="•"/>
+              <a:defRPr sz="1800" kern="1200">
+                <a:solidFill>
+                  <a:schemeClr val="tx1"/>
+                </a:solidFill>
+                <a:latin typeface="+mn-lt"/>
+                <a:ea typeface="+mn-ea"/>
+                <a:cs typeface="+mn-cs"/>
+              </a:defRPr>
+            </a:lvl4pPr>
+            <a:lvl5pPr marL="2057400" indent="-228600" algn="l" defTabSz="914400" rtl="0" eaLnBrk="1" latinLnBrk="0" hangingPunct="1">
+              <a:lnSpc>
+                <a:spcPct val="90000"/>
+              </a:lnSpc>
+              <a:spcBef>
+                <a:spcPts val="500"/>
+              </a:spcBef>
+              <a:buFont typeface="Arial" panose="020B0604020202020204" pitchFamily="34" charset="0"/>
+              <a:buChar char="•"/>
+              <a:defRPr sz="1800" kern="1200">
+                <a:solidFill>
+                  <a:schemeClr val="tx1"/>
+                </a:solidFill>
+                <a:latin typeface="+mn-lt"/>
+                <a:ea typeface="+mn-ea"/>
+                <a:cs typeface="+mn-cs"/>
+              </a:defRPr>
+            </a:lvl5pPr>
+            <a:lvl6pPr marL="2514600" indent="-228600" algn="l" defTabSz="914400" rtl="0" eaLnBrk="1" latinLnBrk="0" hangingPunct="1">
+              <a:lnSpc>
+                <a:spcPct val="90000"/>
+              </a:lnSpc>
+              <a:spcBef>
+                <a:spcPts val="500"/>
+              </a:spcBef>
+              <a:buFont typeface="Arial" panose="020B0604020202020204" pitchFamily="34" charset="0"/>
+              <a:buChar char="•"/>
+              <a:defRPr sz="1800" kern="1200">
+                <a:solidFill>
+                  <a:schemeClr val="tx1"/>
+                </a:solidFill>
+                <a:latin typeface="+mn-lt"/>
+                <a:ea typeface="+mn-ea"/>
+                <a:cs typeface="+mn-cs"/>
+              </a:defRPr>
+            </a:lvl6pPr>
+            <a:lvl7pPr marL="2971800" indent="-228600" algn="l" defTabSz="914400" rtl="0" eaLnBrk="1" latinLnBrk="0" hangingPunct="1">
+              <a:lnSpc>
+                <a:spcPct val="90000"/>
+              </a:lnSpc>
+              <a:spcBef>
+                <a:spcPts val="500"/>
+              </a:spcBef>
+              <a:buFont typeface="Arial" panose="020B0604020202020204" pitchFamily="34" charset="0"/>
+              <a:buChar char="•"/>
+              <a:defRPr sz="1800" kern="1200">
+                <a:solidFill>
+                  <a:schemeClr val="tx1"/>
+                </a:solidFill>
+                <a:latin typeface="+mn-lt"/>
+                <a:ea typeface="+mn-ea"/>
+                <a:cs typeface="+mn-cs"/>
+              </a:defRPr>
+            </a:lvl7pPr>
+            <a:lvl8pPr marL="3429000" indent="-228600" algn="l" defTabSz="914400" rtl="0" eaLnBrk="1" latinLnBrk="0" hangingPunct="1">
+              <a:lnSpc>
+                <a:spcPct val="90000"/>
+              </a:lnSpc>
+              <a:spcBef>
+                <a:spcPts val="500"/>
+              </a:spcBef>
+              <a:buFont typeface="Arial" panose="020B0604020202020204" pitchFamily="34" charset="0"/>
+              <a:buChar char="•"/>
+              <a:defRPr sz="1800" kern="1200">
+                <a:solidFill>
+                  <a:schemeClr val="tx1"/>
+                </a:solidFill>
+                <a:latin typeface="+mn-lt"/>
+                <a:ea typeface="+mn-ea"/>
+                <a:cs typeface="+mn-cs"/>
+              </a:defRPr>
+            </a:lvl8pPr>
+            <a:lvl9pPr marL="3886200" indent="-228600" algn="l" defTabSz="914400" rtl="0" eaLnBrk="1" latinLnBrk="0" hangingPunct="1">
+              <a:lnSpc>
+                <a:spcPct val="90000"/>
+              </a:lnSpc>
+              <a:spcBef>
+                <a:spcPts val="500"/>
+              </a:spcBef>
+              <a:buFont typeface="Arial" panose="020B0604020202020204" pitchFamily="34" charset="0"/>
+              <a:buChar char="•"/>
+              <a:defRPr sz="1800" kern="1200">
+                <a:solidFill>
+                  <a:schemeClr val="tx1"/>
+                </a:solidFill>
+                <a:latin typeface="+mn-lt"/>
+                <a:ea typeface="+mn-ea"/>
+                <a:cs typeface="+mn-cs"/>
+              </a:defRPr>
+            </a:lvl9pPr>
+          </a:lstStyle>
+          <a:p>
+            <a:pPr marL="0" indent="0">
+              <a:buFont typeface="Arial" panose="020B0604020202020204" pitchFamily="34" charset="0"/>
+              <a:buNone/>
+            </a:pPr>
+            <a:r>
+              <a:rPr lang="ru-RU" sz="2500" spc="-150" dirty="0"/>
+              <a:t>В </a:t>
+            </a:r>
+            <a:r>
+              <a:rPr lang="en-US" sz="2500" spc="-150" dirty="0"/>
+              <a:t>useEffect</a:t>
+            </a:r>
+            <a:r>
+              <a:rPr lang="ru-RU" sz="2500" spc="-150" dirty="0"/>
+              <a:t> загрузим изображение случайной кошки из </a:t>
+            </a:r>
+            <a:r>
+              <a:rPr lang="en-US" sz="2500" spc="-150" dirty="0"/>
+              <a:t>API</a:t>
+            </a:r>
+            <a:r>
+              <a:rPr lang="ru-RU" sz="2500" spc="-150" dirty="0"/>
+              <a:t> и изменим состояние </a:t>
+            </a:r>
+            <a:r>
+              <a:rPr lang="en-US" sz="2500" spc="-150" dirty="0"/>
+              <a:t>imageURL</a:t>
+            </a:r>
+            <a:r>
+              <a:rPr lang="ru-RU" sz="2500" spc="-150" dirty="0"/>
+              <a:t>:</a:t>
+            </a:r>
+          </a:p>
+        </p:txBody>
+      </p:sp>
+      <p:pic>
+        <p:nvPicPr>
+          <p:cNvPr id="9" name="Рисунок 8">
+            <a:extLst>
+              <a:ext uri="{FF2B5EF4-FFF2-40B4-BE49-F238E27FC236}">
+                <a16:creationId xmlns:a16="http://schemas.microsoft.com/office/drawing/2014/main" id="{DF9E0C89-D9DF-0EB3-77AC-3567939511EF}"/>
+              </a:ext>
+            </a:extLst>
+          </p:cNvPr>
+          <p:cNvPicPr>
+            <a:picLocks noChangeAspect="1"/>
+          </p:cNvPicPr>
+          <p:nvPr/>
+        </p:nvPicPr>
+        <p:blipFill>
+          <a:blip r:embed="rId3"/>
+          <a:stretch>
+            <a:fillRect/>
+          </a:stretch>
+        </p:blipFill>
+        <p:spPr>
+          <a:xfrm>
+            <a:off x="632820" y="4082032"/>
+            <a:ext cx="7372127" cy="2410850"/>
+          </a:xfrm>
+          <a:prstGeom prst="rect">
+            <a:avLst/>
+          </a:prstGeom>
+        </p:spPr>
+      </p:pic>
+    </p:spTree>
+    <p:extLst>
+      <p:ext uri="{BB962C8B-B14F-4D97-AF65-F5344CB8AC3E}">
+        <p14:creationId xmlns:p14="http://schemas.microsoft.com/office/powerpoint/2010/main" val="2510051042"/>
+      </p:ext>
+    </p:extLst>
+  </p:cSld>
+  <p:clrMapOvr>
+    <a:masterClrMapping/>
+  </p:clrMapOvr>
+</p:sld>
+</file>
+
+<file path=ppt/slides/slide18.xml><?xml version="1.0" encoding="utf-8"?>
+<p:sld xmlns:a="http://schemas.openxmlformats.org/drawingml/2006/main" xmlns:r="http://schemas.openxmlformats.org/officeDocument/2006/relationships" xmlns:p="http://schemas.openxmlformats.org/presentationml/2006/main">
+  <p:cSld>
+    <p:spTree>
+      <p:nvGrpSpPr>
+        <p:cNvPr id="1" name=""/>
+        <p:cNvGrpSpPr/>
+        <p:nvPr/>
+      </p:nvGrpSpPr>
+      <p:grpSpPr>
+        <a:xfrm>
+          <a:off x="0" y="0"/>
+          <a:ext cx="0" cy="0"/>
+          <a:chOff x="0" y="0"/>
+          <a:chExt cx="0" cy="0"/>
+        </a:xfrm>
+      </p:grpSpPr>
+      <p:sp>
+        <p:nvSpPr>
+          <p:cNvPr id="2" name="Заголовок 1">
+            <a:extLst>
+              <a:ext uri="{FF2B5EF4-FFF2-40B4-BE49-F238E27FC236}">
+                <a16:creationId xmlns:a16="http://schemas.microsoft.com/office/drawing/2014/main" id="{F11751D2-ED12-F57D-3664-30FE598F8F23}"/>
+              </a:ext>
+            </a:extLst>
+          </p:cNvPr>
+          <p:cNvSpPr>
+            <a:spLocks noGrp="1"/>
+          </p:cNvSpPr>
+          <p:nvPr>
+            <p:ph type="title"/>
+          </p:nvPr>
+        </p:nvSpPr>
+        <p:spPr>
+          <a:xfrm>
+            <a:off x="632825" y="-117830"/>
+            <a:ext cx="10515600" cy="1325563"/>
+          </a:xfrm>
+        </p:spPr>
+        <p:txBody>
+          <a:bodyPr/>
+          <a:lstStyle/>
+          <a:p>
+            <a:r>
+              <a:rPr lang="ru-RU" b="1" spc="300" dirty="0"/>
+              <a:t>Отображение данных в </a:t>
+            </a:r>
+            <a:r>
+              <a:rPr lang="en-US" b="1" spc="300" dirty="0"/>
+              <a:t>CatFact</a:t>
+            </a:r>
+            <a:endParaRPr lang="ru-RU" b="1" spc="300" dirty="0"/>
+          </a:p>
+        </p:txBody>
+      </p:sp>
+      <p:sp>
+        <p:nvSpPr>
+          <p:cNvPr id="10" name="Объект 2">
+            <a:extLst>
+              <a:ext uri="{FF2B5EF4-FFF2-40B4-BE49-F238E27FC236}">
+                <a16:creationId xmlns:a16="http://schemas.microsoft.com/office/drawing/2014/main" id="{33CEBF9C-0411-3A95-1260-2403441E211D}"/>
+              </a:ext>
+            </a:extLst>
+          </p:cNvPr>
+          <p:cNvSpPr txBox="1">
+            <a:spLocks/>
+          </p:cNvSpPr>
+          <p:nvPr/>
+        </p:nvSpPr>
+        <p:spPr>
+          <a:xfrm>
+            <a:off x="632825" y="881378"/>
+            <a:ext cx="11265950" cy="1399052"/>
+          </a:xfrm>
+          <a:prstGeom prst="rect">
+            <a:avLst/>
+          </a:prstGeom>
+        </p:spPr>
+        <p:txBody>
+          <a:bodyPr vert="horz" lIns="91440" tIns="45720" rIns="91440" bIns="45720" rtlCol="0">
+            <a:noAutofit/>
+          </a:bodyPr>
+          <a:lstStyle>
+            <a:lvl1pPr marL="228600" indent="-228600" algn="l" defTabSz="914400" rtl="0" eaLnBrk="1" latinLnBrk="0" hangingPunct="1">
+              <a:lnSpc>
+                <a:spcPct val="90000"/>
+              </a:lnSpc>
+              <a:spcBef>
+                <a:spcPts val="1000"/>
+              </a:spcBef>
+              <a:buFont typeface="Arial" panose="020B0604020202020204" pitchFamily="34" charset="0"/>
+              <a:buChar char="•"/>
+              <a:defRPr sz="2800" kern="1200">
+                <a:solidFill>
+                  <a:schemeClr val="tx1"/>
+                </a:solidFill>
+                <a:latin typeface="+mn-lt"/>
+                <a:ea typeface="+mn-ea"/>
+                <a:cs typeface="+mn-cs"/>
+              </a:defRPr>
+            </a:lvl1pPr>
+            <a:lvl2pPr marL="685800" indent="-228600" algn="l" defTabSz="914400" rtl="0" eaLnBrk="1" latinLnBrk="0" hangingPunct="1">
+              <a:lnSpc>
+                <a:spcPct val="90000"/>
+              </a:lnSpc>
+              <a:spcBef>
+                <a:spcPts val="500"/>
+              </a:spcBef>
+              <a:buFont typeface="Arial" panose="020B0604020202020204" pitchFamily="34" charset="0"/>
+              <a:buChar char="•"/>
+              <a:defRPr sz="2400" kern="1200">
+                <a:solidFill>
+                  <a:schemeClr val="tx1"/>
+                </a:solidFill>
+                <a:latin typeface="+mn-lt"/>
+                <a:ea typeface="+mn-ea"/>
+                <a:cs typeface="+mn-cs"/>
+              </a:defRPr>
+            </a:lvl2pPr>
+            <a:lvl3pPr marL="1143000" indent="-228600" algn="l" defTabSz="914400" rtl="0" eaLnBrk="1" latinLnBrk="0" hangingPunct="1">
+              <a:lnSpc>
+                <a:spcPct val="90000"/>
+              </a:lnSpc>
+              <a:spcBef>
+                <a:spcPts val="500"/>
+              </a:spcBef>
+              <a:buFont typeface="Arial" panose="020B0604020202020204" pitchFamily="34" charset="0"/>
+              <a:buChar char="•"/>
+              <a:defRPr sz="2000" kern="1200">
+                <a:solidFill>
+                  <a:schemeClr val="tx1"/>
+                </a:solidFill>
+                <a:latin typeface="+mn-lt"/>
+                <a:ea typeface="+mn-ea"/>
+                <a:cs typeface="+mn-cs"/>
+              </a:defRPr>
+            </a:lvl3pPr>
+            <a:lvl4pPr marL="1600200" indent="-228600" algn="l" defTabSz="914400" rtl="0" eaLnBrk="1" latinLnBrk="0" hangingPunct="1">
+              <a:lnSpc>
+                <a:spcPct val="90000"/>
+              </a:lnSpc>
+              <a:spcBef>
+                <a:spcPts val="500"/>
+              </a:spcBef>
+              <a:buFont typeface="Arial" panose="020B0604020202020204" pitchFamily="34" charset="0"/>
+              <a:buChar char="•"/>
+              <a:defRPr sz="1800" kern="1200">
+                <a:solidFill>
+                  <a:schemeClr val="tx1"/>
+                </a:solidFill>
+                <a:latin typeface="+mn-lt"/>
+                <a:ea typeface="+mn-ea"/>
+                <a:cs typeface="+mn-cs"/>
+              </a:defRPr>
+            </a:lvl4pPr>
+            <a:lvl5pPr marL="2057400" indent="-228600" algn="l" defTabSz="914400" rtl="0" eaLnBrk="1" latinLnBrk="0" hangingPunct="1">
+              <a:lnSpc>
+                <a:spcPct val="90000"/>
+              </a:lnSpc>
+              <a:spcBef>
+                <a:spcPts val="500"/>
+              </a:spcBef>
+              <a:buFont typeface="Arial" panose="020B0604020202020204" pitchFamily="34" charset="0"/>
+              <a:buChar char="•"/>
+              <a:defRPr sz="1800" kern="1200">
+                <a:solidFill>
+                  <a:schemeClr val="tx1"/>
+                </a:solidFill>
+                <a:latin typeface="+mn-lt"/>
+                <a:ea typeface="+mn-ea"/>
+                <a:cs typeface="+mn-cs"/>
+              </a:defRPr>
+            </a:lvl5pPr>
+            <a:lvl6pPr marL="2514600" indent="-228600" algn="l" defTabSz="914400" rtl="0" eaLnBrk="1" latinLnBrk="0" hangingPunct="1">
+              <a:lnSpc>
+                <a:spcPct val="90000"/>
+              </a:lnSpc>
+              <a:spcBef>
+                <a:spcPts val="500"/>
+              </a:spcBef>
+              <a:buFont typeface="Arial" panose="020B0604020202020204" pitchFamily="34" charset="0"/>
+              <a:buChar char="•"/>
+              <a:defRPr sz="1800" kern="1200">
+                <a:solidFill>
+                  <a:schemeClr val="tx1"/>
+                </a:solidFill>
+                <a:latin typeface="+mn-lt"/>
+                <a:ea typeface="+mn-ea"/>
+                <a:cs typeface="+mn-cs"/>
+              </a:defRPr>
+            </a:lvl6pPr>
+            <a:lvl7pPr marL="2971800" indent="-228600" algn="l" defTabSz="914400" rtl="0" eaLnBrk="1" latinLnBrk="0" hangingPunct="1">
+              <a:lnSpc>
+                <a:spcPct val="90000"/>
+              </a:lnSpc>
+              <a:spcBef>
+                <a:spcPts val="500"/>
+              </a:spcBef>
+              <a:buFont typeface="Arial" panose="020B0604020202020204" pitchFamily="34" charset="0"/>
+              <a:buChar char="•"/>
+              <a:defRPr sz="1800" kern="1200">
+                <a:solidFill>
+                  <a:schemeClr val="tx1"/>
+                </a:solidFill>
+                <a:latin typeface="+mn-lt"/>
+                <a:ea typeface="+mn-ea"/>
+                <a:cs typeface="+mn-cs"/>
+              </a:defRPr>
+            </a:lvl7pPr>
+            <a:lvl8pPr marL="3429000" indent="-228600" algn="l" defTabSz="914400" rtl="0" eaLnBrk="1" latinLnBrk="0" hangingPunct="1">
+              <a:lnSpc>
+                <a:spcPct val="90000"/>
+              </a:lnSpc>
+              <a:spcBef>
+                <a:spcPts val="500"/>
+              </a:spcBef>
+              <a:buFont typeface="Arial" panose="020B0604020202020204" pitchFamily="34" charset="0"/>
+              <a:buChar char="•"/>
+              <a:defRPr sz="1800" kern="1200">
+                <a:solidFill>
+                  <a:schemeClr val="tx1"/>
+                </a:solidFill>
+                <a:latin typeface="+mn-lt"/>
+                <a:ea typeface="+mn-ea"/>
+                <a:cs typeface="+mn-cs"/>
+              </a:defRPr>
+            </a:lvl8pPr>
+            <a:lvl9pPr marL="3886200" indent="-228600" algn="l" defTabSz="914400" rtl="0" eaLnBrk="1" latinLnBrk="0" hangingPunct="1">
+              <a:lnSpc>
+                <a:spcPct val="90000"/>
+              </a:lnSpc>
+              <a:spcBef>
+                <a:spcPts val="500"/>
+              </a:spcBef>
+              <a:buFont typeface="Arial" panose="020B0604020202020204" pitchFamily="34" charset="0"/>
+              <a:buChar char="•"/>
+              <a:defRPr sz="1800" kern="1200">
+                <a:solidFill>
+                  <a:schemeClr val="tx1"/>
+                </a:solidFill>
+                <a:latin typeface="+mn-lt"/>
+                <a:ea typeface="+mn-ea"/>
+                <a:cs typeface="+mn-cs"/>
+              </a:defRPr>
+            </a:lvl9pPr>
+          </a:lstStyle>
+          <a:p>
+            <a:pPr marL="0" indent="0">
+              <a:buFont typeface="Arial" panose="020B0604020202020204" pitchFamily="34" charset="0"/>
+              <a:buNone/>
+            </a:pPr>
+            <a:r>
+              <a:rPr lang="ru-RU" sz="2400" spc="-150" dirty="0"/>
+              <a:t>Получение данных, необходимых</a:t>
+            </a:r>
+            <a:r>
+              <a:rPr lang="en-US" sz="2400" spc="-150" dirty="0"/>
+              <a:t> </a:t>
+            </a:r>
+            <a:r>
+              <a:rPr lang="ru-RU" sz="2400" spc="-150" dirty="0"/>
+              <a:t>для компонента </a:t>
+            </a:r>
+            <a:r>
+              <a:rPr lang="en-US" sz="2400" spc="-150" dirty="0"/>
+              <a:t>CatFact</a:t>
+            </a:r>
+            <a:r>
+              <a:rPr lang="ru-RU" sz="2400" spc="-150" dirty="0"/>
+              <a:t> реализовано, осталось их вывести. Для этого изменим возвращаемый </a:t>
+            </a:r>
+            <a:r>
+              <a:rPr lang="en-US" sz="2400" spc="-150" dirty="0"/>
+              <a:t>JSX-</a:t>
+            </a:r>
+            <a:r>
+              <a:rPr lang="ru-RU" sz="2400" spc="-150" dirty="0"/>
+              <a:t>код. Свяжем</a:t>
+            </a:r>
+            <a:r>
+              <a:rPr lang="en-US" sz="2400" spc="-150" dirty="0"/>
+              <a:t> </a:t>
+            </a:r>
+            <a:r>
+              <a:rPr lang="ru-RU" sz="2400" spc="-150" dirty="0"/>
+              <a:t>состояние </a:t>
+            </a:r>
+            <a:r>
+              <a:rPr lang="en-US" sz="2400" spc="-150" dirty="0"/>
+              <a:t>imageURL </a:t>
+            </a:r>
+            <a:r>
+              <a:rPr lang="ru-RU" sz="2400" spc="-150" dirty="0"/>
+              <a:t>с атрибутом </a:t>
+            </a:r>
+            <a:r>
+              <a:rPr lang="en-US" sz="2400" spc="-150" dirty="0"/>
+              <a:t>src</a:t>
+            </a:r>
+            <a:r>
+              <a:rPr lang="ru-RU" sz="2400" spc="-150" dirty="0"/>
+              <a:t> в элементе </a:t>
+            </a:r>
+            <a:r>
+              <a:rPr lang="en-US" sz="2400" spc="-150" dirty="0"/>
+              <a:t>img</a:t>
+            </a:r>
+            <a:r>
+              <a:rPr lang="ru-RU" sz="2400" spc="-150" dirty="0"/>
+              <a:t>, а также обрежем строку факта до 150 символов для того, чтобы она вместилась на карточке факта. В итоге получим следующий код компонента:</a:t>
+            </a:r>
+          </a:p>
+        </p:txBody>
+      </p:sp>
+      <p:pic>
+        <p:nvPicPr>
+          <p:cNvPr id="5" name="Рисунок 4">
+            <a:extLst>
+              <a:ext uri="{FF2B5EF4-FFF2-40B4-BE49-F238E27FC236}">
+                <a16:creationId xmlns:a16="http://schemas.microsoft.com/office/drawing/2014/main" id="{96FB60A6-AB0F-9E09-D7C8-FA5C00007C75}"/>
+              </a:ext>
+            </a:extLst>
+          </p:cNvPr>
+          <p:cNvPicPr>
+            <a:picLocks noChangeAspect="1"/>
+          </p:cNvPicPr>
+          <p:nvPr/>
+        </p:nvPicPr>
+        <p:blipFill>
+          <a:blip r:embed="rId2"/>
+          <a:stretch>
+            <a:fillRect/>
+          </a:stretch>
+        </p:blipFill>
+        <p:spPr>
+          <a:xfrm>
+            <a:off x="2465409" y="2280430"/>
+            <a:ext cx="7241692" cy="4582050"/>
+          </a:xfrm>
+          <a:prstGeom prst="rect">
+            <a:avLst/>
+          </a:prstGeom>
+        </p:spPr>
+      </p:pic>
+    </p:spTree>
+    <p:extLst>
+      <p:ext uri="{BB962C8B-B14F-4D97-AF65-F5344CB8AC3E}">
+        <p14:creationId xmlns:p14="http://schemas.microsoft.com/office/powerpoint/2010/main" val="1618165027"/>
+      </p:ext>
+    </p:extLst>
+  </p:cSld>
+  <p:clrMapOvr>
+    <a:masterClrMapping/>
+  </p:clrMapOvr>
+</p:sld>
+</file>
+
+<file path=ppt/slides/slide19.xml><?xml version="1.0" encoding="utf-8"?>
+<p:sld xmlns:a="http://schemas.openxmlformats.org/drawingml/2006/main" xmlns:r="http://schemas.openxmlformats.org/officeDocument/2006/relationships" xmlns:p="http://schemas.openxmlformats.org/presentationml/2006/main">
+  <p:cSld>
+    <p:spTree>
+      <p:nvGrpSpPr>
+        <p:cNvPr id="1" name=""/>
+        <p:cNvGrpSpPr/>
+        <p:nvPr/>
+      </p:nvGrpSpPr>
+      <p:grpSpPr>
+        <a:xfrm>
+          <a:off x="0" y="0"/>
+          <a:ext cx="0" cy="0"/>
+          <a:chOff x="0" y="0"/>
+          <a:chExt cx="0" cy="0"/>
+        </a:xfrm>
+      </p:grpSpPr>
+      <p:sp>
+        <p:nvSpPr>
+          <p:cNvPr id="2" name="Заголовок 1">
+            <a:extLst>
+              <a:ext uri="{FF2B5EF4-FFF2-40B4-BE49-F238E27FC236}">
+                <a16:creationId xmlns:a16="http://schemas.microsoft.com/office/drawing/2014/main" id="{F11751D2-ED12-F57D-3664-30FE598F8F23}"/>
+              </a:ext>
+            </a:extLst>
+          </p:cNvPr>
+          <p:cNvSpPr>
+            <a:spLocks noGrp="1"/>
+          </p:cNvSpPr>
+          <p:nvPr>
+            <p:ph type="title"/>
+          </p:nvPr>
+        </p:nvSpPr>
+        <p:spPr>
+          <a:xfrm>
+            <a:off x="632825" y="200953"/>
+            <a:ext cx="10515600" cy="1325563"/>
+          </a:xfrm>
+        </p:spPr>
+        <p:txBody>
+          <a:bodyPr/>
+          <a:lstStyle/>
+          <a:p>
+            <a:r>
+              <a:rPr lang="ru-RU" b="1" spc="300" dirty="0"/>
+              <a:t>Функция </a:t>
+            </a:r>
+            <a:r>
+              <a:rPr lang="en-US" b="1" spc="300" dirty="0"/>
+              <a:t>map</a:t>
+            </a:r>
+            <a:endParaRPr lang="ru-RU" b="1" spc="300" dirty="0"/>
+          </a:p>
+        </p:txBody>
+      </p:sp>
+      <p:sp>
+        <p:nvSpPr>
+          <p:cNvPr id="10" name="Объект 2">
+            <a:extLst>
+              <a:ext uri="{FF2B5EF4-FFF2-40B4-BE49-F238E27FC236}">
+                <a16:creationId xmlns:a16="http://schemas.microsoft.com/office/drawing/2014/main" id="{33CEBF9C-0411-3A95-1260-2403441E211D}"/>
+              </a:ext>
+            </a:extLst>
+          </p:cNvPr>
+          <p:cNvSpPr txBox="1">
+            <a:spLocks/>
+          </p:cNvSpPr>
+          <p:nvPr/>
+        </p:nvSpPr>
+        <p:spPr>
+          <a:xfrm>
+            <a:off x="632821" y="1333032"/>
+            <a:ext cx="10926351" cy="2604523"/>
+          </a:xfrm>
+          <a:prstGeom prst="rect">
+            <a:avLst/>
+          </a:prstGeom>
+        </p:spPr>
+        <p:txBody>
+          <a:bodyPr vert="horz" lIns="91440" tIns="45720" rIns="91440" bIns="45720" rtlCol="0">
+            <a:normAutofit/>
+          </a:bodyPr>
+          <a:lstStyle>
+            <a:lvl1pPr marL="228600" indent="-228600" algn="l" defTabSz="914400" rtl="0" eaLnBrk="1" latinLnBrk="0" hangingPunct="1">
+              <a:lnSpc>
+                <a:spcPct val="90000"/>
+              </a:lnSpc>
+              <a:spcBef>
+                <a:spcPts val="1000"/>
+              </a:spcBef>
+              <a:buFont typeface="Arial" panose="020B0604020202020204" pitchFamily="34" charset="0"/>
+              <a:buChar char="•"/>
+              <a:defRPr sz="2800" kern="1200">
+                <a:solidFill>
+                  <a:schemeClr val="tx1"/>
+                </a:solidFill>
+                <a:latin typeface="+mn-lt"/>
+                <a:ea typeface="+mn-ea"/>
+                <a:cs typeface="+mn-cs"/>
+              </a:defRPr>
+            </a:lvl1pPr>
+            <a:lvl2pPr marL="685800" indent="-228600" algn="l" defTabSz="914400" rtl="0" eaLnBrk="1" latinLnBrk="0" hangingPunct="1">
+              <a:lnSpc>
+                <a:spcPct val="90000"/>
+              </a:lnSpc>
+              <a:spcBef>
+                <a:spcPts val="500"/>
+              </a:spcBef>
+              <a:buFont typeface="Arial" panose="020B0604020202020204" pitchFamily="34" charset="0"/>
+              <a:buChar char="•"/>
+              <a:defRPr sz="2400" kern="1200">
+                <a:solidFill>
+                  <a:schemeClr val="tx1"/>
+                </a:solidFill>
+                <a:latin typeface="+mn-lt"/>
+                <a:ea typeface="+mn-ea"/>
+                <a:cs typeface="+mn-cs"/>
+              </a:defRPr>
+            </a:lvl2pPr>
+            <a:lvl3pPr marL="1143000" indent="-228600" algn="l" defTabSz="914400" rtl="0" eaLnBrk="1" latinLnBrk="0" hangingPunct="1">
+              <a:lnSpc>
+                <a:spcPct val="90000"/>
+              </a:lnSpc>
+              <a:spcBef>
+                <a:spcPts val="500"/>
+              </a:spcBef>
+              <a:buFont typeface="Arial" panose="020B0604020202020204" pitchFamily="34" charset="0"/>
+              <a:buChar char="•"/>
+              <a:defRPr sz="2000" kern="1200">
+                <a:solidFill>
+                  <a:schemeClr val="tx1"/>
+                </a:solidFill>
+                <a:latin typeface="+mn-lt"/>
+                <a:ea typeface="+mn-ea"/>
+                <a:cs typeface="+mn-cs"/>
+              </a:defRPr>
+            </a:lvl3pPr>
+            <a:lvl4pPr marL="1600200" indent="-228600" algn="l" defTabSz="914400" rtl="0" eaLnBrk="1" latinLnBrk="0" hangingPunct="1">
+              <a:lnSpc>
+                <a:spcPct val="90000"/>
+              </a:lnSpc>
+              <a:spcBef>
+                <a:spcPts val="500"/>
+              </a:spcBef>
+              <a:buFont typeface="Arial" panose="020B0604020202020204" pitchFamily="34" charset="0"/>
+              <a:buChar char="•"/>
+              <a:defRPr sz="1800" kern="1200">
+                <a:solidFill>
+                  <a:schemeClr val="tx1"/>
+                </a:solidFill>
+                <a:latin typeface="+mn-lt"/>
+                <a:ea typeface="+mn-ea"/>
+                <a:cs typeface="+mn-cs"/>
+              </a:defRPr>
+            </a:lvl4pPr>
+            <a:lvl5pPr marL="2057400" indent="-228600" algn="l" defTabSz="914400" rtl="0" eaLnBrk="1" latinLnBrk="0" hangingPunct="1">
+              <a:lnSpc>
+                <a:spcPct val="90000"/>
+              </a:lnSpc>
+              <a:spcBef>
+                <a:spcPts val="500"/>
+              </a:spcBef>
+              <a:buFont typeface="Arial" panose="020B0604020202020204" pitchFamily="34" charset="0"/>
+              <a:buChar char="•"/>
+              <a:defRPr sz="1800" kern="1200">
+                <a:solidFill>
+                  <a:schemeClr val="tx1"/>
+                </a:solidFill>
+                <a:latin typeface="+mn-lt"/>
+                <a:ea typeface="+mn-ea"/>
+                <a:cs typeface="+mn-cs"/>
+              </a:defRPr>
+            </a:lvl5pPr>
+            <a:lvl6pPr marL="2514600" indent="-228600" algn="l" defTabSz="914400" rtl="0" eaLnBrk="1" latinLnBrk="0" hangingPunct="1">
+              <a:lnSpc>
+                <a:spcPct val="90000"/>
+              </a:lnSpc>
+              <a:spcBef>
+                <a:spcPts val="500"/>
+              </a:spcBef>
+              <a:buFont typeface="Arial" panose="020B0604020202020204" pitchFamily="34" charset="0"/>
+              <a:buChar char="•"/>
+              <a:defRPr sz="1800" kern="1200">
+                <a:solidFill>
+                  <a:schemeClr val="tx1"/>
+                </a:solidFill>
+                <a:latin typeface="+mn-lt"/>
+                <a:ea typeface="+mn-ea"/>
+                <a:cs typeface="+mn-cs"/>
+              </a:defRPr>
+            </a:lvl6pPr>
+            <a:lvl7pPr marL="2971800" indent="-228600" algn="l" defTabSz="914400" rtl="0" eaLnBrk="1" latinLnBrk="0" hangingPunct="1">
+              <a:lnSpc>
+                <a:spcPct val="90000"/>
+              </a:lnSpc>
+              <a:spcBef>
+                <a:spcPts val="500"/>
+              </a:spcBef>
+              <a:buFont typeface="Arial" panose="020B0604020202020204" pitchFamily="34" charset="0"/>
+              <a:buChar char="•"/>
+              <a:defRPr sz="1800" kern="1200">
+                <a:solidFill>
+                  <a:schemeClr val="tx1"/>
+                </a:solidFill>
+                <a:latin typeface="+mn-lt"/>
+                <a:ea typeface="+mn-ea"/>
+                <a:cs typeface="+mn-cs"/>
+              </a:defRPr>
+            </a:lvl7pPr>
+            <a:lvl8pPr marL="3429000" indent="-228600" algn="l" defTabSz="914400" rtl="0" eaLnBrk="1" latinLnBrk="0" hangingPunct="1">
+              <a:lnSpc>
+                <a:spcPct val="90000"/>
+              </a:lnSpc>
+              <a:spcBef>
+                <a:spcPts val="500"/>
+              </a:spcBef>
+              <a:buFont typeface="Arial" panose="020B0604020202020204" pitchFamily="34" charset="0"/>
+              <a:buChar char="•"/>
+              <a:defRPr sz="1800" kern="1200">
+                <a:solidFill>
+                  <a:schemeClr val="tx1"/>
+                </a:solidFill>
+                <a:latin typeface="+mn-lt"/>
+                <a:ea typeface="+mn-ea"/>
+                <a:cs typeface="+mn-cs"/>
+              </a:defRPr>
+            </a:lvl8pPr>
+            <a:lvl9pPr marL="3886200" indent="-228600" algn="l" defTabSz="914400" rtl="0" eaLnBrk="1" latinLnBrk="0" hangingPunct="1">
+              <a:lnSpc>
+                <a:spcPct val="90000"/>
+              </a:lnSpc>
+              <a:spcBef>
+                <a:spcPts val="500"/>
+              </a:spcBef>
+              <a:buFont typeface="Arial" panose="020B0604020202020204" pitchFamily="34" charset="0"/>
+              <a:buChar char="•"/>
+              <a:defRPr sz="1800" kern="1200">
+                <a:solidFill>
+                  <a:schemeClr val="tx1"/>
+                </a:solidFill>
+                <a:latin typeface="+mn-lt"/>
+                <a:ea typeface="+mn-ea"/>
+                <a:cs typeface="+mn-cs"/>
+              </a:defRPr>
+            </a:lvl9pPr>
+          </a:lstStyle>
+          <a:p>
+            <a:pPr marL="0" indent="0">
+              <a:buFont typeface="Arial" panose="020B0604020202020204" pitchFamily="34" charset="0"/>
+              <a:buNone/>
+            </a:pPr>
+            <a:r>
+              <a:rPr lang="ru-RU" sz="2500" spc="-150" dirty="0"/>
+              <a:t>Теперь вернёмся к компоненту приложения </a:t>
+            </a:r>
+            <a:r>
+              <a:rPr lang="en-US" sz="2500" spc="-150" dirty="0"/>
+              <a:t>App</a:t>
+            </a:r>
+            <a:r>
+              <a:rPr lang="ru-RU" sz="2500" spc="-150" dirty="0"/>
+              <a:t>. Ранее была реализована загрузка случайных фактов в состояние </a:t>
+            </a:r>
+            <a:r>
+              <a:rPr lang="en-US" sz="2500" spc="-150" dirty="0"/>
+              <a:t>facts. </a:t>
+            </a:r>
+            <a:r>
+              <a:rPr lang="ru-RU" sz="2500" spc="-150" dirty="0"/>
+              <a:t>Теперь необходимо для каждого факта создать компонент </a:t>
+            </a:r>
+            <a:r>
+              <a:rPr lang="en-US" sz="2500" spc="-150" dirty="0"/>
+              <a:t>CatFact</a:t>
+            </a:r>
+            <a:r>
+              <a:rPr lang="ru-RU" sz="2500" spc="-150" dirty="0"/>
+              <a:t>, в который передать факт. Для этого воспользуемся функцией </a:t>
+            </a:r>
+            <a:r>
+              <a:rPr lang="en-US" sz="2500" b="1" spc="-150" dirty="0"/>
+              <a:t>map</a:t>
+            </a:r>
+            <a:r>
+              <a:rPr lang="en-US" sz="2500" spc="-150" dirty="0"/>
+              <a:t>, </a:t>
+            </a:r>
+            <a:r>
+              <a:rPr lang="ru-RU" sz="2500" spc="-150" dirty="0"/>
+              <a:t>который будет трансформировать массив строк фактов в массив компонентов </a:t>
+            </a:r>
+            <a:r>
+              <a:rPr lang="en-US" sz="2500" spc="-150" dirty="0"/>
+              <a:t>CatFact. </a:t>
+            </a:r>
+            <a:endParaRPr lang="ru-RU" sz="2500" spc="-150" dirty="0"/>
+          </a:p>
+          <a:p>
+            <a:pPr marL="0" indent="0">
+              <a:buFont typeface="Arial" panose="020B0604020202020204" pitchFamily="34" charset="0"/>
+              <a:buNone/>
+            </a:pPr>
+            <a:r>
+              <a:rPr lang="ru-RU" sz="2500" spc="-150" dirty="0"/>
+              <a:t>Для начала импортируем компонент </a:t>
+            </a:r>
+            <a:r>
+              <a:rPr lang="en-US" sz="2500" spc="-150" dirty="0"/>
+              <a:t>CatFact</a:t>
+            </a:r>
+            <a:r>
+              <a:rPr lang="ru-RU" sz="2500" spc="-150" dirty="0"/>
+              <a:t>:</a:t>
+            </a:r>
+          </a:p>
+          <a:p>
+            <a:pPr marL="0" indent="0">
+              <a:buFont typeface="Arial" panose="020B0604020202020204" pitchFamily="34" charset="0"/>
+              <a:buNone/>
+            </a:pPr>
+            <a:r>
+              <a:rPr lang="ru-RU" sz="2500" spc="-150" dirty="0"/>
+              <a:t>Далее напишем следующий </a:t>
+            </a:r>
+            <a:r>
+              <a:rPr lang="en-US" sz="2500" spc="-150" dirty="0"/>
+              <a:t>JSX-</a:t>
+            </a:r>
+            <a:r>
+              <a:rPr lang="ru-RU" sz="2500" spc="-150" dirty="0"/>
+              <a:t>код:</a:t>
+            </a:r>
+          </a:p>
+        </p:txBody>
+      </p:sp>
+      <p:pic>
+        <p:nvPicPr>
+          <p:cNvPr id="17" name="Рисунок 16">
+            <a:extLst>
+              <a:ext uri="{FF2B5EF4-FFF2-40B4-BE49-F238E27FC236}">
+                <a16:creationId xmlns:a16="http://schemas.microsoft.com/office/drawing/2014/main" id="{F1426871-FDC7-6CD1-BC3D-1E0E3CEEF092}"/>
+              </a:ext>
+            </a:extLst>
+          </p:cNvPr>
+          <p:cNvPicPr>
+            <a:picLocks noChangeAspect="1"/>
+          </p:cNvPicPr>
+          <p:nvPr/>
+        </p:nvPicPr>
+        <p:blipFill rotWithShape="1">
+          <a:blip r:embed="rId2"/>
+          <a:srcRect r="4038" b="12781"/>
+          <a:stretch/>
+        </p:blipFill>
+        <p:spPr>
+          <a:xfrm>
+            <a:off x="6173237" y="2880381"/>
+            <a:ext cx="5536394" cy="397831"/>
+          </a:xfrm>
+          <a:prstGeom prst="rect">
+            <a:avLst/>
+          </a:prstGeom>
+        </p:spPr>
+      </p:pic>
+      <p:sp>
+        <p:nvSpPr>
+          <p:cNvPr id="22" name="Объект 2">
+            <a:extLst>
+              <a:ext uri="{FF2B5EF4-FFF2-40B4-BE49-F238E27FC236}">
+                <a16:creationId xmlns:a16="http://schemas.microsoft.com/office/drawing/2014/main" id="{CC9A8FB6-2A40-5A6A-F069-761B1725BBF5}"/>
+              </a:ext>
+            </a:extLst>
+          </p:cNvPr>
+          <p:cNvSpPr txBox="1">
+            <a:spLocks/>
+          </p:cNvSpPr>
+          <p:nvPr/>
+        </p:nvSpPr>
+        <p:spPr>
+          <a:xfrm>
+            <a:off x="6832746" y="3948161"/>
+            <a:ext cx="4674092" cy="2708886"/>
+          </a:xfrm>
+          <a:prstGeom prst="rect">
+            <a:avLst/>
+          </a:prstGeom>
+        </p:spPr>
+        <p:txBody>
+          <a:bodyPr vert="horz" lIns="91440" tIns="45720" rIns="91440" bIns="45720" rtlCol="0">
+            <a:normAutofit lnSpcReduction="10000"/>
+          </a:bodyPr>
+          <a:lstStyle>
+            <a:lvl1pPr marL="228600" indent="-228600" algn="l" defTabSz="914400" rtl="0" eaLnBrk="1" latinLnBrk="0" hangingPunct="1">
+              <a:lnSpc>
+                <a:spcPct val="90000"/>
+              </a:lnSpc>
+              <a:spcBef>
+                <a:spcPts val="1000"/>
+              </a:spcBef>
+              <a:buFont typeface="Arial" panose="020B0604020202020204" pitchFamily="34" charset="0"/>
+              <a:buChar char="•"/>
+              <a:defRPr sz="2800" kern="1200">
+                <a:solidFill>
+                  <a:schemeClr val="tx1"/>
+                </a:solidFill>
+                <a:latin typeface="+mn-lt"/>
+                <a:ea typeface="+mn-ea"/>
+                <a:cs typeface="+mn-cs"/>
+              </a:defRPr>
+            </a:lvl1pPr>
+            <a:lvl2pPr marL="685800" indent="-228600" algn="l" defTabSz="914400" rtl="0" eaLnBrk="1" latinLnBrk="0" hangingPunct="1">
+              <a:lnSpc>
+                <a:spcPct val="90000"/>
+              </a:lnSpc>
+              <a:spcBef>
+                <a:spcPts val="500"/>
+              </a:spcBef>
+              <a:buFont typeface="Arial" panose="020B0604020202020204" pitchFamily="34" charset="0"/>
+              <a:buChar char="•"/>
+              <a:defRPr sz="2400" kern="1200">
+                <a:solidFill>
+                  <a:schemeClr val="tx1"/>
+                </a:solidFill>
+                <a:latin typeface="+mn-lt"/>
+                <a:ea typeface="+mn-ea"/>
+                <a:cs typeface="+mn-cs"/>
+              </a:defRPr>
+            </a:lvl2pPr>
+            <a:lvl3pPr marL="1143000" indent="-228600" algn="l" defTabSz="914400" rtl="0" eaLnBrk="1" latinLnBrk="0" hangingPunct="1">
+              <a:lnSpc>
+                <a:spcPct val="90000"/>
+              </a:lnSpc>
+              <a:spcBef>
+                <a:spcPts val="500"/>
+              </a:spcBef>
+              <a:buFont typeface="Arial" panose="020B0604020202020204" pitchFamily="34" charset="0"/>
+              <a:buChar char="•"/>
+              <a:defRPr sz="2000" kern="1200">
+                <a:solidFill>
+                  <a:schemeClr val="tx1"/>
+                </a:solidFill>
+                <a:latin typeface="+mn-lt"/>
+                <a:ea typeface="+mn-ea"/>
+                <a:cs typeface="+mn-cs"/>
+              </a:defRPr>
+            </a:lvl3pPr>
+            <a:lvl4pPr marL="1600200" indent="-228600" algn="l" defTabSz="914400" rtl="0" eaLnBrk="1" latinLnBrk="0" hangingPunct="1">
+              <a:lnSpc>
+                <a:spcPct val="90000"/>
+              </a:lnSpc>
+              <a:spcBef>
+                <a:spcPts val="500"/>
+              </a:spcBef>
+              <a:buFont typeface="Arial" panose="020B0604020202020204" pitchFamily="34" charset="0"/>
+              <a:buChar char="•"/>
+              <a:defRPr sz="1800" kern="1200">
+                <a:solidFill>
+                  <a:schemeClr val="tx1"/>
+                </a:solidFill>
+                <a:latin typeface="+mn-lt"/>
+                <a:ea typeface="+mn-ea"/>
+                <a:cs typeface="+mn-cs"/>
+              </a:defRPr>
+            </a:lvl4pPr>
+            <a:lvl5pPr marL="2057400" indent="-228600" algn="l" defTabSz="914400" rtl="0" eaLnBrk="1" latinLnBrk="0" hangingPunct="1">
+              <a:lnSpc>
+                <a:spcPct val="90000"/>
+              </a:lnSpc>
+              <a:spcBef>
+                <a:spcPts val="500"/>
+              </a:spcBef>
+              <a:buFont typeface="Arial" panose="020B0604020202020204" pitchFamily="34" charset="0"/>
+              <a:buChar char="•"/>
+              <a:defRPr sz="1800" kern="1200">
+                <a:solidFill>
+                  <a:schemeClr val="tx1"/>
+                </a:solidFill>
+                <a:latin typeface="+mn-lt"/>
+                <a:ea typeface="+mn-ea"/>
+                <a:cs typeface="+mn-cs"/>
+              </a:defRPr>
+            </a:lvl5pPr>
+            <a:lvl6pPr marL="2514600" indent="-228600" algn="l" defTabSz="914400" rtl="0" eaLnBrk="1" latinLnBrk="0" hangingPunct="1">
+              <a:lnSpc>
+                <a:spcPct val="90000"/>
+              </a:lnSpc>
+              <a:spcBef>
+                <a:spcPts val="500"/>
+              </a:spcBef>
+              <a:buFont typeface="Arial" panose="020B0604020202020204" pitchFamily="34" charset="0"/>
+              <a:buChar char="•"/>
+              <a:defRPr sz="1800" kern="1200">
+                <a:solidFill>
+                  <a:schemeClr val="tx1"/>
+                </a:solidFill>
+                <a:latin typeface="+mn-lt"/>
+                <a:ea typeface="+mn-ea"/>
+                <a:cs typeface="+mn-cs"/>
+              </a:defRPr>
+            </a:lvl6pPr>
+            <a:lvl7pPr marL="2971800" indent="-228600" algn="l" defTabSz="914400" rtl="0" eaLnBrk="1" latinLnBrk="0" hangingPunct="1">
+              <a:lnSpc>
+                <a:spcPct val="90000"/>
+              </a:lnSpc>
+              <a:spcBef>
+                <a:spcPts val="500"/>
+              </a:spcBef>
+              <a:buFont typeface="Arial" panose="020B0604020202020204" pitchFamily="34" charset="0"/>
+              <a:buChar char="•"/>
+              <a:defRPr sz="1800" kern="1200">
+                <a:solidFill>
+                  <a:schemeClr val="tx1"/>
+                </a:solidFill>
+                <a:latin typeface="+mn-lt"/>
+                <a:ea typeface="+mn-ea"/>
+                <a:cs typeface="+mn-cs"/>
+              </a:defRPr>
+            </a:lvl7pPr>
+            <a:lvl8pPr marL="3429000" indent="-228600" algn="l" defTabSz="914400" rtl="0" eaLnBrk="1" latinLnBrk="0" hangingPunct="1">
+              <a:lnSpc>
+                <a:spcPct val="90000"/>
+              </a:lnSpc>
+              <a:spcBef>
+                <a:spcPts val="500"/>
+              </a:spcBef>
+              <a:buFont typeface="Arial" panose="020B0604020202020204" pitchFamily="34" charset="0"/>
+              <a:buChar char="•"/>
+              <a:defRPr sz="1800" kern="1200">
+                <a:solidFill>
+                  <a:schemeClr val="tx1"/>
+                </a:solidFill>
+                <a:latin typeface="+mn-lt"/>
+                <a:ea typeface="+mn-ea"/>
+                <a:cs typeface="+mn-cs"/>
+              </a:defRPr>
+            </a:lvl8pPr>
+            <a:lvl9pPr marL="3886200" indent="-228600" algn="l" defTabSz="914400" rtl="0" eaLnBrk="1" latinLnBrk="0" hangingPunct="1">
+              <a:lnSpc>
+                <a:spcPct val="90000"/>
+              </a:lnSpc>
+              <a:spcBef>
+                <a:spcPts val="500"/>
+              </a:spcBef>
+              <a:buFont typeface="Arial" panose="020B0604020202020204" pitchFamily="34" charset="0"/>
+              <a:buChar char="•"/>
+              <a:defRPr sz="1800" kern="1200">
+                <a:solidFill>
+                  <a:schemeClr val="tx1"/>
+                </a:solidFill>
+                <a:latin typeface="+mn-lt"/>
+                <a:ea typeface="+mn-ea"/>
+                <a:cs typeface="+mn-cs"/>
+              </a:defRPr>
+            </a:lvl9pPr>
+          </a:lstStyle>
+          <a:p>
+            <a:pPr marL="0" indent="0">
+              <a:buFont typeface="Arial" panose="020B0604020202020204" pitchFamily="34" charset="0"/>
+              <a:buNone/>
+            </a:pPr>
+            <a:r>
+              <a:rPr lang="ru-RU" sz="2300" spc="-150" dirty="0"/>
+              <a:t>Кроме параметра</a:t>
+            </a:r>
+            <a:r>
+              <a:rPr lang="en-US" sz="2300" spc="-150" dirty="0"/>
+              <a:t> fact </a:t>
+            </a:r>
+            <a:r>
+              <a:rPr lang="ru-RU" sz="2300" spc="-150" dirty="0"/>
+              <a:t>был также передан </a:t>
+            </a:r>
+            <a:r>
+              <a:rPr lang="en-US" sz="2300" b="1" spc="-150" dirty="0"/>
+              <a:t>key</a:t>
+            </a:r>
+            <a:r>
+              <a:rPr lang="en-US" sz="2300" spc="-150" dirty="0"/>
+              <a:t> (</a:t>
+            </a:r>
+            <a:r>
+              <a:rPr lang="ru-RU" sz="2300" spc="-150" dirty="0"/>
+              <a:t>ключ).</a:t>
+            </a:r>
+            <a:r>
+              <a:rPr lang="en-US" sz="2300" spc="-150" dirty="0"/>
+              <a:t> </a:t>
+            </a:r>
+            <a:r>
+              <a:rPr lang="ru-RU" sz="2300" spc="-150" dirty="0"/>
+              <a:t>Ключи необходимы React для сопоставления элементов массива, чтобы определять, какие элементы были изменены, добавлены или удалены. Ключ должен быть уникальным. </a:t>
+            </a:r>
+            <a:endParaRPr lang="en-US" sz="2300" spc="-150" dirty="0"/>
+          </a:p>
+          <a:p>
+            <a:pPr marL="0" indent="0">
+              <a:buFont typeface="Arial" panose="020B0604020202020204" pitchFamily="34" charset="0"/>
+              <a:buNone/>
+            </a:pPr>
+            <a:r>
+              <a:rPr lang="ru-RU" sz="2300" spc="-150" dirty="0"/>
+              <a:t>В данном случае был передан индекс факта.</a:t>
+            </a:r>
+          </a:p>
+          <a:p>
+            <a:pPr marL="0" indent="0">
+              <a:buFont typeface="Arial" panose="020B0604020202020204" pitchFamily="34" charset="0"/>
+              <a:buNone/>
+            </a:pPr>
+            <a:endParaRPr lang="ru-RU" sz="2300" spc="-150" dirty="0"/>
+          </a:p>
+        </p:txBody>
+      </p:sp>
+      <p:pic>
+        <p:nvPicPr>
+          <p:cNvPr id="24" name="Рисунок 23">
+            <a:extLst>
+              <a:ext uri="{FF2B5EF4-FFF2-40B4-BE49-F238E27FC236}">
+                <a16:creationId xmlns:a16="http://schemas.microsoft.com/office/drawing/2014/main" id="{D762A23E-10D5-75DE-DF92-30838F57B4FD}"/>
+              </a:ext>
+            </a:extLst>
+          </p:cNvPr>
+          <p:cNvPicPr>
+            <a:picLocks noChangeAspect="1"/>
+          </p:cNvPicPr>
+          <p:nvPr/>
+        </p:nvPicPr>
+        <p:blipFill>
+          <a:blip r:embed="rId3"/>
+          <a:stretch>
+            <a:fillRect/>
+          </a:stretch>
+        </p:blipFill>
+        <p:spPr>
+          <a:xfrm>
+            <a:off x="685162" y="3845915"/>
+            <a:ext cx="5853806" cy="2449554"/>
+          </a:xfrm>
+          <a:prstGeom prst="rect">
+            <a:avLst/>
+          </a:prstGeom>
+        </p:spPr>
+      </p:pic>
+    </p:spTree>
+    <p:extLst>
+      <p:ext uri="{BB962C8B-B14F-4D97-AF65-F5344CB8AC3E}">
+        <p14:creationId xmlns:p14="http://schemas.microsoft.com/office/powerpoint/2010/main" val="2675791567"/>
       </p:ext>
     </p:extLst>
   </p:cSld>
@@ -4954,6 +9211,430 @@
     <p:extLst>
       <p:ext uri="{BB962C8B-B14F-4D97-AF65-F5344CB8AC3E}">
         <p14:creationId xmlns:p14="http://schemas.microsoft.com/office/powerpoint/2010/main" val="1241197843"/>
+      </p:ext>
+    </p:extLst>
+  </p:cSld>
+  <p:clrMapOvr>
+    <a:masterClrMapping/>
+  </p:clrMapOvr>
+</p:sld>
+</file>
+
+<file path=ppt/slides/slide20.xml><?xml version="1.0" encoding="utf-8"?>
+<p:sld xmlns:a="http://schemas.openxmlformats.org/drawingml/2006/main" xmlns:r="http://schemas.openxmlformats.org/officeDocument/2006/relationships" xmlns:p="http://schemas.openxmlformats.org/presentationml/2006/main">
+  <p:cSld>
+    <p:spTree>
+      <p:nvGrpSpPr>
+        <p:cNvPr id="1" name=""/>
+        <p:cNvGrpSpPr/>
+        <p:nvPr/>
+      </p:nvGrpSpPr>
+      <p:grpSpPr>
+        <a:xfrm>
+          <a:off x="0" y="0"/>
+          <a:ext cx="0" cy="0"/>
+          <a:chOff x="0" y="0"/>
+          <a:chExt cx="0" cy="0"/>
+        </a:xfrm>
+      </p:grpSpPr>
+      <p:sp>
+        <p:nvSpPr>
+          <p:cNvPr id="2" name="Заголовок 1">
+            <a:extLst>
+              <a:ext uri="{FF2B5EF4-FFF2-40B4-BE49-F238E27FC236}">
+                <a16:creationId xmlns:a16="http://schemas.microsoft.com/office/drawing/2014/main" id="{F11751D2-ED12-F57D-3664-30FE598F8F23}"/>
+              </a:ext>
+            </a:extLst>
+          </p:cNvPr>
+          <p:cNvSpPr>
+            <a:spLocks noGrp="1"/>
+          </p:cNvSpPr>
+          <p:nvPr>
+            <p:ph type="title"/>
+          </p:nvPr>
+        </p:nvSpPr>
+        <p:spPr>
+          <a:xfrm>
+            <a:off x="632825" y="200953"/>
+            <a:ext cx="10515600" cy="1325563"/>
+          </a:xfrm>
+        </p:spPr>
+        <p:txBody>
+          <a:bodyPr/>
+          <a:lstStyle/>
+          <a:p>
+            <a:r>
+              <a:rPr lang="ru-RU" b="1" spc="300" dirty="0"/>
+              <a:t>Код </a:t>
+            </a:r>
+            <a:r>
+              <a:rPr lang="en-US" b="1" spc="300" dirty="0"/>
+              <a:t>App.js</a:t>
+            </a:r>
+            <a:endParaRPr lang="ru-RU" b="1" spc="300" dirty="0"/>
+          </a:p>
+        </p:txBody>
+      </p:sp>
+      <p:pic>
+        <p:nvPicPr>
+          <p:cNvPr id="4" name="Рисунок 3">
+            <a:extLst>
+              <a:ext uri="{FF2B5EF4-FFF2-40B4-BE49-F238E27FC236}">
+                <a16:creationId xmlns:a16="http://schemas.microsoft.com/office/drawing/2014/main" id="{97415F39-A8A7-34D7-EFF3-0D19C2F4848B}"/>
+              </a:ext>
+            </a:extLst>
+          </p:cNvPr>
+          <p:cNvPicPr>
+            <a:picLocks noChangeAspect="1"/>
+          </p:cNvPicPr>
+          <p:nvPr/>
+        </p:nvPicPr>
+        <p:blipFill>
+          <a:blip r:embed="rId2"/>
+          <a:stretch>
+            <a:fillRect/>
+          </a:stretch>
+        </p:blipFill>
+        <p:spPr>
+          <a:xfrm>
+            <a:off x="632824" y="1298603"/>
+            <a:ext cx="7051669" cy="5181709"/>
+          </a:xfrm>
+          <a:prstGeom prst="rect">
+            <a:avLst/>
+          </a:prstGeom>
+        </p:spPr>
+      </p:pic>
+      <p:pic>
+        <p:nvPicPr>
+          <p:cNvPr id="7" name="Рисунок 6">
+            <a:extLst>
+              <a:ext uri="{FF2B5EF4-FFF2-40B4-BE49-F238E27FC236}">
+                <a16:creationId xmlns:a16="http://schemas.microsoft.com/office/drawing/2014/main" id="{CB1BF005-0AA0-4EF5-BA36-F75F4967077B}"/>
+              </a:ext>
+            </a:extLst>
+          </p:cNvPr>
+          <p:cNvPicPr>
+            <a:picLocks noChangeAspect="1"/>
+          </p:cNvPicPr>
+          <p:nvPr/>
+        </p:nvPicPr>
+        <p:blipFill>
+          <a:blip r:embed="rId3"/>
+          <a:stretch>
+            <a:fillRect/>
+          </a:stretch>
+        </p:blipFill>
+        <p:spPr>
+          <a:xfrm>
+            <a:off x="7826257" y="2281024"/>
+            <a:ext cx="4217387" cy="3216866"/>
+          </a:xfrm>
+          <a:prstGeom prst="rect">
+            <a:avLst/>
+          </a:prstGeom>
+        </p:spPr>
+      </p:pic>
+    </p:spTree>
+    <p:extLst>
+      <p:ext uri="{BB962C8B-B14F-4D97-AF65-F5344CB8AC3E}">
+        <p14:creationId xmlns:p14="http://schemas.microsoft.com/office/powerpoint/2010/main" val="535937144"/>
+      </p:ext>
+    </p:extLst>
+  </p:cSld>
+  <p:clrMapOvr>
+    <a:masterClrMapping/>
+  </p:clrMapOvr>
+</p:sld>
+</file>
+
+<file path=ppt/slides/slide21.xml><?xml version="1.0" encoding="utf-8"?>
+<p:sld xmlns:a="http://schemas.openxmlformats.org/drawingml/2006/main" xmlns:r="http://schemas.openxmlformats.org/officeDocument/2006/relationships" xmlns:p="http://schemas.openxmlformats.org/presentationml/2006/main">
+  <p:cSld>
+    <p:spTree>
+      <p:nvGrpSpPr>
+        <p:cNvPr id="1" name=""/>
+        <p:cNvGrpSpPr/>
+        <p:nvPr/>
+      </p:nvGrpSpPr>
+      <p:grpSpPr>
+        <a:xfrm>
+          <a:off x="0" y="0"/>
+          <a:ext cx="0" cy="0"/>
+          <a:chOff x="0" y="0"/>
+          <a:chExt cx="0" cy="0"/>
+        </a:xfrm>
+      </p:grpSpPr>
+      <p:sp>
+        <p:nvSpPr>
+          <p:cNvPr id="2" name="Заголовок 1">
+            <a:extLst>
+              <a:ext uri="{FF2B5EF4-FFF2-40B4-BE49-F238E27FC236}">
+                <a16:creationId xmlns:a16="http://schemas.microsoft.com/office/drawing/2014/main" id="{F11751D2-ED12-F57D-3664-30FE598F8F23}"/>
+              </a:ext>
+            </a:extLst>
+          </p:cNvPr>
+          <p:cNvSpPr>
+            <a:spLocks noGrp="1"/>
+          </p:cNvSpPr>
+          <p:nvPr>
+            <p:ph type="title"/>
+          </p:nvPr>
+        </p:nvSpPr>
+        <p:spPr>
+          <a:xfrm>
+            <a:off x="632825" y="200953"/>
+            <a:ext cx="10515600" cy="1325563"/>
+          </a:xfrm>
+        </p:spPr>
+        <p:txBody>
+          <a:bodyPr/>
+          <a:lstStyle/>
+          <a:p>
+            <a:r>
+              <a:rPr lang="ru-RU" b="1" spc="300" dirty="0"/>
+              <a:t>Результат</a:t>
+            </a:r>
+          </a:p>
+        </p:txBody>
+      </p:sp>
+      <p:sp>
+        <p:nvSpPr>
+          <p:cNvPr id="10" name="Объект 2">
+            <a:extLst>
+              <a:ext uri="{FF2B5EF4-FFF2-40B4-BE49-F238E27FC236}">
+                <a16:creationId xmlns:a16="http://schemas.microsoft.com/office/drawing/2014/main" id="{33CEBF9C-0411-3A95-1260-2403441E211D}"/>
+              </a:ext>
+            </a:extLst>
+          </p:cNvPr>
+          <p:cNvSpPr txBox="1">
+            <a:spLocks/>
+          </p:cNvSpPr>
+          <p:nvPr/>
+        </p:nvSpPr>
+        <p:spPr>
+          <a:xfrm>
+            <a:off x="632821" y="1333032"/>
+            <a:ext cx="10926351" cy="2604523"/>
+          </a:xfrm>
+          <a:prstGeom prst="rect">
+            <a:avLst/>
+          </a:prstGeom>
+        </p:spPr>
+        <p:txBody>
+          <a:bodyPr vert="horz" lIns="91440" tIns="45720" rIns="91440" bIns="45720" rtlCol="0">
+            <a:normAutofit/>
+          </a:bodyPr>
+          <a:lstStyle>
+            <a:lvl1pPr marL="228600" indent="-228600" algn="l" defTabSz="914400" rtl="0" eaLnBrk="1" latinLnBrk="0" hangingPunct="1">
+              <a:lnSpc>
+                <a:spcPct val="90000"/>
+              </a:lnSpc>
+              <a:spcBef>
+                <a:spcPts val="1000"/>
+              </a:spcBef>
+              <a:buFont typeface="Arial" panose="020B0604020202020204" pitchFamily="34" charset="0"/>
+              <a:buChar char="•"/>
+              <a:defRPr sz="2800" kern="1200">
+                <a:solidFill>
+                  <a:schemeClr val="tx1"/>
+                </a:solidFill>
+                <a:latin typeface="+mn-lt"/>
+                <a:ea typeface="+mn-ea"/>
+                <a:cs typeface="+mn-cs"/>
+              </a:defRPr>
+            </a:lvl1pPr>
+            <a:lvl2pPr marL="685800" indent="-228600" algn="l" defTabSz="914400" rtl="0" eaLnBrk="1" latinLnBrk="0" hangingPunct="1">
+              <a:lnSpc>
+                <a:spcPct val="90000"/>
+              </a:lnSpc>
+              <a:spcBef>
+                <a:spcPts val="500"/>
+              </a:spcBef>
+              <a:buFont typeface="Arial" panose="020B0604020202020204" pitchFamily="34" charset="0"/>
+              <a:buChar char="•"/>
+              <a:defRPr sz="2400" kern="1200">
+                <a:solidFill>
+                  <a:schemeClr val="tx1"/>
+                </a:solidFill>
+                <a:latin typeface="+mn-lt"/>
+                <a:ea typeface="+mn-ea"/>
+                <a:cs typeface="+mn-cs"/>
+              </a:defRPr>
+            </a:lvl2pPr>
+            <a:lvl3pPr marL="1143000" indent="-228600" algn="l" defTabSz="914400" rtl="0" eaLnBrk="1" latinLnBrk="0" hangingPunct="1">
+              <a:lnSpc>
+                <a:spcPct val="90000"/>
+              </a:lnSpc>
+              <a:spcBef>
+                <a:spcPts val="500"/>
+              </a:spcBef>
+              <a:buFont typeface="Arial" panose="020B0604020202020204" pitchFamily="34" charset="0"/>
+              <a:buChar char="•"/>
+              <a:defRPr sz="2000" kern="1200">
+                <a:solidFill>
+                  <a:schemeClr val="tx1"/>
+                </a:solidFill>
+                <a:latin typeface="+mn-lt"/>
+                <a:ea typeface="+mn-ea"/>
+                <a:cs typeface="+mn-cs"/>
+              </a:defRPr>
+            </a:lvl3pPr>
+            <a:lvl4pPr marL="1600200" indent="-228600" algn="l" defTabSz="914400" rtl="0" eaLnBrk="1" latinLnBrk="0" hangingPunct="1">
+              <a:lnSpc>
+                <a:spcPct val="90000"/>
+              </a:lnSpc>
+              <a:spcBef>
+                <a:spcPts val="500"/>
+              </a:spcBef>
+              <a:buFont typeface="Arial" panose="020B0604020202020204" pitchFamily="34" charset="0"/>
+              <a:buChar char="•"/>
+              <a:defRPr sz="1800" kern="1200">
+                <a:solidFill>
+                  <a:schemeClr val="tx1"/>
+                </a:solidFill>
+                <a:latin typeface="+mn-lt"/>
+                <a:ea typeface="+mn-ea"/>
+                <a:cs typeface="+mn-cs"/>
+              </a:defRPr>
+            </a:lvl4pPr>
+            <a:lvl5pPr marL="2057400" indent="-228600" algn="l" defTabSz="914400" rtl="0" eaLnBrk="1" latinLnBrk="0" hangingPunct="1">
+              <a:lnSpc>
+                <a:spcPct val="90000"/>
+              </a:lnSpc>
+              <a:spcBef>
+                <a:spcPts val="500"/>
+              </a:spcBef>
+              <a:buFont typeface="Arial" panose="020B0604020202020204" pitchFamily="34" charset="0"/>
+              <a:buChar char="•"/>
+              <a:defRPr sz="1800" kern="1200">
+                <a:solidFill>
+                  <a:schemeClr val="tx1"/>
+                </a:solidFill>
+                <a:latin typeface="+mn-lt"/>
+                <a:ea typeface="+mn-ea"/>
+                <a:cs typeface="+mn-cs"/>
+              </a:defRPr>
+            </a:lvl5pPr>
+            <a:lvl6pPr marL="2514600" indent="-228600" algn="l" defTabSz="914400" rtl="0" eaLnBrk="1" latinLnBrk="0" hangingPunct="1">
+              <a:lnSpc>
+                <a:spcPct val="90000"/>
+              </a:lnSpc>
+              <a:spcBef>
+                <a:spcPts val="500"/>
+              </a:spcBef>
+              <a:buFont typeface="Arial" panose="020B0604020202020204" pitchFamily="34" charset="0"/>
+              <a:buChar char="•"/>
+              <a:defRPr sz="1800" kern="1200">
+                <a:solidFill>
+                  <a:schemeClr val="tx1"/>
+                </a:solidFill>
+                <a:latin typeface="+mn-lt"/>
+                <a:ea typeface="+mn-ea"/>
+                <a:cs typeface="+mn-cs"/>
+              </a:defRPr>
+            </a:lvl6pPr>
+            <a:lvl7pPr marL="2971800" indent="-228600" algn="l" defTabSz="914400" rtl="0" eaLnBrk="1" latinLnBrk="0" hangingPunct="1">
+              <a:lnSpc>
+                <a:spcPct val="90000"/>
+              </a:lnSpc>
+              <a:spcBef>
+                <a:spcPts val="500"/>
+              </a:spcBef>
+              <a:buFont typeface="Arial" panose="020B0604020202020204" pitchFamily="34" charset="0"/>
+              <a:buChar char="•"/>
+              <a:defRPr sz="1800" kern="1200">
+                <a:solidFill>
+                  <a:schemeClr val="tx1"/>
+                </a:solidFill>
+                <a:latin typeface="+mn-lt"/>
+                <a:ea typeface="+mn-ea"/>
+                <a:cs typeface="+mn-cs"/>
+              </a:defRPr>
+            </a:lvl7pPr>
+            <a:lvl8pPr marL="3429000" indent="-228600" algn="l" defTabSz="914400" rtl="0" eaLnBrk="1" latinLnBrk="0" hangingPunct="1">
+              <a:lnSpc>
+                <a:spcPct val="90000"/>
+              </a:lnSpc>
+              <a:spcBef>
+                <a:spcPts val="500"/>
+              </a:spcBef>
+              <a:buFont typeface="Arial" panose="020B0604020202020204" pitchFamily="34" charset="0"/>
+              <a:buChar char="•"/>
+              <a:defRPr sz="1800" kern="1200">
+                <a:solidFill>
+                  <a:schemeClr val="tx1"/>
+                </a:solidFill>
+                <a:latin typeface="+mn-lt"/>
+                <a:ea typeface="+mn-ea"/>
+                <a:cs typeface="+mn-cs"/>
+              </a:defRPr>
+            </a:lvl8pPr>
+            <a:lvl9pPr marL="3886200" indent="-228600" algn="l" defTabSz="914400" rtl="0" eaLnBrk="1" latinLnBrk="0" hangingPunct="1">
+              <a:lnSpc>
+                <a:spcPct val="90000"/>
+              </a:lnSpc>
+              <a:spcBef>
+                <a:spcPts val="500"/>
+              </a:spcBef>
+              <a:buFont typeface="Arial" panose="020B0604020202020204" pitchFamily="34" charset="0"/>
+              <a:buChar char="•"/>
+              <a:defRPr sz="1800" kern="1200">
+                <a:solidFill>
+                  <a:schemeClr val="tx1"/>
+                </a:solidFill>
+                <a:latin typeface="+mn-lt"/>
+                <a:ea typeface="+mn-ea"/>
+                <a:cs typeface="+mn-cs"/>
+              </a:defRPr>
+            </a:lvl9pPr>
+          </a:lstStyle>
+          <a:p>
+            <a:pPr marL="0" indent="0">
+              <a:buFont typeface="Arial" panose="020B0604020202020204" pitchFamily="34" charset="0"/>
+              <a:buNone/>
+            </a:pPr>
+            <a:r>
+              <a:rPr lang="ru-RU" sz="2500" spc="-150" dirty="0"/>
+              <a:t>Приложение готово, откроем его в браузере:</a:t>
+            </a:r>
+          </a:p>
+        </p:txBody>
+      </p:sp>
+      <p:pic>
+        <p:nvPicPr>
+          <p:cNvPr id="4" name="Рисунок 3">
+            <a:extLst>
+              <a:ext uri="{FF2B5EF4-FFF2-40B4-BE49-F238E27FC236}">
+                <a16:creationId xmlns:a16="http://schemas.microsoft.com/office/drawing/2014/main" id="{638A0E8E-7907-22AF-1E24-1D0AFAA43284}"/>
+              </a:ext>
+            </a:extLst>
+          </p:cNvPr>
+          <p:cNvPicPr>
+            <a:picLocks noChangeAspect="1"/>
+          </p:cNvPicPr>
+          <p:nvPr/>
+        </p:nvPicPr>
+        <p:blipFill>
+          <a:blip r:embed="rId2"/>
+          <a:stretch>
+            <a:fillRect/>
+          </a:stretch>
+        </p:blipFill>
+        <p:spPr>
+          <a:xfrm>
+            <a:off x="632822" y="1867428"/>
+            <a:ext cx="9749666" cy="4789619"/>
+          </a:xfrm>
+          <a:prstGeom prst="rect">
+            <a:avLst/>
+          </a:prstGeom>
+        </p:spPr>
+      </p:pic>
+    </p:spTree>
+    <p:extLst>
+      <p:ext uri="{BB962C8B-B14F-4D97-AF65-F5344CB8AC3E}">
+        <p14:creationId xmlns:p14="http://schemas.microsoft.com/office/powerpoint/2010/main" val="2623554461"/>
       </p:ext>
     </p:extLst>
   </p:cSld>
@@ -6360,7 +11041,7 @@
         <p:spPr>
           <a:xfrm>
             <a:off x="632823" y="1216982"/>
-            <a:ext cx="11304252" cy="4086538"/>
+            <a:ext cx="11304252" cy="3447591"/>
           </a:xfrm>
         </p:spPr>
         <p:txBody>
@@ -6404,8 +11085,12 @@
               <a:buNone/>
             </a:pPr>
             <a:r>
+              <a:rPr lang="en-US" spc="-150" dirty="0" err="1"/>
+              <a:t>React.StrictMode</a:t>
+            </a:r>
+            <a:r>
               <a:rPr lang="en-US" spc="-150" dirty="0"/>
-              <a:t>React.StrictMode </a:t>
+              <a:t> </a:t>
             </a:r>
             <a:r>
               <a:rPr lang="ru-RU" spc="-150" dirty="0"/>
